--- a/Weekly Meetings/Status_Angular_Distributions_Presentation_5June.pptx
+++ b/Weekly Meetings/Status_Angular_Distributions_Presentation_5June.pptx
@@ -212,7 +212,7 @@
           <a:p>
             <a:fld id="{E0F3FC76-411E-494E-BBF7-54618820D3D9}" type="datetimeFigureOut">
               <a:rPr lang="en-GB" smtClean="0"/>
-              <a:t>04/06/2019</a:t>
+              <a:t>05/06/2019</a:t>
             </a:fld>
             <a:endParaRPr lang="en-GB"/>
           </a:p>
@@ -2050,7 +2050,7 @@
           <a:p>
             <a:fld id="{B93549DA-7207-4101-AC01-D8C7F0838AF9}" type="datetime3">
               <a:rPr lang="en-US" smtClean="0"/>
-              <a:t>4 June 2019</a:t>
+              <a:t>5 June 2019</a:t>
             </a:fld>
             <a:endParaRPr lang="en-US"/>
           </a:p>
@@ -2262,7 +2262,7 @@
           <a:p>
             <a:fld id="{6B3356D6-5AFA-4697-BF1B-5B11FC6D9C3F}" type="datetime3">
               <a:rPr lang="en-US" smtClean="0"/>
-              <a:t>4 June 2019</a:t>
+              <a:t>5 June 2019</a:t>
             </a:fld>
             <a:endParaRPr lang="en-US"/>
           </a:p>
@@ -2522,7 +2522,7 @@
           <a:p>
             <a:fld id="{39C458AD-A59C-4C0B-BF35-CC776F25ED60}" type="datetime3">
               <a:rPr lang="en-US" smtClean="0"/>
-              <a:t>4 June 2019</a:t>
+              <a:t>5 June 2019</a:t>
             </a:fld>
             <a:endParaRPr lang="en-US"/>
           </a:p>
@@ -2696,7 +2696,7 @@
           <a:p>
             <a:fld id="{13143EFC-DA6C-4B2A-A663-25194C68352E}" type="datetime3">
               <a:rPr lang="en-US" smtClean="0"/>
-              <a:t>4 June 2019</a:t>
+              <a:t>5 June 2019</a:t>
             </a:fld>
             <a:endParaRPr lang="en-US"/>
           </a:p>
@@ -3043,7 +3043,7 @@
           <a:p>
             <a:fld id="{10EBF91E-F74B-43D8-9A96-5E5AED4A0583}" type="datetime3">
               <a:rPr lang="en-US" smtClean="0"/>
-              <a:t>4 June 2019</a:t>
+              <a:t>5 June 2019</a:t>
             </a:fld>
             <a:endParaRPr lang="en-US"/>
           </a:p>
@@ -3322,7 +3322,7 @@
           <a:p>
             <a:fld id="{EF68B882-6789-4EFD-B927-92F14706BDF7}" type="datetime3">
               <a:rPr lang="en-US" smtClean="0"/>
-              <a:t>4 June 2019</a:t>
+              <a:t>5 June 2019</a:t>
             </a:fld>
             <a:endParaRPr lang="en-US"/>
           </a:p>
@@ -3705,7 +3705,7 @@
           <a:p>
             <a:fld id="{69FC1DD0-08B2-43B3-AEF0-BF606E1E934B}" type="datetime3">
               <a:rPr lang="en-US" smtClean="0"/>
-              <a:t>4 June 2019</a:t>
+              <a:t>5 June 2019</a:t>
             </a:fld>
             <a:endParaRPr lang="en-US"/>
           </a:p>
@@ -3827,7 +3827,7 @@
           <a:p>
             <a:fld id="{4C7E968B-DB77-4620-B607-92BCA7FAA7C4}" type="datetime3">
               <a:rPr lang="en-US" smtClean="0"/>
-              <a:t>4 June 2019</a:t>
+              <a:t>5 June 2019</a:t>
             </a:fld>
             <a:endParaRPr lang="en-US"/>
           </a:p>
@@ -4002,7 +4002,7 @@
           <a:p>
             <a:fld id="{136A9F13-2635-4BC3-9FB2-FA4EB28723A3}" type="datetime3">
               <a:rPr lang="en-US" smtClean="0"/>
-              <a:t>4 June 2019</a:t>
+              <a:t>5 June 2019</a:t>
             </a:fld>
             <a:endParaRPr lang="en-US"/>
           </a:p>
@@ -4360,7 +4360,7 @@
           <a:p>
             <a:fld id="{5A316585-6219-423D-B9A1-CA72626759B2}" type="datetime3">
               <a:rPr lang="en-US" smtClean="0"/>
-              <a:t>4 June 2019</a:t>
+              <a:t>5 June 2019</a:t>
             </a:fld>
             <a:endParaRPr lang="en-US"/>
           </a:p>
@@ -4741,7 +4741,7 @@
           <a:p>
             <a:fld id="{BFD9067D-9751-4010-B63A-2F1ED6E5E699}" type="datetime3">
               <a:rPr lang="en-US" smtClean="0"/>
-              <a:t>4 June 2019</a:t>
+              <a:t>5 June 2019</a:t>
             </a:fld>
             <a:endParaRPr lang="en-US"/>
           </a:p>
@@ -5032,7 +5032,7 @@
           <a:p>
             <a:fld id="{A24F5CAB-D6EB-4020-8ED6-55735DF143A1}" type="datetime3">
               <a:rPr lang="en-US" smtClean="0"/>
-              <a:t>4 June 2019</a:t>
+              <a:t>5 June 2019</a:t>
             </a:fld>
             <a:endParaRPr lang="en-US"/>
           </a:p>
@@ -5810,7 +5810,7 @@
           <a:p>
             <a:fld id="{482AA653-8872-4AEA-B19D-0BF0F1064A5A}" type="datetime3">
               <a:rPr lang="en-US" smtClean="0"/>
-              <a:t>4 June 2019</a:t>
+              <a:t>5 June 2019</a:t>
             </a:fld>
             <a:endParaRPr lang="en-US"/>
           </a:p>
@@ -5957,7 +5957,7 @@
           <a:p>
             <a:fld id="{482AA653-8872-4AEA-B19D-0BF0F1064A5A}" type="datetime3">
               <a:rPr lang="en-US" smtClean="0"/>
-              <a:t>4 June 2019</a:t>
+              <a:t>5 June 2019</a:t>
             </a:fld>
             <a:endParaRPr lang="en-US"/>
           </a:p>
@@ -6152,7 +6152,7 @@
           <a:p>
             <a:fld id="{482AA653-8872-4AEA-B19D-0BF0F1064A5A}" type="datetime3">
               <a:rPr lang="en-US" smtClean="0"/>
-              <a:t>4 June 2019</a:t>
+              <a:t>5 June 2019</a:t>
             </a:fld>
             <a:endParaRPr lang="en-US"/>
           </a:p>
@@ -6343,7 +6343,7 @@
           <a:p>
             <a:fld id="{482AA653-8872-4AEA-B19D-0BF0F1064A5A}" type="datetime3">
               <a:rPr lang="en-US" smtClean="0"/>
-              <a:t>4 June 2019</a:t>
+              <a:t>5 June 2019</a:t>
             </a:fld>
             <a:endParaRPr lang="en-US"/>
           </a:p>
@@ -6794,7 +6794,7 @@
           <a:p>
             <a:fld id="{482AA653-8872-4AEA-B19D-0BF0F1064A5A}" type="datetime3">
               <a:rPr lang="en-US" smtClean="0"/>
-              <a:t>4 June 2019</a:t>
+              <a:t>5 June 2019</a:t>
             </a:fld>
             <a:endParaRPr lang="en-US"/>
           </a:p>
@@ -7432,7 +7432,7 @@
           <a:p>
             <a:fld id="{482AA653-8872-4AEA-B19D-0BF0F1064A5A}" type="datetime3">
               <a:rPr lang="en-US" smtClean="0"/>
-              <a:t>4 June 2019</a:t>
+              <a:t>5 June 2019</a:t>
             </a:fld>
             <a:endParaRPr lang="en-US"/>
           </a:p>
@@ -7768,11 +7768,7 @@
           <a:p>
             <a:r>
               <a:rPr lang="en-US" sz="1000" dirty="0" smtClean="0"/>
-              <a:t>Control </a:t>
-            </a:r>
-            <a:r>
-              <a:rPr lang="en-US" sz="1000" dirty="0" smtClean="0"/>
-              <a:t>Region (0-btag)</a:t>
+              <a:t>Control Region (0-btag)</a:t>
             </a:r>
             <a:endParaRPr lang="en-GB" sz="1000" dirty="0"/>
           </a:p>
@@ -7802,11 +7798,7 @@
           <a:p>
             <a:r>
               <a:rPr lang="en-US" sz="1000" dirty="0" smtClean="0"/>
-              <a:t>Signal </a:t>
-            </a:r>
-            <a:r>
-              <a:rPr lang="en-US" sz="1000" dirty="0" smtClean="0"/>
-              <a:t>Region (2-btag) </a:t>
+              <a:t>Signal Region (2-btag) </a:t>
             </a:r>
             <a:endParaRPr lang="en-GB" sz="1000" dirty="0"/>
           </a:p>
@@ -8039,7 +8031,7 @@
           <a:p>
             <a:fld id="{482AA653-8872-4AEA-B19D-0BF0F1064A5A}" type="datetime3">
               <a:rPr lang="en-US" smtClean="0"/>
-              <a:t>4 June 2019</a:t>
+              <a:t>5 June 2019</a:t>
             </a:fld>
             <a:endParaRPr lang="en-US"/>
           </a:p>
@@ -8310,7 +8302,7 @@
           <a:p>
             <a:fld id="{7E37C362-8B6B-44E6-96A6-D3578FE67DFA}" type="datetime3">
               <a:rPr lang="en-US" smtClean="0"/>
-              <a:t>4 June 2019</a:t>
+              <a:t>5 June 2019</a:t>
             </a:fld>
             <a:endParaRPr lang="en-US"/>
           </a:p>
@@ -9447,7 +9439,7 @@
           <a:p>
             <a:fld id="{482AA653-8872-4AEA-B19D-0BF0F1064A5A}" type="datetime3">
               <a:rPr lang="en-US" smtClean="0"/>
-              <a:t>4 June 2019</a:t>
+              <a:t>5 June 2019</a:t>
             </a:fld>
             <a:endParaRPr lang="en-US"/>
           </a:p>
@@ -9891,7 +9883,7 @@
           <a:p>
             <a:fld id="{482AA653-8872-4AEA-B19D-0BF0F1064A5A}" type="datetime3">
               <a:rPr lang="en-US" smtClean="0"/>
-              <a:t>4 June 2019</a:t>
+              <a:t>5 June 2019</a:t>
             </a:fld>
             <a:endParaRPr lang="en-US"/>
           </a:p>
@@ -10083,8 +10075,8 @@
           </a:p>
         </p:txBody>
       </p:sp>
-      <mc:AlternateContent xmlns:mc="http://schemas.openxmlformats.org/markup-compatibility/2006">
-        <mc:Choice xmlns:a14="http://schemas.microsoft.com/office/drawing/2010/main" Requires="a14">
+      <mc:AlternateContent xmlns:mc="http://schemas.openxmlformats.org/markup-compatibility/2006" xmlns:a14="http://schemas.microsoft.com/office/drawing/2010/main">
+        <mc:Choice Requires="a14">
           <p:sp>
             <p:nvSpPr>
               <p:cNvPr id="8" name="TextBox 7"/>
@@ -10552,7 +10544,7 @@
             </p:txBody>
           </p:sp>
         </mc:Choice>
-        <mc:Fallback>
+        <mc:Fallback xmlns="">
           <p:sp>
             <p:nvSpPr>
               <p:cNvPr id="8" name="TextBox 7"/>
@@ -10803,7 +10795,7 @@
           <a:p>
             <a:fld id="{482AA653-8872-4AEA-B19D-0BF0F1064A5A}" type="datetime3">
               <a:rPr lang="en-US" smtClean="0"/>
-              <a:t>4 June 2019</a:t>
+              <a:t>5 June 2019</a:t>
             </a:fld>
             <a:endParaRPr lang="en-US"/>
           </a:p>
@@ -10966,7 +10958,7 @@
           <a:p>
             <a:fld id="{482AA653-8872-4AEA-B19D-0BF0F1064A5A}" type="datetime3">
               <a:rPr lang="en-US" smtClean="0"/>
-              <a:t>4 June 2019</a:t>
+              <a:t>5 June 2019</a:t>
             </a:fld>
             <a:endParaRPr lang="en-US"/>
           </a:p>
@@ -11124,7 +11116,7 @@
           <a:p>
             <a:fld id="{482AA653-8872-4AEA-B19D-0BF0F1064A5A}" type="datetime3">
               <a:rPr lang="en-US" smtClean="0"/>
-              <a:t>4 June 2019</a:t>
+              <a:t>5 June 2019</a:t>
             </a:fld>
             <a:endParaRPr lang="en-US"/>
           </a:p>
@@ -11312,7 +11304,7 @@
           <a:p>
             <a:fld id="{482AA653-8872-4AEA-B19D-0BF0F1064A5A}" type="datetime3">
               <a:rPr lang="en-US" smtClean="0"/>
-              <a:t>4 June 2019</a:t>
+              <a:t>5 June 2019</a:t>
             </a:fld>
             <a:endParaRPr lang="en-US"/>
           </a:p>
@@ -11597,7 +11589,7 @@
           <a:p>
             <a:fld id="{482AA653-8872-4AEA-B19D-0BF0F1064A5A}" type="datetime3">
               <a:rPr lang="en-US" smtClean="0"/>
-              <a:t>4 June 2019</a:t>
+              <a:t>5 June 2019</a:t>
             </a:fld>
             <a:endParaRPr lang="en-US"/>
           </a:p>

--- a/Weekly Meetings/Status_Angular_Distributions_Presentation_5June.pptx
+++ b/Weekly Meetings/Status_Angular_Distributions_Presentation_5June.pptx
@@ -5,7 +5,7 @@
     <p:sldMasterId id="2147483875" r:id="rId1"/>
   </p:sldMasterIdLst>
   <p:notesMasterIdLst>
-    <p:notesMasterId r:id="rId18"/>
+    <p:notesMasterId r:id="rId14"/>
   </p:notesMasterIdLst>
   <p:sldIdLst>
     <p:sldId id="256" r:id="rId2"/>
@@ -14,16 +14,12 @@
     <p:sldId id="274" r:id="rId5"/>
     <p:sldId id="260" r:id="rId6"/>
     <p:sldId id="261" r:id="rId7"/>
-    <p:sldId id="262" r:id="rId8"/>
-    <p:sldId id="263" r:id="rId9"/>
-    <p:sldId id="264" r:id="rId10"/>
-    <p:sldId id="265" r:id="rId11"/>
-    <p:sldId id="271" r:id="rId12"/>
-    <p:sldId id="267" r:id="rId13"/>
-    <p:sldId id="268" r:id="rId14"/>
-    <p:sldId id="269" r:id="rId15"/>
-    <p:sldId id="272" r:id="rId16"/>
-    <p:sldId id="273" r:id="rId17"/>
+    <p:sldId id="271" r:id="rId8"/>
+    <p:sldId id="267" r:id="rId9"/>
+    <p:sldId id="268" r:id="rId10"/>
+    <p:sldId id="269" r:id="rId11"/>
+    <p:sldId id="272" r:id="rId12"/>
+    <p:sldId id="273" r:id="rId13"/>
   </p:sldIdLst>
   <p:sldSz cx="12192000" cy="6858000"/>
   <p:notesSz cx="6858000" cy="9144000"/>
@@ -212,7 +208,7 @@
           <a:p>
             <a:fld id="{E0F3FC76-411E-494E-BBF7-54618820D3D9}" type="datetimeFigureOut">
               <a:rPr lang="en-GB" smtClean="0"/>
-              <a:t>05/06/2019</a:t>
+              <a:t>06/06/2019</a:t>
             </a:fld>
             <a:endParaRPr lang="en-GB"/>
           </a:p>
@@ -638,7 +634,7 @@
     </p:spTree>
     <p:extLst>
       <p:ext uri="{BB962C8B-B14F-4D97-AF65-F5344CB8AC3E}">
-        <p14:creationId xmlns:p14="http://schemas.microsoft.com/office/powerpoint/2010/main" val="2885603756"/>
+        <p14:creationId xmlns:p14="http://schemas.microsoft.com/office/powerpoint/2010/main" val="195183060"/>
       </p:ext>
     </p:extLst>
   </p:cSld>
@@ -722,7 +718,7 @@
     </p:spTree>
     <p:extLst>
       <p:ext uri="{BB962C8B-B14F-4D97-AF65-F5344CB8AC3E}">
-        <p14:creationId xmlns:p14="http://schemas.microsoft.com/office/powerpoint/2010/main" val="3946058040"/>
+        <p14:creationId xmlns:p14="http://schemas.microsoft.com/office/powerpoint/2010/main" val="428171984"/>
       </p:ext>
     </p:extLst>
   </p:cSld>
@@ -798,342 +794,6 @@
             <a:fld id="{DDE251E9-812E-4854-B6DD-3E1C329A13AA}" type="slidenum">
               <a:rPr lang="en-GB" smtClean="0"/>
               <a:t>12</a:t>
-            </a:fld>
-            <a:endParaRPr lang="en-GB"/>
-          </a:p>
-        </p:txBody>
-      </p:sp>
-    </p:spTree>
-    <p:extLst>
-      <p:ext uri="{BB962C8B-B14F-4D97-AF65-F5344CB8AC3E}">
-        <p14:creationId xmlns:p14="http://schemas.microsoft.com/office/powerpoint/2010/main" val="90411331"/>
-      </p:ext>
-    </p:extLst>
-  </p:cSld>
-  <p:clrMapOvr>
-    <a:masterClrMapping/>
-  </p:clrMapOvr>
-</p:notes>
-</file>
-
-<file path=ppt/notesSlides/notesSlide13.xml><?xml version="1.0" encoding="utf-8"?>
-<p:notes xmlns:a="http://schemas.openxmlformats.org/drawingml/2006/main" xmlns:r="http://schemas.openxmlformats.org/officeDocument/2006/relationships" xmlns:p="http://schemas.openxmlformats.org/presentationml/2006/main">
-  <p:cSld>
-    <p:spTree>
-      <p:nvGrpSpPr>
-        <p:cNvPr id="1" name=""/>
-        <p:cNvGrpSpPr/>
-        <p:nvPr/>
-      </p:nvGrpSpPr>
-      <p:grpSpPr>
-        <a:xfrm>
-          <a:off x="0" y="0"/>
-          <a:ext cx="0" cy="0"/>
-          <a:chOff x="0" y="0"/>
-          <a:chExt cx="0" cy="0"/>
-        </a:xfrm>
-      </p:grpSpPr>
-      <p:sp>
-        <p:nvSpPr>
-          <p:cNvPr id="2" name="Slide Image Placeholder 1"/>
-          <p:cNvSpPr>
-            <a:spLocks noGrp="1" noRot="1" noChangeAspect="1"/>
-          </p:cNvSpPr>
-          <p:nvPr>
-            <p:ph type="sldImg"/>
-          </p:nvPr>
-        </p:nvSpPr>
-        <p:spPr/>
-      </p:sp>
-      <p:sp>
-        <p:nvSpPr>
-          <p:cNvPr id="3" name="Notes Placeholder 2"/>
-          <p:cNvSpPr>
-            <a:spLocks noGrp="1"/>
-          </p:cNvSpPr>
-          <p:nvPr>
-            <p:ph type="body" idx="1"/>
-          </p:nvPr>
-        </p:nvSpPr>
-        <p:spPr/>
-        <p:txBody>
-          <a:bodyPr/>
-          <a:lstStyle/>
-          <a:p>
-            <a:endParaRPr lang="en-GB" dirty="0"/>
-          </a:p>
-        </p:txBody>
-      </p:sp>
-      <p:sp>
-        <p:nvSpPr>
-          <p:cNvPr id="4" name="Slide Number Placeholder 3"/>
-          <p:cNvSpPr>
-            <a:spLocks noGrp="1"/>
-          </p:cNvSpPr>
-          <p:nvPr>
-            <p:ph type="sldNum" sz="quarter" idx="10"/>
-          </p:nvPr>
-        </p:nvSpPr>
-        <p:spPr/>
-        <p:txBody>
-          <a:bodyPr/>
-          <a:lstStyle/>
-          <a:p>
-            <a:fld id="{DDE251E9-812E-4854-B6DD-3E1C329A13AA}" type="slidenum">
-              <a:rPr lang="en-GB" smtClean="0"/>
-              <a:t>13</a:t>
-            </a:fld>
-            <a:endParaRPr lang="en-GB"/>
-          </a:p>
-        </p:txBody>
-      </p:sp>
-    </p:spTree>
-    <p:extLst>
-      <p:ext uri="{BB962C8B-B14F-4D97-AF65-F5344CB8AC3E}">
-        <p14:creationId xmlns:p14="http://schemas.microsoft.com/office/powerpoint/2010/main" val="4118507701"/>
-      </p:ext>
-    </p:extLst>
-  </p:cSld>
-  <p:clrMapOvr>
-    <a:masterClrMapping/>
-  </p:clrMapOvr>
-</p:notes>
-</file>
-
-<file path=ppt/notesSlides/notesSlide14.xml><?xml version="1.0" encoding="utf-8"?>
-<p:notes xmlns:a="http://schemas.openxmlformats.org/drawingml/2006/main" xmlns:r="http://schemas.openxmlformats.org/officeDocument/2006/relationships" xmlns:p="http://schemas.openxmlformats.org/presentationml/2006/main">
-  <p:cSld>
-    <p:spTree>
-      <p:nvGrpSpPr>
-        <p:cNvPr id="1" name=""/>
-        <p:cNvGrpSpPr/>
-        <p:nvPr/>
-      </p:nvGrpSpPr>
-      <p:grpSpPr>
-        <a:xfrm>
-          <a:off x="0" y="0"/>
-          <a:ext cx="0" cy="0"/>
-          <a:chOff x="0" y="0"/>
-          <a:chExt cx="0" cy="0"/>
-        </a:xfrm>
-      </p:grpSpPr>
-      <p:sp>
-        <p:nvSpPr>
-          <p:cNvPr id="2" name="Slide Image Placeholder 1"/>
-          <p:cNvSpPr>
-            <a:spLocks noGrp="1" noRot="1" noChangeAspect="1"/>
-          </p:cNvSpPr>
-          <p:nvPr>
-            <p:ph type="sldImg"/>
-          </p:nvPr>
-        </p:nvSpPr>
-        <p:spPr/>
-      </p:sp>
-      <p:sp>
-        <p:nvSpPr>
-          <p:cNvPr id="3" name="Notes Placeholder 2"/>
-          <p:cNvSpPr>
-            <a:spLocks noGrp="1"/>
-          </p:cNvSpPr>
-          <p:nvPr>
-            <p:ph type="body" idx="1"/>
-          </p:nvPr>
-        </p:nvSpPr>
-        <p:spPr/>
-        <p:txBody>
-          <a:bodyPr/>
-          <a:lstStyle/>
-          <a:p>
-            <a:endParaRPr lang="en-GB" dirty="0"/>
-          </a:p>
-        </p:txBody>
-      </p:sp>
-      <p:sp>
-        <p:nvSpPr>
-          <p:cNvPr id="4" name="Slide Number Placeholder 3"/>
-          <p:cNvSpPr>
-            <a:spLocks noGrp="1"/>
-          </p:cNvSpPr>
-          <p:nvPr>
-            <p:ph type="sldNum" sz="quarter" idx="10"/>
-          </p:nvPr>
-        </p:nvSpPr>
-        <p:spPr/>
-        <p:txBody>
-          <a:bodyPr/>
-          <a:lstStyle/>
-          <a:p>
-            <a:fld id="{DDE251E9-812E-4854-B6DD-3E1C329A13AA}" type="slidenum">
-              <a:rPr lang="en-GB" smtClean="0"/>
-              <a:t>14</a:t>
-            </a:fld>
-            <a:endParaRPr lang="en-GB"/>
-          </a:p>
-        </p:txBody>
-      </p:sp>
-    </p:spTree>
-    <p:extLst>
-      <p:ext uri="{BB962C8B-B14F-4D97-AF65-F5344CB8AC3E}">
-        <p14:creationId xmlns:p14="http://schemas.microsoft.com/office/powerpoint/2010/main" val="195183060"/>
-      </p:ext>
-    </p:extLst>
-  </p:cSld>
-  <p:clrMapOvr>
-    <a:masterClrMapping/>
-  </p:clrMapOvr>
-</p:notes>
-</file>
-
-<file path=ppt/notesSlides/notesSlide15.xml><?xml version="1.0" encoding="utf-8"?>
-<p:notes xmlns:a="http://schemas.openxmlformats.org/drawingml/2006/main" xmlns:r="http://schemas.openxmlformats.org/officeDocument/2006/relationships" xmlns:p="http://schemas.openxmlformats.org/presentationml/2006/main">
-  <p:cSld>
-    <p:spTree>
-      <p:nvGrpSpPr>
-        <p:cNvPr id="1" name=""/>
-        <p:cNvGrpSpPr/>
-        <p:nvPr/>
-      </p:nvGrpSpPr>
-      <p:grpSpPr>
-        <a:xfrm>
-          <a:off x="0" y="0"/>
-          <a:ext cx="0" cy="0"/>
-          <a:chOff x="0" y="0"/>
-          <a:chExt cx="0" cy="0"/>
-        </a:xfrm>
-      </p:grpSpPr>
-      <p:sp>
-        <p:nvSpPr>
-          <p:cNvPr id="2" name="Slide Image Placeholder 1"/>
-          <p:cNvSpPr>
-            <a:spLocks noGrp="1" noRot="1" noChangeAspect="1"/>
-          </p:cNvSpPr>
-          <p:nvPr>
-            <p:ph type="sldImg"/>
-          </p:nvPr>
-        </p:nvSpPr>
-        <p:spPr/>
-      </p:sp>
-      <p:sp>
-        <p:nvSpPr>
-          <p:cNvPr id="3" name="Notes Placeholder 2"/>
-          <p:cNvSpPr>
-            <a:spLocks noGrp="1"/>
-          </p:cNvSpPr>
-          <p:nvPr>
-            <p:ph type="body" idx="1"/>
-          </p:nvPr>
-        </p:nvSpPr>
-        <p:spPr/>
-        <p:txBody>
-          <a:bodyPr/>
-          <a:lstStyle/>
-          <a:p>
-            <a:endParaRPr lang="en-GB" dirty="0"/>
-          </a:p>
-        </p:txBody>
-      </p:sp>
-      <p:sp>
-        <p:nvSpPr>
-          <p:cNvPr id="4" name="Slide Number Placeholder 3"/>
-          <p:cNvSpPr>
-            <a:spLocks noGrp="1"/>
-          </p:cNvSpPr>
-          <p:nvPr>
-            <p:ph type="sldNum" sz="quarter" idx="10"/>
-          </p:nvPr>
-        </p:nvSpPr>
-        <p:spPr/>
-        <p:txBody>
-          <a:bodyPr/>
-          <a:lstStyle/>
-          <a:p>
-            <a:fld id="{DDE251E9-812E-4854-B6DD-3E1C329A13AA}" type="slidenum">
-              <a:rPr lang="en-GB" smtClean="0"/>
-              <a:t>15</a:t>
-            </a:fld>
-            <a:endParaRPr lang="en-GB"/>
-          </a:p>
-        </p:txBody>
-      </p:sp>
-    </p:spTree>
-    <p:extLst>
-      <p:ext uri="{BB962C8B-B14F-4D97-AF65-F5344CB8AC3E}">
-        <p14:creationId xmlns:p14="http://schemas.microsoft.com/office/powerpoint/2010/main" val="428171984"/>
-      </p:ext>
-    </p:extLst>
-  </p:cSld>
-  <p:clrMapOvr>
-    <a:masterClrMapping/>
-  </p:clrMapOvr>
-</p:notes>
-</file>
-
-<file path=ppt/notesSlides/notesSlide16.xml><?xml version="1.0" encoding="utf-8"?>
-<p:notes xmlns:a="http://schemas.openxmlformats.org/drawingml/2006/main" xmlns:r="http://schemas.openxmlformats.org/officeDocument/2006/relationships" xmlns:p="http://schemas.openxmlformats.org/presentationml/2006/main">
-  <p:cSld>
-    <p:spTree>
-      <p:nvGrpSpPr>
-        <p:cNvPr id="1" name=""/>
-        <p:cNvGrpSpPr/>
-        <p:nvPr/>
-      </p:nvGrpSpPr>
-      <p:grpSpPr>
-        <a:xfrm>
-          <a:off x="0" y="0"/>
-          <a:ext cx="0" cy="0"/>
-          <a:chOff x="0" y="0"/>
-          <a:chExt cx="0" cy="0"/>
-        </a:xfrm>
-      </p:grpSpPr>
-      <p:sp>
-        <p:nvSpPr>
-          <p:cNvPr id="2" name="Slide Image Placeholder 1"/>
-          <p:cNvSpPr>
-            <a:spLocks noGrp="1" noRot="1" noChangeAspect="1"/>
-          </p:cNvSpPr>
-          <p:nvPr>
-            <p:ph type="sldImg"/>
-          </p:nvPr>
-        </p:nvSpPr>
-        <p:spPr/>
-      </p:sp>
-      <p:sp>
-        <p:nvSpPr>
-          <p:cNvPr id="3" name="Notes Placeholder 2"/>
-          <p:cNvSpPr>
-            <a:spLocks noGrp="1"/>
-          </p:cNvSpPr>
-          <p:nvPr>
-            <p:ph type="body" idx="1"/>
-          </p:nvPr>
-        </p:nvSpPr>
-        <p:spPr/>
-        <p:txBody>
-          <a:bodyPr/>
-          <a:lstStyle/>
-          <a:p>
-            <a:endParaRPr lang="en-GB" dirty="0"/>
-          </a:p>
-        </p:txBody>
-      </p:sp>
-      <p:sp>
-        <p:nvSpPr>
-          <p:cNvPr id="4" name="Slide Number Placeholder 3"/>
-          <p:cNvSpPr>
-            <a:spLocks noGrp="1"/>
-          </p:cNvSpPr>
-          <p:nvPr>
-            <p:ph type="sldNum" sz="quarter" idx="10"/>
-          </p:nvPr>
-        </p:nvSpPr>
-        <p:spPr/>
-        <p:txBody>
-          <a:bodyPr/>
-          <a:lstStyle/>
-          <a:p>
-            <a:fld id="{DDE251E9-812E-4854-B6DD-3E1C329A13AA}" type="slidenum">
-              <a:rPr lang="en-GB" smtClean="0"/>
-              <a:t>16</a:t>
             </a:fld>
             <a:endParaRPr lang="en-GB"/>
           </a:p>
@@ -1646,7 +1306,7 @@
     </p:spTree>
     <p:extLst>
       <p:ext uri="{BB962C8B-B14F-4D97-AF65-F5344CB8AC3E}">
-        <p14:creationId xmlns:p14="http://schemas.microsoft.com/office/powerpoint/2010/main" val="1157169101"/>
+        <p14:creationId xmlns:p14="http://schemas.microsoft.com/office/powerpoint/2010/main" val="3946058040"/>
       </p:ext>
     </p:extLst>
   </p:cSld>
@@ -1730,7 +1390,7 @@
     </p:spTree>
     <p:extLst>
       <p:ext uri="{BB962C8B-B14F-4D97-AF65-F5344CB8AC3E}">
-        <p14:creationId xmlns:p14="http://schemas.microsoft.com/office/powerpoint/2010/main" val="2712828136"/>
+        <p14:creationId xmlns:p14="http://schemas.microsoft.com/office/powerpoint/2010/main" val="90411331"/>
       </p:ext>
     </p:extLst>
   </p:cSld>
@@ -1814,7 +1474,7 @@
     </p:spTree>
     <p:extLst>
       <p:ext uri="{BB962C8B-B14F-4D97-AF65-F5344CB8AC3E}">
-        <p14:creationId xmlns:p14="http://schemas.microsoft.com/office/powerpoint/2010/main" val="1835934929"/>
+        <p14:creationId xmlns:p14="http://schemas.microsoft.com/office/powerpoint/2010/main" val="4118507701"/>
       </p:ext>
     </p:extLst>
   </p:cSld>
@@ -2050,7 +1710,7 @@
           <a:p>
             <a:fld id="{B93549DA-7207-4101-AC01-D8C7F0838AF9}" type="datetime3">
               <a:rPr lang="en-US" smtClean="0"/>
-              <a:t>5 June 2019</a:t>
+              <a:t>6 June 2019</a:t>
             </a:fld>
             <a:endParaRPr lang="en-US"/>
           </a:p>
@@ -2262,7 +1922,7 @@
           <a:p>
             <a:fld id="{6B3356D6-5AFA-4697-BF1B-5B11FC6D9C3F}" type="datetime3">
               <a:rPr lang="en-US" smtClean="0"/>
-              <a:t>5 June 2019</a:t>
+              <a:t>6 June 2019</a:t>
             </a:fld>
             <a:endParaRPr lang="en-US"/>
           </a:p>
@@ -2522,7 +2182,7 @@
           <a:p>
             <a:fld id="{39C458AD-A59C-4C0B-BF35-CC776F25ED60}" type="datetime3">
               <a:rPr lang="en-US" smtClean="0"/>
-              <a:t>5 June 2019</a:t>
+              <a:t>6 June 2019</a:t>
             </a:fld>
             <a:endParaRPr lang="en-US"/>
           </a:p>
@@ -2696,7 +2356,7 @@
           <a:p>
             <a:fld id="{13143EFC-DA6C-4B2A-A663-25194C68352E}" type="datetime3">
               <a:rPr lang="en-US" smtClean="0"/>
-              <a:t>5 June 2019</a:t>
+              <a:t>6 June 2019</a:t>
             </a:fld>
             <a:endParaRPr lang="en-US"/>
           </a:p>
@@ -3043,7 +2703,7 @@
           <a:p>
             <a:fld id="{10EBF91E-F74B-43D8-9A96-5E5AED4A0583}" type="datetime3">
               <a:rPr lang="en-US" smtClean="0"/>
-              <a:t>5 June 2019</a:t>
+              <a:t>6 June 2019</a:t>
             </a:fld>
             <a:endParaRPr lang="en-US"/>
           </a:p>
@@ -3322,7 +2982,7 @@
           <a:p>
             <a:fld id="{EF68B882-6789-4EFD-B927-92F14706BDF7}" type="datetime3">
               <a:rPr lang="en-US" smtClean="0"/>
-              <a:t>5 June 2019</a:t>
+              <a:t>6 June 2019</a:t>
             </a:fld>
             <a:endParaRPr lang="en-US"/>
           </a:p>
@@ -3705,7 +3365,7 @@
           <a:p>
             <a:fld id="{69FC1DD0-08B2-43B3-AEF0-BF606E1E934B}" type="datetime3">
               <a:rPr lang="en-US" smtClean="0"/>
-              <a:t>5 June 2019</a:t>
+              <a:t>6 June 2019</a:t>
             </a:fld>
             <a:endParaRPr lang="en-US"/>
           </a:p>
@@ -3827,7 +3487,7 @@
           <a:p>
             <a:fld id="{4C7E968B-DB77-4620-B607-92BCA7FAA7C4}" type="datetime3">
               <a:rPr lang="en-US" smtClean="0"/>
-              <a:t>5 June 2019</a:t>
+              <a:t>6 June 2019</a:t>
             </a:fld>
             <a:endParaRPr lang="en-US"/>
           </a:p>
@@ -4002,7 +3662,7 @@
           <a:p>
             <a:fld id="{136A9F13-2635-4BC3-9FB2-FA4EB28723A3}" type="datetime3">
               <a:rPr lang="en-US" smtClean="0"/>
-              <a:t>5 June 2019</a:t>
+              <a:t>6 June 2019</a:t>
             </a:fld>
             <a:endParaRPr lang="en-US"/>
           </a:p>
@@ -4360,7 +4020,7 @@
           <a:p>
             <a:fld id="{5A316585-6219-423D-B9A1-CA72626759B2}" type="datetime3">
               <a:rPr lang="en-US" smtClean="0"/>
-              <a:t>5 June 2019</a:t>
+              <a:t>6 June 2019</a:t>
             </a:fld>
             <a:endParaRPr lang="en-US"/>
           </a:p>
@@ -4741,7 +4401,7 @@
           <a:p>
             <a:fld id="{BFD9067D-9751-4010-B63A-2F1ED6E5E699}" type="datetime3">
               <a:rPr lang="en-US" smtClean="0"/>
-              <a:t>5 June 2019</a:t>
+              <a:t>6 June 2019</a:t>
             </a:fld>
             <a:endParaRPr lang="en-US"/>
           </a:p>
@@ -5032,7 +4692,7 @@
           <a:p>
             <a:fld id="{A24F5CAB-D6EB-4020-8ED6-55735DF143A1}" type="datetime3">
               <a:rPr lang="en-US" smtClean="0"/>
-              <a:t>5 June 2019</a:t>
+              <a:t>6 June 2019</a:t>
             </a:fld>
             <a:endParaRPr lang="en-US"/>
           </a:p>
@@ -5763,36 +5423,6 @@
           <a:chExt cx="0" cy="0"/>
         </a:xfrm>
       </p:grpSpPr>
-      <p:pic>
-        <p:nvPicPr>
-          <p:cNvPr id="4" name="Picture 3"/>
-          <p:cNvPicPr>
-            <a:picLocks noChangeAspect="1"/>
-          </p:cNvPicPr>
-          <p:nvPr/>
-        </p:nvPicPr>
-        <p:blipFill>
-          <a:blip r:embed="rId3">
-            <a:extLst>
-              <a:ext uri="{28A0092B-C50C-407E-A947-70E740481C1C}">
-                <a14:useLocalDpi xmlns:a14="http://schemas.microsoft.com/office/drawing/2010/main" val="0"/>
-              </a:ext>
-            </a:extLst>
-          </a:blip>
-          <a:stretch>
-            <a:fillRect/>
-          </a:stretch>
-        </p:blipFill>
-        <p:spPr>
-          <a:xfrm>
-            <a:off x="1914971" y="545415"/>
-            <a:ext cx="8553450" cy="5457825"/>
-          </a:xfrm>
-          <a:prstGeom prst="rect">
-            <a:avLst/>
-          </a:prstGeom>
-        </p:spPr>
-      </p:pic>
       <p:sp>
         <p:nvSpPr>
           <p:cNvPr id="2" name="Date Placeholder 1"/>
@@ -5810,7 +5440,7 @@
           <a:p>
             <a:fld id="{482AA653-8872-4AEA-B19D-0BF0F1064A5A}" type="datetime3">
               <a:rPr lang="en-US" smtClean="0"/>
-              <a:t>5 June 2019</a:t>
+              <a:t>6 June 2019</a:t>
             </a:fld>
             <a:endParaRPr lang="en-US"/>
           </a:p>
@@ -5857,990 +5487,6 @@
             <a:fld id="{AEEFAC8D-0A19-DC49-9F7A-4BFCAD95B105}" type="slidenum">
               <a:rPr lang="en-US" smtClean="0"/>
               <a:t>10</a:t>
-            </a:fld>
-            <a:endParaRPr lang="en-US"/>
-          </a:p>
-        </p:txBody>
-      </p:sp>
-      <p:pic>
-        <p:nvPicPr>
-          <p:cNvPr id="8" name="Picture 7"/>
-          <p:cNvPicPr>
-            <a:picLocks noChangeAspect="1"/>
-          </p:cNvPicPr>
-          <p:nvPr/>
-        </p:nvPicPr>
-        <p:blipFill>
-          <a:blip r:embed="rId4"/>
-          <a:stretch>
-            <a:fillRect/>
-          </a:stretch>
-        </p:blipFill>
-        <p:spPr>
-          <a:xfrm>
-            <a:off x="2228854" y="1244374"/>
-            <a:ext cx="209122" cy="472460"/>
-          </a:xfrm>
-          <a:prstGeom prst="rect">
-            <a:avLst/>
-          </a:prstGeom>
-        </p:spPr>
-      </p:pic>
-      <p:pic>
-        <p:nvPicPr>
-          <p:cNvPr id="10" name="Picture 9"/>
-          <p:cNvPicPr>
-            <a:picLocks noChangeAspect="1"/>
-          </p:cNvPicPr>
-          <p:nvPr/>
-        </p:nvPicPr>
-        <p:blipFill>
-          <a:blip r:embed="rId5"/>
-          <a:stretch>
-            <a:fillRect/>
-          </a:stretch>
-        </p:blipFill>
-        <p:spPr>
-          <a:xfrm>
-            <a:off x="8971050" y="5813667"/>
-            <a:ext cx="549285" cy="189573"/>
-          </a:xfrm>
-          <a:prstGeom prst="rect">
-            <a:avLst/>
-          </a:prstGeom>
-        </p:spPr>
-      </p:pic>
-    </p:spTree>
-    <p:extLst>
-      <p:ext uri="{BB962C8B-B14F-4D97-AF65-F5344CB8AC3E}">
-        <p14:creationId xmlns:p14="http://schemas.microsoft.com/office/powerpoint/2010/main" val="2604188727"/>
-      </p:ext>
-    </p:extLst>
-  </p:cSld>
-  <p:clrMapOvr>
-    <a:masterClrMapping/>
-  </p:clrMapOvr>
-</p:sld>
-</file>
-
-<file path=ppt/slides/slide11.xml><?xml version="1.0" encoding="utf-8"?>
-<p:sld xmlns:a="http://schemas.openxmlformats.org/drawingml/2006/main" xmlns:r="http://schemas.openxmlformats.org/officeDocument/2006/relationships" xmlns:p="http://schemas.openxmlformats.org/presentationml/2006/main">
-  <p:cSld>
-    <p:spTree>
-      <p:nvGrpSpPr>
-        <p:cNvPr id="1" name=""/>
-        <p:cNvGrpSpPr/>
-        <p:nvPr/>
-      </p:nvGrpSpPr>
-      <p:grpSpPr>
-        <a:xfrm>
-          <a:off x="0" y="0"/>
-          <a:ext cx="0" cy="0"/>
-          <a:chOff x="0" y="0"/>
-          <a:chExt cx="0" cy="0"/>
-        </a:xfrm>
-      </p:grpSpPr>
-      <p:sp>
-        <p:nvSpPr>
-          <p:cNvPr id="2" name="Date Placeholder 1"/>
-          <p:cNvSpPr>
-            <a:spLocks noGrp="1"/>
-          </p:cNvSpPr>
-          <p:nvPr>
-            <p:ph type="dt" sz="half" idx="10"/>
-          </p:nvPr>
-        </p:nvSpPr>
-        <p:spPr/>
-        <p:txBody>
-          <a:bodyPr/>
-          <a:lstStyle/>
-          <a:p>
-            <a:fld id="{482AA653-8872-4AEA-B19D-0BF0F1064A5A}" type="datetime3">
-              <a:rPr lang="en-US" smtClean="0"/>
-              <a:t>5 June 2019</a:t>
-            </a:fld>
-            <a:endParaRPr lang="en-US"/>
-          </a:p>
-        </p:txBody>
-      </p:sp>
-      <p:sp>
-        <p:nvSpPr>
-          <p:cNvPr id="3" name="Footer Placeholder 2"/>
-          <p:cNvSpPr>
-            <a:spLocks noGrp="1"/>
-          </p:cNvSpPr>
-          <p:nvPr>
-            <p:ph type="ftr" sz="quarter" idx="11"/>
-          </p:nvPr>
-        </p:nvSpPr>
-        <p:spPr/>
-        <p:txBody>
-          <a:bodyPr/>
-          <a:lstStyle/>
-          <a:p>
-            <a:r>
-              <a:rPr lang="fi-FI"/>
-              <a:t>NTUA, G. Bakas</a:t>
-            </a:r>
-            <a:endParaRPr lang="en-US"/>
-          </a:p>
-        </p:txBody>
-      </p:sp>
-      <p:sp>
-        <p:nvSpPr>
-          <p:cNvPr id="6" name="Slide Number Placeholder 5"/>
-          <p:cNvSpPr>
-            <a:spLocks noGrp="1"/>
-          </p:cNvSpPr>
-          <p:nvPr>
-            <p:ph type="sldNum" sz="quarter" idx="12"/>
-          </p:nvPr>
-        </p:nvSpPr>
-        <p:spPr/>
-        <p:txBody>
-          <a:bodyPr/>
-          <a:lstStyle/>
-          <a:p>
-            <a:fld id="{AEEFAC8D-0A19-DC49-9F7A-4BFCAD95B105}" type="slidenum">
-              <a:rPr lang="en-US" smtClean="0"/>
-              <a:t>11</a:t>
-            </a:fld>
-            <a:endParaRPr lang="en-US"/>
-          </a:p>
-        </p:txBody>
-      </p:sp>
-      <p:sp>
-        <p:nvSpPr>
-          <p:cNvPr id="4" name="TextBox 3"/>
-          <p:cNvSpPr txBox="1"/>
-          <p:nvPr/>
-        </p:nvSpPr>
-        <p:spPr>
-          <a:xfrm>
-            <a:off x="326571" y="158620"/>
-            <a:ext cx="7791062" cy="369332"/>
-          </a:xfrm>
-          <a:prstGeom prst="rect">
-            <a:avLst/>
-          </a:prstGeom>
-          <a:noFill/>
-        </p:spPr>
-        <p:txBody>
-          <a:bodyPr wrap="square" rtlCol="0">
-            <a:spAutoFit/>
-          </a:bodyPr>
-          <a:lstStyle/>
-          <a:p>
-            <a:r>
-              <a:rPr lang="en-GB" u="sng" dirty="0"/>
-              <a:t>Comparisons with ATLAS </a:t>
-            </a:r>
-            <a:r>
-              <a:rPr lang="en-US" u="sng" dirty="0"/>
-              <a:t>|cos</a:t>
-            </a:r>
-            <a:r>
-              <a:rPr lang="el-GR" u="sng" dirty="0"/>
-              <a:t>θ</a:t>
-            </a:r>
-            <a:r>
-              <a:rPr lang="fr-CH" u="sng" dirty="0"/>
-              <a:t>| distributions</a:t>
-            </a:r>
-            <a:endParaRPr lang="en-GB" u="sng" dirty="0"/>
-          </a:p>
-        </p:txBody>
-      </p:sp>
-      <p:pic>
-        <p:nvPicPr>
-          <p:cNvPr id="5" name="Picture 4"/>
-          <p:cNvPicPr>
-            <a:picLocks noChangeAspect="1"/>
-          </p:cNvPicPr>
-          <p:nvPr/>
-        </p:nvPicPr>
-        <p:blipFill>
-          <a:blip r:embed="rId3"/>
-          <a:stretch>
-            <a:fillRect/>
-          </a:stretch>
-        </p:blipFill>
-        <p:spPr>
-          <a:xfrm>
-            <a:off x="6224976" y="1104229"/>
-            <a:ext cx="5191125" cy="4814207"/>
-          </a:xfrm>
-          <a:prstGeom prst="rect">
-            <a:avLst/>
-          </a:prstGeom>
-        </p:spPr>
-      </p:pic>
-      <p:pic>
-        <p:nvPicPr>
-          <p:cNvPr id="7" name="Picture 6"/>
-          <p:cNvPicPr>
-            <a:picLocks noChangeAspect="1"/>
-          </p:cNvPicPr>
-          <p:nvPr/>
-        </p:nvPicPr>
-        <p:blipFill>
-          <a:blip r:embed="rId4">
-            <a:extLst>
-              <a:ext uri="{28A0092B-C50C-407E-A947-70E740481C1C}">
-                <a14:useLocalDpi xmlns:a14="http://schemas.microsoft.com/office/drawing/2010/main" val="0"/>
-              </a:ext>
-            </a:extLst>
-          </a:blip>
-          <a:stretch>
-            <a:fillRect/>
-          </a:stretch>
-        </p:blipFill>
-        <p:spPr>
-          <a:xfrm>
-            <a:off x="81154" y="764435"/>
-            <a:ext cx="6143822" cy="5154001"/>
-          </a:xfrm>
-          <a:prstGeom prst="rect">
-            <a:avLst/>
-          </a:prstGeom>
-        </p:spPr>
-      </p:pic>
-    </p:spTree>
-    <p:extLst>
-      <p:ext uri="{BB962C8B-B14F-4D97-AF65-F5344CB8AC3E}">
-        <p14:creationId xmlns:p14="http://schemas.microsoft.com/office/powerpoint/2010/main" val="3992996587"/>
-      </p:ext>
-    </p:extLst>
-  </p:cSld>
-  <p:clrMapOvr>
-    <a:masterClrMapping/>
-  </p:clrMapOvr>
-</p:sld>
-</file>
-
-<file path=ppt/slides/slide12.xml><?xml version="1.0" encoding="utf-8"?>
-<p:sld xmlns:a="http://schemas.openxmlformats.org/drawingml/2006/main" xmlns:r="http://schemas.openxmlformats.org/officeDocument/2006/relationships" xmlns:p="http://schemas.openxmlformats.org/presentationml/2006/main">
-  <p:cSld>
-    <p:spTree>
-      <p:nvGrpSpPr>
-        <p:cNvPr id="1" name=""/>
-        <p:cNvGrpSpPr/>
-        <p:nvPr/>
-      </p:nvGrpSpPr>
-      <p:grpSpPr>
-        <a:xfrm>
-          <a:off x="0" y="0"/>
-          <a:ext cx="0" cy="0"/>
-          <a:chOff x="0" y="0"/>
-          <a:chExt cx="0" cy="0"/>
-        </a:xfrm>
-      </p:grpSpPr>
-      <p:sp>
-        <p:nvSpPr>
-          <p:cNvPr id="2" name="Date Placeholder 1"/>
-          <p:cNvSpPr>
-            <a:spLocks noGrp="1"/>
-          </p:cNvSpPr>
-          <p:nvPr>
-            <p:ph type="dt" sz="half" idx="10"/>
-          </p:nvPr>
-        </p:nvSpPr>
-        <p:spPr/>
-        <p:txBody>
-          <a:bodyPr/>
-          <a:lstStyle/>
-          <a:p>
-            <a:fld id="{482AA653-8872-4AEA-B19D-0BF0F1064A5A}" type="datetime3">
-              <a:rPr lang="en-US" smtClean="0"/>
-              <a:t>5 June 2019</a:t>
-            </a:fld>
-            <a:endParaRPr lang="en-US"/>
-          </a:p>
-        </p:txBody>
-      </p:sp>
-      <p:sp>
-        <p:nvSpPr>
-          <p:cNvPr id="3" name="Footer Placeholder 2"/>
-          <p:cNvSpPr>
-            <a:spLocks noGrp="1"/>
-          </p:cNvSpPr>
-          <p:nvPr>
-            <p:ph type="ftr" sz="quarter" idx="11"/>
-          </p:nvPr>
-        </p:nvSpPr>
-        <p:spPr/>
-        <p:txBody>
-          <a:bodyPr/>
-          <a:lstStyle/>
-          <a:p>
-            <a:r>
-              <a:rPr lang="fi-FI"/>
-              <a:t>NTUA, G. Bakas</a:t>
-            </a:r>
-            <a:endParaRPr lang="en-US"/>
-          </a:p>
-        </p:txBody>
-      </p:sp>
-      <p:sp>
-        <p:nvSpPr>
-          <p:cNvPr id="6" name="Slide Number Placeholder 5"/>
-          <p:cNvSpPr>
-            <a:spLocks noGrp="1"/>
-          </p:cNvSpPr>
-          <p:nvPr>
-            <p:ph type="sldNum" sz="quarter" idx="12"/>
-          </p:nvPr>
-        </p:nvSpPr>
-        <p:spPr/>
-        <p:txBody>
-          <a:bodyPr/>
-          <a:lstStyle/>
-          <a:p>
-            <a:fld id="{AEEFAC8D-0A19-DC49-9F7A-4BFCAD95B105}" type="slidenum">
-              <a:rPr lang="en-US" smtClean="0"/>
-              <a:t>12</a:t>
-            </a:fld>
-            <a:endParaRPr lang="en-US"/>
-          </a:p>
-        </p:txBody>
-      </p:sp>
-      <p:sp>
-        <p:nvSpPr>
-          <p:cNvPr id="4" name="TextBox 3"/>
-          <p:cNvSpPr txBox="1"/>
-          <p:nvPr/>
-        </p:nvSpPr>
-        <p:spPr>
-          <a:xfrm>
-            <a:off x="326571" y="158620"/>
-            <a:ext cx="7791062" cy="369332"/>
-          </a:xfrm>
-          <a:prstGeom prst="rect">
-            <a:avLst/>
-          </a:prstGeom>
-          <a:noFill/>
-        </p:spPr>
-        <p:txBody>
-          <a:bodyPr wrap="square" rtlCol="0">
-            <a:spAutoFit/>
-          </a:bodyPr>
-          <a:lstStyle/>
-          <a:p>
-            <a:r>
-              <a:rPr lang="en-GB" u="sng" dirty="0"/>
-              <a:t>Comparisons with ATLAS </a:t>
-            </a:r>
-            <a:r>
-              <a:rPr lang="el-GR" u="sng" dirty="0"/>
-              <a:t>χ</a:t>
-            </a:r>
-            <a:r>
-              <a:rPr lang="fr-CH" u="sng" dirty="0"/>
-              <a:t> distributions</a:t>
-            </a:r>
-            <a:endParaRPr lang="en-GB" u="sng" dirty="0"/>
-          </a:p>
-        </p:txBody>
-      </p:sp>
-      <p:pic>
-        <p:nvPicPr>
-          <p:cNvPr id="7" name="Picture 6"/>
-          <p:cNvPicPr>
-            <a:picLocks noChangeAspect="1"/>
-          </p:cNvPicPr>
-          <p:nvPr/>
-        </p:nvPicPr>
-        <p:blipFill>
-          <a:blip r:embed="rId3"/>
-          <a:stretch>
-            <a:fillRect/>
-          </a:stretch>
-        </p:blipFill>
-        <p:spPr>
-          <a:xfrm>
-            <a:off x="6575360" y="802432"/>
-            <a:ext cx="5143500" cy="5029200"/>
-          </a:xfrm>
-          <a:prstGeom prst="rect">
-            <a:avLst/>
-          </a:prstGeom>
-        </p:spPr>
-      </p:pic>
-      <p:pic>
-        <p:nvPicPr>
-          <p:cNvPr id="5" name="Picture 4"/>
-          <p:cNvPicPr>
-            <a:picLocks noChangeAspect="1"/>
-          </p:cNvPicPr>
-          <p:nvPr/>
-        </p:nvPicPr>
-        <p:blipFill>
-          <a:blip r:embed="rId4">
-            <a:extLst>
-              <a:ext uri="{28A0092B-C50C-407E-A947-70E740481C1C}">
-                <a14:useLocalDpi xmlns:a14="http://schemas.microsoft.com/office/drawing/2010/main" val="0"/>
-              </a:ext>
-            </a:extLst>
-          </a:blip>
-          <a:stretch>
-            <a:fillRect/>
-          </a:stretch>
-        </p:blipFill>
-        <p:spPr>
-          <a:xfrm>
-            <a:off x="0" y="527952"/>
-            <a:ext cx="6575360" cy="5303680"/>
-          </a:xfrm>
-          <a:prstGeom prst="rect">
-            <a:avLst/>
-          </a:prstGeom>
-        </p:spPr>
-      </p:pic>
-    </p:spTree>
-    <p:extLst>
-      <p:ext uri="{BB962C8B-B14F-4D97-AF65-F5344CB8AC3E}">
-        <p14:creationId xmlns:p14="http://schemas.microsoft.com/office/powerpoint/2010/main" val="3511516102"/>
-      </p:ext>
-    </p:extLst>
-  </p:cSld>
-  <p:clrMapOvr>
-    <a:masterClrMapping/>
-  </p:clrMapOvr>
-</p:sld>
-</file>
-
-<file path=ppt/slides/slide13.xml><?xml version="1.0" encoding="utf-8"?>
-<p:sld xmlns:a="http://schemas.openxmlformats.org/drawingml/2006/main" xmlns:r="http://schemas.openxmlformats.org/officeDocument/2006/relationships" xmlns:p="http://schemas.openxmlformats.org/presentationml/2006/main">
-  <p:cSld>
-    <p:spTree>
-      <p:nvGrpSpPr>
-        <p:cNvPr id="1" name=""/>
-        <p:cNvGrpSpPr/>
-        <p:nvPr/>
-      </p:nvGrpSpPr>
-      <p:grpSpPr>
-        <a:xfrm>
-          <a:off x="0" y="0"/>
-          <a:ext cx="0" cy="0"/>
-          <a:chOff x="0" y="0"/>
-          <a:chExt cx="0" cy="0"/>
-        </a:xfrm>
-      </p:grpSpPr>
-      <p:sp>
-        <p:nvSpPr>
-          <p:cNvPr id="2" name="Date Placeholder 1"/>
-          <p:cNvSpPr>
-            <a:spLocks noGrp="1"/>
-          </p:cNvSpPr>
-          <p:nvPr>
-            <p:ph type="dt" sz="half" idx="10"/>
-          </p:nvPr>
-        </p:nvSpPr>
-        <p:spPr/>
-        <p:txBody>
-          <a:bodyPr/>
-          <a:lstStyle/>
-          <a:p>
-            <a:fld id="{482AA653-8872-4AEA-B19D-0BF0F1064A5A}" type="datetime3">
-              <a:rPr lang="en-US" smtClean="0"/>
-              <a:t>5 June 2019</a:t>
-            </a:fld>
-            <a:endParaRPr lang="en-US"/>
-          </a:p>
-        </p:txBody>
-      </p:sp>
-      <p:sp>
-        <p:nvSpPr>
-          <p:cNvPr id="3" name="Footer Placeholder 2"/>
-          <p:cNvSpPr>
-            <a:spLocks noGrp="1"/>
-          </p:cNvSpPr>
-          <p:nvPr>
-            <p:ph type="ftr" sz="quarter" idx="11"/>
-          </p:nvPr>
-        </p:nvSpPr>
-        <p:spPr/>
-        <p:txBody>
-          <a:bodyPr/>
-          <a:lstStyle/>
-          <a:p>
-            <a:r>
-              <a:rPr lang="fi-FI"/>
-              <a:t>NTUA, G. Bakas</a:t>
-            </a:r>
-            <a:endParaRPr lang="en-US"/>
-          </a:p>
-        </p:txBody>
-      </p:sp>
-      <p:sp>
-        <p:nvSpPr>
-          <p:cNvPr id="6" name="Slide Number Placeholder 5"/>
-          <p:cNvSpPr>
-            <a:spLocks noGrp="1"/>
-          </p:cNvSpPr>
-          <p:nvPr>
-            <p:ph type="sldNum" sz="quarter" idx="12"/>
-          </p:nvPr>
-        </p:nvSpPr>
-        <p:spPr/>
-        <p:txBody>
-          <a:bodyPr/>
-          <a:lstStyle/>
-          <a:p>
-            <a:fld id="{AEEFAC8D-0A19-DC49-9F7A-4BFCAD95B105}" type="slidenum">
-              <a:rPr lang="en-US" smtClean="0"/>
-              <a:t>13</a:t>
-            </a:fld>
-            <a:endParaRPr lang="en-US"/>
-          </a:p>
-        </p:txBody>
-      </p:sp>
-      <p:sp>
-        <p:nvSpPr>
-          <p:cNvPr id="4" name="TextBox 3"/>
-          <p:cNvSpPr txBox="1"/>
-          <p:nvPr/>
-        </p:nvSpPr>
-        <p:spPr>
-          <a:xfrm>
-            <a:off x="326571" y="158620"/>
-            <a:ext cx="7791062" cy="369332"/>
-          </a:xfrm>
-          <a:prstGeom prst="rect">
-            <a:avLst/>
-          </a:prstGeom>
-          <a:noFill/>
-        </p:spPr>
-        <p:txBody>
-          <a:bodyPr wrap="square" rtlCol="0">
-            <a:spAutoFit/>
-          </a:bodyPr>
-          <a:lstStyle/>
-          <a:p>
-            <a:r>
-              <a:rPr lang="en-GB" u="sng" dirty="0"/>
-              <a:t>Comparison on how to measure </a:t>
-            </a:r>
-            <a:r>
-              <a:rPr lang="fr-CH" u="sng" dirty="0"/>
-              <a:t>x </a:t>
-            </a:r>
-            <a:r>
-              <a:rPr lang="en-US" u="sng" dirty="0"/>
-              <a:t>value</a:t>
-            </a:r>
-            <a:endParaRPr lang="en-GB" u="sng" dirty="0"/>
-          </a:p>
-        </p:txBody>
-      </p:sp>
-      <mc:AlternateContent xmlns:mc="http://schemas.openxmlformats.org/markup-compatibility/2006" xmlns:a14="http://schemas.microsoft.com/office/drawing/2010/main">
-        <mc:Choice Requires="a14">
-          <p:sp>
-            <p:nvSpPr>
-              <p:cNvPr id="9" name="TextBox 8"/>
-              <p:cNvSpPr txBox="1"/>
-              <p:nvPr/>
-            </p:nvSpPr>
-            <p:spPr>
-              <a:xfrm>
-                <a:off x="648155" y="1278294"/>
-                <a:ext cx="2733869" cy="1666738"/>
-              </a:xfrm>
-              <a:prstGeom prst="rect">
-                <a:avLst/>
-              </a:prstGeom>
-              <a:noFill/>
-            </p:spPr>
-            <p:txBody>
-              <a:bodyPr wrap="square" rtlCol="0">
-                <a:spAutoFit/>
-              </a:bodyPr>
-              <a:lstStyle/>
-              <a:p>
-                <a:pPr marL="285750" indent="-285750">
-                  <a:buFont typeface="Arial" panose="020B0604020202020204" pitchFamily="34" charset="0"/>
-                  <a:buChar char="•"/>
-                </a:pPr>
-                <a14:m>
-                  <m:oMath xmlns:m="http://schemas.openxmlformats.org/officeDocument/2006/math">
-                    <m:sSup>
-                      <m:sSupPr>
-                        <m:ctrlPr>
-                          <a:rPr lang="en-US" b="0" i="1" smtClean="0">
-                            <a:latin typeface="Cambria Math" panose="02040503050406030204" pitchFamily="18" charset="0"/>
-                          </a:rPr>
-                        </m:ctrlPr>
-                      </m:sSupPr>
-                      <m:e>
-                        <m:r>
-                          <a:rPr lang="en-US" b="0" i="1" smtClean="0">
-                            <a:latin typeface="Cambria Math" panose="02040503050406030204" pitchFamily="18" charset="0"/>
-                          </a:rPr>
-                          <m:t>𝑒</m:t>
-                        </m:r>
-                      </m:e>
-                      <m:sup>
-                        <m:d>
-                          <m:dPr>
-                            <m:begChr m:val="|"/>
-                            <m:endChr m:val="|"/>
-                            <m:ctrlPr>
-                              <a:rPr lang="en-US" b="0" i="1" smtClean="0">
-                                <a:latin typeface="Cambria Math" panose="02040503050406030204" pitchFamily="18" charset="0"/>
-                              </a:rPr>
-                            </m:ctrlPr>
-                          </m:dPr>
-                          <m:e>
-                            <m:r>
-                              <a:rPr lang="en-US" b="0" i="1" smtClean="0">
-                                <a:latin typeface="Cambria Math" panose="02040503050406030204" pitchFamily="18" charset="0"/>
-                              </a:rPr>
-                              <m:t>2</m:t>
-                            </m:r>
-                            <m:sSup>
-                              <m:sSupPr>
-                                <m:ctrlPr>
-                                  <a:rPr lang="en-US" b="0" i="1" smtClean="0">
-                                    <a:latin typeface="Cambria Math" panose="02040503050406030204" pitchFamily="18" charset="0"/>
-                                  </a:rPr>
-                                </m:ctrlPr>
-                              </m:sSupPr>
-                              <m:e>
-                                <m:r>
-                                  <a:rPr lang="en-US" b="0" i="1" smtClean="0">
-                                    <a:latin typeface="Cambria Math" panose="02040503050406030204" pitchFamily="18" charset="0"/>
-                                  </a:rPr>
-                                  <m:t>𝑦</m:t>
-                                </m:r>
-                              </m:e>
-                              <m:sup>
-                                <m:r>
-                                  <a:rPr lang="en-US" b="0" i="1" smtClean="0">
-                                    <a:latin typeface="Cambria Math" panose="02040503050406030204" pitchFamily="18" charset="0"/>
-                                  </a:rPr>
-                                  <m:t>∗</m:t>
-                                </m:r>
-                              </m:sup>
-                            </m:sSup>
-                          </m:e>
-                        </m:d>
-                      </m:sup>
-                    </m:sSup>
-                  </m:oMath>
-                </a14:m>
-                <a:endParaRPr lang="en-US" b="0" dirty="0"/>
-              </a:p>
-              <a:p>
-                <a:pPr marL="285750" indent="-285750">
-                  <a:buFont typeface="Arial" panose="020B0604020202020204" pitchFamily="34" charset="0"/>
-                  <a:buChar char="•"/>
-                </a:pPr>
-                <a:endParaRPr lang="en-US" dirty="0"/>
-              </a:p>
-              <a:p>
-                <a:pPr marL="285750" indent="-285750">
-                  <a:buFont typeface="Arial" panose="020B0604020202020204" pitchFamily="34" charset="0"/>
-                  <a:buChar char="•"/>
-                </a:pPr>
-                <a14:m>
-                  <m:oMath xmlns:m="http://schemas.openxmlformats.org/officeDocument/2006/math">
-                    <m:r>
-                      <a:rPr lang="el-GR" i="1">
-                        <a:latin typeface="Cambria Math" panose="02040503050406030204" pitchFamily="18" charset="0"/>
-                      </a:rPr>
-                      <m:t>𝜒</m:t>
-                    </m:r>
-                    <m:r>
-                      <a:rPr lang="el-GR" i="1">
-                        <a:latin typeface="Cambria Math" panose="02040503050406030204" pitchFamily="18" charset="0"/>
-                      </a:rPr>
-                      <m:t>= </m:t>
-                    </m:r>
-                    <m:f>
-                      <m:fPr>
-                        <m:ctrlPr>
-                          <a:rPr lang="el-GR" i="1">
-                            <a:latin typeface="Cambria Math" panose="02040503050406030204" pitchFamily="18" charset="0"/>
-                          </a:rPr>
-                        </m:ctrlPr>
-                      </m:fPr>
-                      <m:num>
-                        <m:r>
-                          <a:rPr lang="el-GR" i="1">
-                            <a:latin typeface="Cambria Math" panose="02040503050406030204" pitchFamily="18" charset="0"/>
-                          </a:rPr>
-                          <m:t>1+</m:t>
-                        </m:r>
-                        <m:r>
-                          <a:rPr lang="en-US" i="1">
-                            <a:latin typeface="Cambria Math" panose="02040503050406030204" pitchFamily="18" charset="0"/>
-                          </a:rPr>
-                          <m:t>|</m:t>
-                        </m:r>
-                        <m:r>
-                          <a:rPr lang="en-US" i="1">
-                            <a:latin typeface="Cambria Math" panose="02040503050406030204" pitchFamily="18" charset="0"/>
-                          </a:rPr>
-                          <m:t>𝑐𝑜𝑠</m:t>
-                        </m:r>
-                        <m:sSup>
-                          <m:sSupPr>
-                            <m:ctrlPr>
-                              <a:rPr lang="el-GR" i="1">
-                                <a:latin typeface="Cambria Math" panose="02040503050406030204" pitchFamily="18" charset="0"/>
-                              </a:rPr>
-                            </m:ctrlPr>
-                          </m:sSupPr>
-                          <m:e>
-                            <m:r>
-                              <a:rPr lang="el-GR" i="1">
-                                <a:latin typeface="Cambria Math" panose="02040503050406030204" pitchFamily="18" charset="0"/>
-                              </a:rPr>
-                              <m:t>𝜃</m:t>
-                            </m:r>
-                          </m:e>
-                          <m:sup>
-                            <m:r>
-                              <a:rPr lang="el-GR" i="1">
-                                <a:latin typeface="Cambria Math" panose="02040503050406030204" pitchFamily="18" charset="0"/>
-                              </a:rPr>
-                              <m:t>∗</m:t>
-                            </m:r>
-                          </m:sup>
-                        </m:sSup>
-                        <m:r>
-                          <a:rPr lang="el-GR" i="1">
-                            <a:latin typeface="Cambria Math" panose="02040503050406030204" pitchFamily="18" charset="0"/>
-                          </a:rPr>
-                          <m:t>|</m:t>
-                        </m:r>
-                      </m:num>
-                      <m:den>
-                        <m:r>
-                          <a:rPr lang="el-GR" i="1">
-                            <a:latin typeface="Cambria Math" panose="02040503050406030204" pitchFamily="18" charset="0"/>
-                          </a:rPr>
-                          <m:t>1−|</m:t>
-                        </m:r>
-                        <m:r>
-                          <a:rPr lang="en-US" i="1">
-                            <a:latin typeface="Cambria Math" panose="02040503050406030204" pitchFamily="18" charset="0"/>
-                          </a:rPr>
-                          <m:t>𝑐𝑜𝑠</m:t>
-                        </m:r>
-                        <m:sSup>
-                          <m:sSupPr>
-                            <m:ctrlPr>
-                              <a:rPr lang="el-GR" i="1">
-                                <a:latin typeface="Cambria Math" panose="02040503050406030204" pitchFamily="18" charset="0"/>
-                              </a:rPr>
-                            </m:ctrlPr>
-                          </m:sSupPr>
-                          <m:e>
-                            <m:r>
-                              <a:rPr lang="el-GR" i="1">
-                                <a:latin typeface="Cambria Math" panose="02040503050406030204" pitchFamily="18" charset="0"/>
-                              </a:rPr>
-                              <m:t>𝜃</m:t>
-                            </m:r>
-                          </m:e>
-                          <m:sup>
-                            <m:r>
-                              <a:rPr lang="el-GR" i="1">
-                                <a:latin typeface="Cambria Math" panose="02040503050406030204" pitchFamily="18" charset="0"/>
-                              </a:rPr>
-                              <m:t>∗</m:t>
-                            </m:r>
-                          </m:sup>
-                        </m:sSup>
-                        <m:r>
-                          <a:rPr lang="el-GR" i="1">
-                            <a:latin typeface="Cambria Math" panose="02040503050406030204" pitchFamily="18" charset="0"/>
-                          </a:rPr>
-                          <m:t>|</m:t>
-                        </m:r>
-                      </m:den>
-                    </m:f>
-                  </m:oMath>
-                </a14:m>
-                <a:endParaRPr lang="en-US" dirty="0"/>
-              </a:p>
-              <a:p>
-                <a:endParaRPr lang="en-US" dirty="0"/>
-              </a:p>
-              <a:p>
-                <a:pPr marL="285750" indent="-285750">
-                  <a:buFont typeface="Arial" panose="020B0604020202020204" pitchFamily="34" charset="0"/>
-                  <a:buChar char="•"/>
-                </a:pPr>
-                <a:endParaRPr lang="en-GB" dirty="0"/>
-              </a:p>
-            </p:txBody>
-          </p:sp>
-        </mc:Choice>
-        <mc:Fallback xmlns="">
-          <p:sp>
-            <p:nvSpPr>
-              <p:cNvPr id="9" name="TextBox 8"/>
-              <p:cNvSpPr txBox="1">
-                <a:spLocks noRot="1" noChangeAspect="1" noMove="1" noResize="1" noEditPoints="1" noAdjustHandles="1" noChangeArrowheads="1" noChangeShapeType="1" noTextEdit="1"/>
-              </p:cNvSpPr>
-              <p:nvPr/>
-            </p:nvSpPr>
-            <p:spPr>
-              <a:xfrm>
-                <a:off x="648155" y="1278294"/>
-                <a:ext cx="2733869" cy="1666738"/>
-              </a:xfrm>
-              <a:prstGeom prst="rect">
-                <a:avLst/>
-              </a:prstGeom>
-              <a:blipFill>
-                <a:blip r:embed="rId3"/>
-                <a:stretch>
-                  <a:fillRect l="-1336"/>
-                </a:stretch>
-              </a:blipFill>
-            </p:spPr>
-            <p:txBody>
-              <a:bodyPr/>
-              <a:lstStyle/>
-              <a:p>
-                <a:r>
-                  <a:rPr lang="en-GB">
-                    <a:noFill/>
-                  </a:rPr>
-                  <a:t> </a:t>
-                </a:r>
-              </a:p>
-            </p:txBody>
-          </p:sp>
-        </mc:Fallback>
-      </mc:AlternateContent>
-      <p:pic>
-        <p:nvPicPr>
-          <p:cNvPr id="7" name="Picture 6"/>
-          <p:cNvPicPr>
-            <a:picLocks noChangeAspect="1"/>
-          </p:cNvPicPr>
-          <p:nvPr/>
-        </p:nvPicPr>
-        <p:blipFill>
-          <a:blip r:embed="rId4">
-            <a:extLst>
-              <a:ext uri="{28A0092B-C50C-407E-A947-70E740481C1C}">
-                <a14:useLocalDpi xmlns:a14="http://schemas.microsoft.com/office/drawing/2010/main" val="0"/>
-              </a:ext>
-            </a:extLst>
-          </a:blip>
-          <a:stretch>
-            <a:fillRect/>
-          </a:stretch>
-        </p:blipFill>
-        <p:spPr>
-          <a:xfrm>
-            <a:off x="2938627" y="527952"/>
-            <a:ext cx="8553450" cy="5457825"/>
-          </a:xfrm>
-          <a:prstGeom prst="rect">
-            <a:avLst/>
-          </a:prstGeom>
-        </p:spPr>
-      </p:pic>
-    </p:spTree>
-    <p:extLst>
-      <p:ext uri="{BB962C8B-B14F-4D97-AF65-F5344CB8AC3E}">
-        <p14:creationId xmlns:p14="http://schemas.microsoft.com/office/powerpoint/2010/main" val="3333131216"/>
-      </p:ext>
-    </p:extLst>
-  </p:cSld>
-  <p:clrMapOvr>
-    <a:masterClrMapping/>
-  </p:clrMapOvr>
-</p:sld>
-</file>
-
-<file path=ppt/slides/slide14.xml><?xml version="1.0" encoding="utf-8"?>
-<p:sld xmlns:a="http://schemas.openxmlformats.org/drawingml/2006/main" xmlns:r="http://schemas.openxmlformats.org/officeDocument/2006/relationships" xmlns:p="http://schemas.openxmlformats.org/presentationml/2006/main">
-  <p:cSld>
-    <p:spTree>
-      <p:nvGrpSpPr>
-        <p:cNvPr id="1" name=""/>
-        <p:cNvGrpSpPr/>
-        <p:nvPr/>
-      </p:nvGrpSpPr>
-      <p:grpSpPr>
-        <a:xfrm>
-          <a:off x="0" y="0"/>
-          <a:ext cx="0" cy="0"/>
-          <a:chOff x="0" y="0"/>
-          <a:chExt cx="0" cy="0"/>
-        </a:xfrm>
-      </p:grpSpPr>
-      <p:sp>
-        <p:nvSpPr>
-          <p:cNvPr id="2" name="Date Placeholder 1"/>
-          <p:cNvSpPr>
-            <a:spLocks noGrp="1"/>
-          </p:cNvSpPr>
-          <p:nvPr>
-            <p:ph type="dt" sz="half" idx="10"/>
-          </p:nvPr>
-        </p:nvSpPr>
-        <p:spPr/>
-        <p:txBody>
-          <a:bodyPr/>
-          <a:lstStyle/>
-          <a:p>
-            <a:fld id="{482AA653-8872-4AEA-B19D-0BF0F1064A5A}" type="datetime3">
-              <a:rPr lang="en-US" smtClean="0"/>
-              <a:t>5 June 2019</a:t>
-            </a:fld>
-            <a:endParaRPr lang="en-US"/>
-          </a:p>
-        </p:txBody>
-      </p:sp>
-      <p:sp>
-        <p:nvSpPr>
-          <p:cNvPr id="3" name="Footer Placeholder 2"/>
-          <p:cNvSpPr>
-            <a:spLocks noGrp="1"/>
-          </p:cNvSpPr>
-          <p:nvPr>
-            <p:ph type="ftr" sz="quarter" idx="11"/>
-          </p:nvPr>
-        </p:nvSpPr>
-        <p:spPr/>
-        <p:txBody>
-          <a:bodyPr/>
-          <a:lstStyle/>
-          <a:p>
-            <a:r>
-              <a:rPr lang="fi-FI"/>
-              <a:t>NTUA, G. Bakas</a:t>
-            </a:r>
-            <a:endParaRPr lang="en-US"/>
-          </a:p>
-        </p:txBody>
-      </p:sp>
-      <p:sp>
-        <p:nvSpPr>
-          <p:cNvPr id="6" name="Slide Number Placeholder 5"/>
-          <p:cNvSpPr>
-            <a:spLocks noGrp="1"/>
-          </p:cNvSpPr>
-          <p:nvPr>
-            <p:ph type="sldNum" sz="quarter" idx="12"/>
-          </p:nvPr>
-        </p:nvSpPr>
-        <p:spPr/>
-        <p:txBody>
-          <a:bodyPr/>
-          <a:lstStyle/>
-          <a:p>
-            <a:fld id="{AEEFAC8D-0A19-DC49-9F7A-4BFCAD95B105}" type="slidenum">
-              <a:rPr lang="en-US" smtClean="0"/>
-              <a:t>14</a:t>
             </a:fld>
             <a:endParaRPr lang="en-US"/>
           </a:p>
@@ -7398,7 +6044,7 @@
 </p:sld>
 </file>
 
-<file path=ppt/slides/slide15.xml><?xml version="1.0" encoding="utf-8"?>
+<file path=ppt/slides/slide11.xml><?xml version="1.0" encoding="utf-8"?>
 <p:sld xmlns:a="http://schemas.openxmlformats.org/drawingml/2006/main" xmlns:r="http://schemas.openxmlformats.org/officeDocument/2006/relationships" xmlns:p="http://schemas.openxmlformats.org/presentationml/2006/main">
   <p:cSld>
     <p:spTree>
@@ -7432,7 +6078,7 @@
           <a:p>
             <a:fld id="{482AA653-8872-4AEA-B19D-0BF0F1064A5A}" type="datetime3">
               <a:rPr lang="en-US" smtClean="0"/>
-              <a:t>5 June 2019</a:t>
+              <a:t>6 June 2019</a:t>
             </a:fld>
             <a:endParaRPr lang="en-US"/>
           </a:p>
@@ -7478,7 +6124,7 @@
           <a:p>
             <a:fld id="{AEEFAC8D-0A19-DC49-9F7A-4BFCAD95B105}" type="slidenum">
               <a:rPr lang="en-US" smtClean="0"/>
-              <a:t>15</a:t>
+              <a:t>11</a:t>
             </a:fld>
             <a:endParaRPr lang="en-US"/>
           </a:p>
@@ -7997,7 +6643,7 @@
 </p:sld>
 </file>
 
-<file path=ppt/slides/slide16.xml><?xml version="1.0" encoding="utf-8"?>
+<file path=ppt/slides/slide12.xml><?xml version="1.0" encoding="utf-8"?>
 <p:sld xmlns:a="http://schemas.openxmlformats.org/drawingml/2006/main" xmlns:r="http://schemas.openxmlformats.org/officeDocument/2006/relationships" xmlns:p="http://schemas.openxmlformats.org/presentationml/2006/main">
   <p:cSld>
     <p:spTree>
@@ -8031,7 +6677,7 @@
           <a:p>
             <a:fld id="{482AA653-8872-4AEA-B19D-0BF0F1064A5A}" type="datetime3">
               <a:rPr lang="en-US" smtClean="0"/>
-              <a:t>5 June 2019</a:t>
+              <a:t>6 June 2019</a:t>
             </a:fld>
             <a:endParaRPr lang="en-US"/>
           </a:p>
@@ -8077,7 +6723,7 @@
           <a:p>
             <a:fld id="{AEEFAC8D-0A19-DC49-9F7A-4BFCAD95B105}" type="slidenum">
               <a:rPr lang="en-US" smtClean="0"/>
-              <a:t>16</a:t>
+              <a:t>12</a:t>
             </a:fld>
             <a:endParaRPr lang="en-US"/>
           </a:p>
@@ -8302,7 +6948,7 @@
           <a:p>
             <a:fld id="{7E37C362-8B6B-44E6-96A6-D3578FE67DFA}" type="datetime3">
               <a:rPr lang="en-US" smtClean="0"/>
-              <a:t>5 June 2019</a:t>
+              <a:t>6 June 2019</a:t>
             </a:fld>
             <a:endParaRPr lang="en-US"/>
           </a:p>
@@ -9439,7 +8085,7 @@
           <a:p>
             <a:fld id="{482AA653-8872-4AEA-B19D-0BF0F1064A5A}" type="datetime3">
               <a:rPr lang="en-US" smtClean="0"/>
-              <a:t>5 June 2019</a:t>
+              <a:t>6 June 2019</a:t>
             </a:fld>
             <a:endParaRPr lang="en-US"/>
           </a:p>
@@ -9883,7 +8529,7 @@
           <a:p>
             <a:fld id="{482AA653-8872-4AEA-B19D-0BF0F1064A5A}" type="datetime3">
               <a:rPr lang="en-US" smtClean="0"/>
-              <a:t>5 June 2019</a:t>
+              <a:t>6 June 2019</a:t>
             </a:fld>
             <a:endParaRPr lang="en-US"/>
           </a:p>
@@ -10795,7 +9441,7 @@
           <a:p>
             <a:fld id="{482AA653-8872-4AEA-B19D-0BF0F1064A5A}" type="datetime3">
               <a:rPr lang="en-US" smtClean="0"/>
-              <a:t>5 June 2019</a:t>
+              <a:t>6 June 2019</a:t>
             </a:fld>
             <a:endParaRPr lang="en-US"/>
           </a:p>
@@ -10881,36 +9527,6 @@
           </a:p>
         </p:txBody>
       </p:sp>
-      <p:pic>
-        <p:nvPicPr>
-          <p:cNvPr id="4" name="Picture 3"/>
-          <p:cNvPicPr>
-            <a:picLocks noChangeAspect="1"/>
-          </p:cNvPicPr>
-          <p:nvPr/>
-        </p:nvPicPr>
-        <p:blipFill>
-          <a:blip r:embed="rId3">
-            <a:extLst>
-              <a:ext uri="{28A0092B-C50C-407E-A947-70E740481C1C}">
-                <a14:useLocalDpi xmlns:a14="http://schemas.microsoft.com/office/drawing/2010/main" val="0"/>
-              </a:ext>
-            </a:extLst>
-          </a:blip>
-          <a:stretch>
-            <a:fillRect/>
-          </a:stretch>
-        </p:blipFill>
-        <p:spPr>
-          <a:xfrm>
-            <a:off x="1819275" y="700087"/>
-            <a:ext cx="8553450" cy="5457825"/>
-          </a:xfrm>
-          <a:prstGeom prst="rect">
-            <a:avLst/>
-          </a:prstGeom>
-        </p:spPr>
-      </p:pic>
     </p:spTree>
     <p:extLst>
       <p:ext uri="{BB962C8B-B14F-4D97-AF65-F5344CB8AC3E}">
@@ -10958,7 +9574,7 @@
           <a:p>
             <a:fld id="{482AA653-8872-4AEA-B19D-0BF0F1064A5A}" type="datetime3">
               <a:rPr lang="en-US" smtClean="0"/>
-              <a:t>5 June 2019</a:t>
+              <a:t>6 June 2019</a:t>
             </a:fld>
             <a:endParaRPr lang="en-US"/>
           </a:p>
@@ -11039,36 +9655,6 @@
           </a:p>
         </p:txBody>
       </p:sp>
-      <p:pic>
-        <p:nvPicPr>
-          <p:cNvPr id="7" name="Picture 6"/>
-          <p:cNvPicPr>
-            <a:picLocks noChangeAspect="1"/>
-          </p:cNvPicPr>
-          <p:nvPr/>
-        </p:nvPicPr>
-        <p:blipFill>
-          <a:blip r:embed="rId3">
-            <a:extLst>
-              <a:ext uri="{28A0092B-C50C-407E-A947-70E740481C1C}">
-                <a14:useLocalDpi xmlns:a14="http://schemas.microsoft.com/office/drawing/2010/main" val="0"/>
-              </a:ext>
-            </a:extLst>
-          </a:blip>
-          <a:stretch>
-            <a:fillRect/>
-          </a:stretch>
-        </p:blipFill>
-        <p:spPr>
-          <a:xfrm>
-            <a:off x="1292224" y="526988"/>
-            <a:ext cx="9610725" cy="5763124"/>
-          </a:xfrm>
-          <a:prstGeom prst="rect">
-            <a:avLst/>
-          </a:prstGeom>
-        </p:spPr>
-      </p:pic>
     </p:spTree>
     <p:extLst>
       <p:ext uri="{BB962C8B-B14F-4D97-AF65-F5344CB8AC3E}">
@@ -11116,7 +9702,7 @@
           <a:p>
             <a:fld id="{482AA653-8872-4AEA-B19D-0BF0F1064A5A}" type="datetime3">
               <a:rPr lang="en-US" smtClean="0"/>
-              <a:t>5 June 2019</a:t>
+              <a:t>6 June 2019</a:t>
             </a:fld>
             <a:endParaRPr lang="en-US"/>
           </a:p>
@@ -11147,14 +9733,37 @@
       </p:sp>
       <p:sp>
         <p:nvSpPr>
-          <p:cNvPr id="5" name="TextBox 4"/>
+          <p:cNvPr id="6" name="Slide Number Placeholder 5"/>
+          <p:cNvSpPr>
+            <a:spLocks noGrp="1"/>
+          </p:cNvSpPr>
+          <p:nvPr>
+            <p:ph type="sldNum" sz="quarter" idx="12"/>
+          </p:nvPr>
+        </p:nvSpPr>
+        <p:spPr/>
+        <p:txBody>
+          <a:bodyPr/>
+          <a:lstStyle/>
+          <a:p>
+            <a:fld id="{AEEFAC8D-0A19-DC49-9F7A-4BFCAD95B105}" type="slidenum">
+              <a:rPr lang="en-US" smtClean="0"/>
+              <a:t>7</a:t>
+            </a:fld>
+            <a:endParaRPr lang="en-US"/>
+          </a:p>
+        </p:txBody>
+      </p:sp>
+      <p:sp>
+        <p:nvSpPr>
+          <p:cNvPr id="4" name="TextBox 3"/>
           <p:cNvSpPr txBox="1"/>
           <p:nvPr/>
         </p:nvSpPr>
         <p:spPr>
           <a:xfrm>
-            <a:off x="260131" y="157656"/>
-            <a:ext cx="10846676" cy="369332"/>
+            <a:off x="326571" y="158620"/>
+            <a:ext cx="7791062" cy="369332"/>
           </a:xfrm>
           <a:prstGeom prst="rect">
             <a:avLst/>
@@ -11169,44 +9778,58 @@
           <a:p>
             <a:r>
               <a:rPr lang="en-GB" u="sng" dirty="0"/>
-              <a:t>Purity and Stability for chi distribution</a:t>
-            </a:r>
-          </a:p>
-        </p:txBody>
-      </p:sp>
-      <p:sp>
-        <p:nvSpPr>
-          <p:cNvPr id="6" name="Slide Number Placeholder 5"/>
-          <p:cNvSpPr>
-            <a:spLocks noGrp="1"/>
-          </p:cNvSpPr>
-          <p:nvPr>
-            <p:ph type="sldNum" sz="quarter" idx="12"/>
-          </p:nvPr>
-        </p:nvSpPr>
-        <p:spPr/>
-        <p:txBody>
-          <a:bodyPr/>
-          <a:lstStyle/>
-          <a:p>
-            <a:fld id="{AEEFAC8D-0A19-DC49-9F7A-4BFCAD95B105}" type="slidenum">
-              <a:rPr lang="en-US" smtClean="0"/>
-              <a:t>7</a:t>
-            </a:fld>
-            <a:endParaRPr lang="en-US"/>
+              <a:t>Comparisons with ATLAS </a:t>
+            </a:r>
+            <a:r>
+              <a:rPr lang="en-US" u="sng" dirty="0"/>
+              <a:t>|cos</a:t>
+            </a:r>
+            <a:r>
+              <a:rPr lang="el-GR" u="sng" dirty="0"/>
+              <a:t>θ</a:t>
+            </a:r>
+            <a:r>
+              <a:rPr lang="fr-CH" u="sng" dirty="0"/>
+              <a:t>| distributions</a:t>
+            </a:r>
+            <a:endParaRPr lang="en-GB" u="sng" dirty="0"/>
           </a:p>
         </p:txBody>
       </p:sp>
       <p:pic>
         <p:nvPicPr>
-          <p:cNvPr id="4" name="Picture 3"/>
+          <p:cNvPr id="5" name="Picture 4"/>
           <p:cNvPicPr>
             <a:picLocks noChangeAspect="1"/>
           </p:cNvPicPr>
           <p:nvPr/>
         </p:nvPicPr>
         <p:blipFill>
-          <a:blip r:embed="rId3">
+          <a:blip r:embed="rId3"/>
+          <a:stretch>
+            <a:fillRect/>
+          </a:stretch>
+        </p:blipFill>
+        <p:spPr>
+          <a:xfrm>
+            <a:off x="6224976" y="1104229"/>
+            <a:ext cx="5191125" cy="4814207"/>
+          </a:xfrm>
+          <a:prstGeom prst="rect">
+            <a:avLst/>
+          </a:prstGeom>
+        </p:spPr>
+      </p:pic>
+      <p:pic>
+        <p:nvPicPr>
+          <p:cNvPr id="7" name="Picture 6"/>
+          <p:cNvPicPr>
+            <a:picLocks noChangeAspect="1"/>
+          </p:cNvPicPr>
+          <p:nvPr/>
+        </p:nvPicPr>
+        <p:blipFill>
+          <a:blip r:embed="rId4">
             <a:extLst>
               <a:ext uri="{28A0092B-C50C-407E-A947-70E740481C1C}">
                 <a14:useLocalDpi xmlns:a14="http://schemas.microsoft.com/office/drawing/2010/main" val="0"/>
@@ -11219,8 +9842,8 @@
         </p:blipFill>
         <p:spPr>
           <a:xfrm>
-            <a:off x="1819275" y="700087"/>
-            <a:ext cx="8553450" cy="5457825"/>
+            <a:off x="81154" y="764435"/>
+            <a:ext cx="6143822" cy="5154001"/>
           </a:xfrm>
           <a:prstGeom prst="rect">
             <a:avLst/>
@@ -11230,7 +9853,7 @@
     </p:spTree>
     <p:extLst>
       <p:ext uri="{BB962C8B-B14F-4D97-AF65-F5344CB8AC3E}">
-        <p14:creationId xmlns:p14="http://schemas.microsoft.com/office/powerpoint/2010/main" val="3236311864"/>
+        <p14:creationId xmlns:p14="http://schemas.microsoft.com/office/powerpoint/2010/main" val="3992996587"/>
       </p:ext>
     </p:extLst>
   </p:cSld>
@@ -11257,6 +9880,113 @@
           <a:chExt cx="0" cy="0"/>
         </a:xfrm>
       </p:grpSpPr>
+      <p:sp>
+        <p:nvSpPr>
+          <p:cNvPr id="2" name="Date Placeholder 1"/>
+          <p:cNvSpPr>
+            <a:spLocks noGrp="1"/>
+          </p:cNvSpPr>
+          <p:nvPr>
+            <p:ph type="dt" sz="half" idx="10"/>
+          </p:nvPr>
+        </p:nvSpPr>
+        <p:spPr/>
+        <p:txBody>
+          <a:bodyPr/>
+          <a:lstStyle/>
+          <a:p>
+            <a:fld id="{482AA653-8872-4AEA-B19D-0BF0F1064A5A}" type="datetime3">
+              <a:rPr lang="en-US" smtClean="0"/>
+              <a:t>6 June 2019</a:t>
+            </a:fld>
+            <a:endParaRPr lang="en-US"/>
+          </a:p>
+        </p:txBody>
+      </p:sp>
+      <p:sp>
+        <p:nvSpPr>
+          <p:cNvPr id="3" name="Footer Placeholder 2"/>
+          <p:cNvSpPr>
+            <a:spLocks noGrp="1"/>
+          </p:cNvSpPr>
+          <p:nvPr>
+            <p:ph type="ftr" sz="quarter" idx="11"/>
+          </p:nvPr>
+        </p:nvSpPr>
+        <p:spPr/>
+        <p:txBody>
+          <a:bodyPr/>
+          <a:lstStyle/>
+          <a:p>
+            <a:r>
+              <a:rPr lang="fi-FI"/>
+              <a:t>NTUA, G. Bakas</a:t>
+            </a:r>
+            <a:endParaRPr lang="en-US"/>
+          </a:p>
+        </p:txBody>
+      </p:sp>
+      <p:sp>
+        <p:nvSpPr>
+          <p:cNvPr id="6" name="Slide Number Placeholder 5"/>
+          <p:cNvSpPr>
+            <a:spLocks noGrp="1"/>
+          </p:cNvSpPr>
+          <p:nvPr>
+            <p:ph type="sldNum" sz="quarter" idx="12"/>
+          </p:nvPr>
+        </p:nvSpPr>
+        <p:spPr/>
+        <p:txBody>
+          <a:bodyPr/>
+          <a:lstStyle/>
+          <a:p>
+            <a:fld id="{AEEFAC8D-0A19-DC49-9F7A-4BFCAD95B105}" type="slidenum">
+              <a:rPr lang="en-US" smtClean="0"/>
+              <a:t>8</a:t>
+            </a:fld>
+            <a:endParaRPr lang="en-US"/>
+          </a:p>
+        </p:txBody>
+      </p:sp>
+      <p:sp>
+        <p:nvSpPr>
+          <p:cNvPr id="4" name="TextBox 3"/>
+          <p:cNvSpPr txBox="1"/>
+          <p:nvPr/>
+        </p:nvSpPr>
+        <p:spPr>
+          <a:xfrm>
+            <a:off x="326571" y="158620"/>
+            <a:ext cx="7791062" cy="369332"/>
+          </a:xfrm>
+          <a:prstGeom prst="rect">
+            <a:avLst/>
+          </a:prstGeom>
+          <a:noFill/>
+        </p:spPr>
+        <p:txBody>
+          <a:bodyPr wrap="square" rtlCol="0">
+            <a:spAutoFit/>
+          </a:bodyPr>
+          <a:lstStyle/>
+          <a:p>
+            <a:r>
+              <a:rPr lang="en-GB" u="sng" dirty="0"/>
+              <a:t>Comparisons with ATLAS </a:t>
+            </a:r>
+            <a:r>
+              <a:rPr lang="el-GR" u="sng" dirty="0"/>
+              <a:t>χ</a:t>
+            </a:r>
+            <a:r>
+              <a:rPr lang="fr-CH" u="sng" dirty="0"/>
+              <a:t> distributions</a:t>
+            </a:r>
+            <a:endParaRPr lang="en-GB" u="sng" dirty="0"/>
+          </a:p>
+        </p:txBody>
+      </p:sp>
       <p:pic>
         <p:nvPicPr>
           <p:cNvPr id="7" name="Picture 6"/>
@@ -11266,138 +9996,15 @@
           <p:nvPr/>
         </p:nvPicPr>
         <p:blipFill>
-          <a:blip r:embed="rId3">
-            <a:extLst>
-              <a:ext uri="{28A0092B-C50C-407E-A947-70E740481C1C}">
-                <a14:useLocalDpi xmlns:a14="http://schemas.microsoft.com/office/drawing/2010/main" val="0"/>
-              </a:ext>
-            </a:extLst>
-          </a:blip>
+          <a:blip r:embed="rId3"/>
           <a:stretch>
             <a:fillRect/>
           </a:stretch>
         </p:blipFill>
         <p:spPr>
           <a:xfrm>
-            <a:off x="6036905" y="890343"/>
-            <a:ext cx="5934270" cy="4366260"/>
-          </a:xfrm>
-          <a:prstGeom prst="rect">
-            <a:avLst/>
-          </a:prstGeom>
-        </p:spPr>
-      </p:pic>
-      <p:sp>
-        <p:nvSpPr>
-          <p:cNvPr id="2" name="Date Placeholder 1"/>
-          <p:cNvSpPr>
-            <a:spLocks noGrp="1"/>
-          </p:cNvSpPr>
-          <p:nvPr>
-            <p:ph type="dt" sz="half" idx="10"/>
-          </p:nvPr>
-        </p:nvSpPr>
-        <p:spPr/>
-        <p:txBody>
-          <a:bodyPr/>
-          <a:lstStyle/>
-          <a:p>
-            <a:fld id="{482AA653-8872-4AEA-B19D-0BF0F1064A5A}" type="datetime3">
-              <a:rPr lang="en-US" smtClean="0"/>
-              <a:t>5 June 2019</a:t>
-            </a:fld>
-            <a:endParaRPr lang="en-US"/>
-          </a:p>
-        </p:txBody>
-      </p:sp>
-      <p:sp>
-        <p:nvSpPr>
-          <p:cNvPr id="3" name="Footer Placeholder 2"/>
-          <p:cNvSpPr>
-            <a:spLocks noGrp="1"/>
-          </p:cNvSpPr>
-          <p:nvPr>
-            <p:ph type="ftr" sz="quarter" idx="11"/>
-          </p:nvPr>
-        </p:nvSpPr>
-        <p:spPr/>
-        <p:txBody>
-          <a:bodyPr/>
-          <a:lstStyle/>
-          <a:p>
-            <a:r>
-              <a:rPr lang="fi-FI"/>
-              <a:t>NTUA, G. Bakas</a:t>
-            </a:r>
-            <a:endParaRPr lang="en-US"/>
-          </a:p>
-        </p:txBody>
-      </p:sp>
-      <p:sp>
-        <p:nvSpPr>
-          <p:cNvPr id="6" name="Slide Number Placeholder 5"/>
-          <p:cNvSpPr>
-            <a:spLocks noGrp="1"/>
-          </p:cNvSpPr>
-          <p:nvPr>
-            <p:ph type="sldNum" sz="quarter" idx="12"/>
-          </p:nvPr>
-        </p:nvSpPr>
-        <p:spPr/>
-        <p:txBody>
-          <a:bodyPr/>
-          <a:lstStyle/>
-          <a:p>
-            <a:fld id="{AEEFAC8D-0A19-DC49-9F7A-4BFCAD95B105}" type="slidenum">
-              <a:rPr lang="en-US" smtClean="0"/>
-              <a:t>8</a:t>
-            </a:fld>
-            <a:endParaRPr lang="en-US"/>
-          </a:p>
-        </p:txBody>
-      </p:sp>
-      <p:pic>
-        <p:nvPicPr>
-          <p:cNvPr id="15" name="Picture 14"/>
-          <p:cNvPicPr>
-            <a:picLocks noChangeAspect="1"/>
-          </p:cNvPicPr>
-          <p:nvPr/>
-        </p:nvPicPr>
-        <p:blipFill>
-          <a:blip r:embed="rId4"/>
-          <a:stretch>
-            <a:fillRect/>
-          </a:stretch>
-        </p:blipFill>
-        <p:spPr>
-          <a:xfrm>
-            <a:off x="10805125" y="5060131"/>
-            <a:ext cx="549285" cy="189573"/>
-          </a:xfrm>
-          <a:prstGeom prst="rect">
-            <a:avLst/>
-          </a:prstGeom>
-        </p:spPr>
-      </p:pic>
-      <p:pic>
-        <p:nvPicPr>
-          <p:cNvPr id="17" name="Picture 16"/>
-          <p:cNvPicPr>
-            <a:picLocks noChangeAspect="1"/>
-          </p:cNvPicPr>
-          <p:nvPr/>
-        </p:nvPicPr>
-        <p:blipFill>
-          <a:blip r:embed="rId5"/>
-          <a:stretch>
-            <a:fillRect/>
-          </a:stretch>
-        </p:blipFill>
-        <p:spPr>
-          <a:xfrm>
-            <a:off x="6265255" y="1254290"/>
-            <a:ext cx="209122" cy="472460"/>
+            <a:off x="6575360" y="802432"/>
+            <a:ext cx="5143500" cy="5029200"/>
           </a:xfrm>
           <a:prstGeom prst="rect">
             <a:avLst/>
@@ -11413,7 +10020,7 @@
           <p:nvPr/>
         </p:nvPicPr>
         <p:blipFill>
-          <a:blip r:embed="rId6">
+          <a:blip r:embed="rId4">
             <a:extLst>
               <a:ext uri="{28A0092B-C50C-407E-A947-70E740481C1C}">
                 <a14:useLocalDpi xmlns:a14="http://schemas.microsoft.com/office/drawing/2010/main" val="0"/>
@@ -11426,56 +10033,8 @@
         </p:blipFill>
         <p:spPr>
           <a:xfrm>
-            <a:off x="44998" y="890343"/>
-            <a:ext cx="5991907" cy="4360643"/>
-          </a:xfrm>
-          <a:prstGeom prst="rect">
-            <a:avLst/>
-          </a:prstGeom>
-        </p:spPr>
-      </p:pic>
-      <p:pic>
-        <p:nvPicPr>
-          <p:cNvPr id="16" name="Picture 15"/>
-          <p:cNvPicPr>
-            <a:picLocks noChangeAspect="1"/>
-          </p:cNvPicPr>
-          <p:nvPr/>
-        </p:nvPicPr>
-        <p:blipFill>
-          <a:blip r:embed="rId5"/>
-          <a:stretch>
-            <a:fillRect/>
-          </a:stretch>
-        </p:blipFill>
-        <p:spPr>
-          <a:xfrm>
-            <a:off x="173103" y="1244374"/>
-            <a:ext cx="209122" cy="472460"/>
-          </a:xfrm>
-          <a:prstGeom prst="rect">
-            <a:avLst/>
-          </a:prstGeom>
-        </p:spPr>
-      </p:pic>
-      <p:pic>
-        <p:nvPicPr>
-          <p:cNvPr id="14" name="Picture 13"/>
-          <p:cNvPicPr>
-            <a:picLocks noChangeAspect="1"/>
-          </p:cNvPicPr>
-          <p:nvPr/>
-        </p:nvPicPr>
-        <p:blipFill>
-          <a:blip r:embed="rId4"/>
-          <a:stretch>
-            <a:fillRect/>
-          </a:stretch>
-        </p:blipFill>
-        <p:spPr>
-          <a:xfrm>
-            <a:off x="4541174" y="5061413"/>
-            <a:ext cx="549285" cy="189573"/>
+            <a:off x="0" y="527952"/>
+            <a:ext cx="6575360" cy="5303680"/>
           </a:xfrm>
           <a:prstGeom prst="rect">
             <a:avLst/>
@@ -11485,7 +10044,7 @@
     </p:spTree>
     <p:extLst>
       <p:ext uri="{BB962C8B-B14F-4D97-AF65-F5344CB8AC3E}">
-        <p14:creationId xmlns:p14="http://schemas.microsoft.com/office/powerpoint/2010/main" val="779823611"/>
+        <p14:creationId xmlns:p14="http://schemas.microsoft.com/office/powerpoint/2010/main" val="3511516102"/>
       </p:ext>
     </p:extLst>
   </p:cSld>
@@ -11512,39 +10071,400 @@
           <a:chExt cx="0" cy="0"/>
         </a:xfrm>
       </p:grpSpPr>
-      <p:pic>
-        <p:nvPicPr>
-          <p:cNvPr id="9" name="Picture 8"/>
-          <p:cNvPicPr>
-            <a:picLocks noChangeAspect="1"/>
-          </p:cNvPicPr>
+      <p:sp>
+        <p:nvSpPr>
+          <p:cNvPr id="2" name="Date Placeholder 1"/>
+          <p:cNvSpPr>
+            <a:spLocks noGrp="1"/>
+          </p:cNvSpPr>
+          <p:nvPr>
+            <p:ph type="dt" sz="half" idx="10"/>
+          </p:nvPr>
+        </p:nvSpPr>
+        <p:spPr/>
+        <p:txBody>
+          <a:bodyPr/>
+          <a:lstStyle/>
+          <a:p>
+            <a:fld id="{482AA653-8872-4AEA-B19D-0BF0F1064A5A}" type="datetime3">
+              <a:rPr lang="en-US" smtClean="0"/>
+              <a:t>6 June 2019</a:t>
+            </a:fld>
+            <a:endParaRPr lang="en-US"/>
+          </a:p>
+        </p:txBody>
+      </p:sp>
+      <p:sp>
+        <p:nvSpPr>
+          <p:cNvPr id="3" name="Footer Placeholder 2"/>
+          <p:cNvSpPr>
+            <a:spLocks noGrp="1"/>
+          </p:cNvSpPr>
+          <p:nvPr>
+            <p:ph type="ftr" sz="quarter" idx="11"/>
+          </p:nvPr>
+        </p:nvSpPr>
+        <p:spPr/>
+        <p:txBody>
+          <a:bodyPr/>
+          <a:lstStyle/>
+          <a:p>
+            <a:r>
+              <a:rPr lang="fi-FI"/>
+              <a:t>NTUA, G. Bakas</a:t>
+            </a:r>
+            <a:endParaRPr lang="en-US"/>
+          </a:p>
+        </p:txBody>
+      </p:sp>
+      <p:sp>
+        <p:nvSpPr>
+          <p:cNvPr id="6" name="Slide Number Placeholder 5"/>
+          <p:cNvSpPr>
+            <a:spLocks noGrp="1"/>
+          </p:cNvSpPr>
+          <p:nvPr>
+            <p:ph type="sldNum" sz="quarter" idx="12"/>
+          </p:nvPr>
+        </p:nvSpPr>
+        <p:spPr/>
+        <p:txBody>
+          <a:bodyPr/>
+          <a:lstStyle/>
+          <a:p>
+            <a:fld id="{AEEFAC8D-0A19-DC49-9F7A-4BFCAD95B105}" type="slidenum">
+              <a:rPr lang="en-US" smtClean="0"/>
+              <a:t>9</a:t>
+            </a:fld>
+            <a:endParaRPr lang="en-US"/>
+          </a:p>
+        </p:txBody>
+      </p:sp>
+      <p:sp>
+        <p:nvSpPr>
+          <p:cNvPr id="4" name="TextBox 3"/>
+          <p:cNvSpPr txBox="1"/>
           <p:nvPr/>
-        </p:nvPicPr>
-        <p:blipFill>
-          <a:blip r:embed="rId3">
-            <a:extLst>
-              <a:ext uri="{28A0092B-C50C-407E-A947-70E740481C1C}">
-                <a14:useLocalDpi xmlns:a14="http://schemas.microsoft.com/office/drawing/2010/main" val="0"/>
-              </a:ext>
-            </a:extLst>
-          </a:blip>
-          <a:stretch>
-            <a:fillRect/>
-          </a:stretch>
-        </p:blipFill>
+        </p:nvSpPr>
         <p:spPr>
           <a:xfrm>
-            <a:off x="6376045" y="935703"/>
-            <a:ext cx="5815955" cy="4366260"/>
+            <a:off x="326571" y="158620"/>
+            <a:ext cx="7791062" cy="369332"/>
           </a:xfrm>
           <a:prstGeom prst="rect">
             <a:avLst/>
           </a:prstGeom>
+          <a:noFill/>
         </p:spPr>
-      </p:pic>
+        <p:txBody>
+          <a:bodyPr wrap="square" rtlCol="0">
+            <a:spAutoFit/>
+          </a:bodyPr>
+          <a:lstStyle/>
+          <a:p>
+            <a:r>
+              <a:rPr lang="en-GB" u="sng" dirty="0"/>
+              <a:t>Comparison on how to measure </a:t>
+            </a:r>
+            <a:r>
+              <a:rPr lang="fr-CH" u="sng" dirty="0"/>
+              <a:t>x </a:t>
+            </a:r>
+            <a:r>
+              <a:rPr lang="en-US" u="sng" dirty="0"/>
+              <a:t>value</a:t>
+            </a:r>
+            <a:endParaRPr lang="en-GB" u="sng" dirty="0"/>
+          </a:p>
+        </p:txBody>
+      </p:sp>
+      <mc:AlternateContent xmlns:mc="http://schemas.openxmlformats.org/markup-compatibility/2006" xmlns:a14="http://schemas.microsoft.com/office/drawing/2010/main">
+        <mc:Choice Requires="a14">
+          <p:sp>
+            <p:nvSpPr>
+              <p:cNvPr id="9" name="TextBox 8"/>
+              <p:cNvSpPr txBox="1"/>
+              <p:nvPr/>
+            </p:nvSpPr>
+            <p:spPr>
+              <a:xfrm>
+                <a:off x="648155" y="1278294"/>
+                <a:ext cx="2733869" cy="1666738"/>
+              </a:xfrm>
+              <a:prstGeom prst="rect">
+                <a:avLst/>
+              </a:prstGeom>
+              <a:noFill/>
+            </p:spPr>
+            <p:txBody>
+              <a:bodyPr wrap="square" rtlCol="0">
+                <a:spAutoFit/>
+              </a:bodyPr>
+              <a:lstStyle/>
+              <a:p>
+                <a:pPr marL="285750" indent="-285750">
+                  <a:buFont typeface="Arial" panose="020B0604020202020204" pitchFamily="34" charset="0"/>
+                  <a:buChar char="•"/>
+                </a:pPr>
+                <a14:m>
+                  <m:oMath xmlns:m="http://schemas.openxmlformats.org/officeDocument/2006/math">
+                    <m:sSup>
+                      <m:sSupPr>
+                        <m:ctrlPr>
+                          <a:rPr lang="en-US" b="0" i="1" smtClean="0">
+                            <a:latin typeface="Cambria Math" panose="02040503050406030204" pitchFamily="18" charset="0"/>
+                          </a:rPr>
+                        </m:ctrlPr>
+                      </m:sSupPr>
+                      <m:e>
+                        <m:r>
+                          <a:rPr lang="en-US" b="0" i="1" smtClean="0">
+                            <a:latin typeface="Cambria Math" panose="02040503050406030204" pitchFamily="18" charset="0"/>
+                          </a:rPr>
+                          <m:t>𝑒</m:t>
+                        </m:r>
+                      </m:e>
+                      <m:sup>
+                        <m:d>
+                          <m:dPr>
+                            <m:begChr m:val="|"/>
+                            <m:endChr m:val="|"/>
+                            <m:ctrlPr>
+                              <a:rPr lang="en-US" b="0" i="1" smtClean="0">
+                                <a:latin typeface="Cambria Math" panose="02040503050406030204" pitchFamily="18" charset="0"/>
+                              </a:rPr>
+                            </m:ctrlPr>
+                          </m:dPr>
+                          <m:e>
+                            <m:r>
+                              <a:rPr lang="en-US" b="0" i="1" smtClean="0">
+                                <a:latin typeface="Cambria Math" panose="02040503050406030204" pitchFamily="18" charset="0"/>
+                              </a:rPr>
+                              <m:t>2</m:t>
+                            </m:r>
+                            <m:sSup>
+                              <m:sSupPr>
+                                <m:ctrlPr>
+                                  <a:rPr lang="en-US" b="0" i="1" smtClean="0">
+                                    <a:latin typeface="Cambria Math" panose="02040503050406030204" pitchFamily="18" charset="0"/>
+                                  </a:rPr>
+                                </m:ctrlPr>
+                              </m:sSupPr>
+                              <m:e>
+                                <m:r>
+                                  <a:rPr lang="en-US" b="0" i="1" smtClean="0">
+                                    <a:latin typeface="Cambria Math" panose="02040503050406030204" pitchFamily="18" charset="0"/>
+                                  </a:rPr>
+                                  <m:t>𝑦</m:t>
+                                </m:r>
+                              </m:e>
+                              <m:sup>
+                                <m:r>
+                                  <a:rPr lang="en-US" b="0" i="1" smtClean="0">
+                                    <a:latin typeface="Cambria Math" panose="02040503050406030204" pitchFamily="18" charset="0"/>
+                                  </a:rPr>
+                                  <m:t>∗</m:t>
+                                </m:r>
+                              </m:sup>
+                            </m:sSup>
+                          </m:e>
+                        </m:d>
+                      </m:sup>
+                    </m:sSup>
+                  </m:oMath>
+                </a14:m>
+                <a:endParaRPr lang="en-US" b="0" dirty="0"/>
+              </a:p>
+              <a:p>
+                <a:pPr marL="285750" indent="-285750">
+                  <a:buFont typeface="Arial" panose="020B0604020202020204" pitchFamily="34" charset="0"/>
+                  <a:buChar char="•"/>
+                </a:pPr>
+                <a:endParaRPr lang="en-US" dirty="0"/>
+              </a:p>
+              <a:p>
+                <a:pPr marL="285750" indent="-285750">
+                  <a:buFont typeface="Arial" panose="020B0604020202020204" pitchFamily="34" charset="0"/>
+                  <a:buChar char="•"/>
+                </a:pPr>
+                <a14:m>
+                  <m:oMath xmlns:m="http://schemas.openxmlformats.org/officeDocument/2006/math">
+                    <m:r>
+                      <a:rPr lang="el-GR" i="1">
+                        <a:latin typeface="Cambria Math" panose="02040503050406030204" pitchFamily="18" charset="0"/>
+                      </a:rPr>
+                      <m:t>𝜒</m:t>
+                    </m:r>
+                    <m:r>
+                      <a:rPr lang="el-GR" i="1">
+                        <a:latin typeface="Cambria Math" panose="02040503050406030204" pitchFamily="18" charset="0"/>
+                      </a:rPr>
+                      <m:t>= </m:t>
+                    </m:r>
+                    <m:f>
+                      <m:fPr>
+                        <m:ctrlPr>
+                          <a:rPr lang="el-GR" i="1">
+                            <a:latin typeface="Cambria Math" panose="02040503050406030204" pitchFamily="18" charset="0"/>
+                          </a:rPr>
+                        </m:ctrlPr>
+                      </m:fPr>
+                      <m:num>
+                        <m:r>
+                          <a:rPr lang="el-GR" i="1">
+                            <a:latin typeface="Cambria Math" panose="02040503050406030204" pitchFamily="18" charset="0"/>
+                          </a:rPr>
+                          <m:t>1+</m:t>
+                        </m:r>
+                        <m:r>
+                          <a:rPr lang="en-US" i="1">
+                            <a:latin typeface="Cambria Math" panose="02040503050406030204" pitchFamily="18" charset="0"/>
+                          </a:rPr>
+                          <m:t>|</m:t>
+                        </m:r>
+                        <m:r>
+                          <a:rPr lang="en-US" i="1">
+                            <a:latin typeface="Cambria Math" panose="02040503050406030204" pitchFamily="18" charset="0"/>
+                          </a:rPr>
+                          <m:t>𝑐𝑜𝑠</m:t>
+                        </m:r>
+                        <m:sSup>
+                          <m:sSupPr>
+                            <m:ctrlPr>
+                              <a:rPr lang="el-GR" i="1">
+                                <a:latin typeface="Cambria Math" panose="02040503050406030204" pitchFamily="18" charset="0"/>
+                              </a:rPr>
+                            </m:ctrlPr>
+                          </m:sSupPr>
+                          <m:e>
+                            <m:r>
+                              <a:rPr lang="el-GR" i="1">
+                                <a:latin typeface="Cambria Math" panose="02040503050406030204" pitchFamily="18" charset="0"/>
+                              </a:rPr>
+                              <m:t>𝜃</m:t>
+                            </m:r>
+                          </m:e>
+                          <m:sup>
+                            <m:r>
+                              <a:rPr lang="el-GR" i="1">
+                                <a:latin typeface="Cambria Math" panose="02040503050406030204" pitchFamily="18" charset="0"/>
+                              </a:rPr>
+                              <m:t>∗</m:t>
+                            </m:r>
+                          </m:sup>
+                        </m:sSup>
+                        <m:r>
+                          <a:rPr lang="el-GR" i="1">
+                            <a:latin typeface="Cambria Math" panose="02040503050406030204" pitchFamily="18" charset="0"/>
+                          </a:rPr>
+                          <m:t>|</m:t>
+                        </m:r>
+                      </m:num>
+                      <m:den>
+                        <m:r>
+                          <a:rPr lang="el-GR" i="1">
+                            <a:latin typeface="Cambria Math" panose="02040503050406030204" pitchFamily="18" charset="0"/>
+                          </a:rPr>
+                          <m:t>1−|</m:t>
+                        </m:r>
+                        <m:r>
+                          <a:rPr lang="en-US" i="1">
+                            <a:latin typeface="Cambria Math" panose="02040503050406030204" pitchFamily="18" charset="0"/>
+                          </a:rPr>
+                          <m:t>𝑐𝑜𝑠</m:t>
+                        </m:r>
+                        <m:sSup>
+                          <m:sSupPr>
+                            <m:ctrlPr>
+                              <a:rPr lang="el-GR" i="1">
+                                <a:latin typeface="Cambria Math" panose="02040503050406030204" pitchFamily="18" charset="0"/>
+                              </a:rPr>
+                            </m:ctrlPr>
+                          </m:sSupPr>
+                          <m:e>
+                            <m:r>
+                              <a:rPr lang="el-GR" i="1">
+                                <a:latin typeface="Cambria Math" panose="02040503050406030204" pitchFamily="18" charset="0"/>
+                              </a:rPr>
+                              <m:t>𝜃</m:t>
+                            </m:r>
+                          </m:e>
+                          <m:sup>
+                            <m:r>
+                              <a:rPr lang="el-GR" i="1">
+                                <a:latin typeface="Cambria Math" panose="02040503050406030204" pitchFamily="18" charset="0"/>
+                              </a:rPr>
+                              <m:t>∗</m:t>
+                            </m:r>
+                          </m:sup>
+                        </m:sSup>
+                        <m:r>
+                          <a:rPr lang="el-GR" i="1">
+                            <a:latin typeface="Cambria Math" panose="02040503050406030204" pitchFamily="18" charset="0"/>
+                          </a:rPr>
+                          <m:t>|</m:t>
+                        </m:r>
+                      </m:den>
+                    </m:f>
+                  </m:oMath>
+                </a14:m>
+                <a:endParaRPr lang="en-US" dirty="0"/>
+              </a:p>
+              <a:p>
+                <a:endParaRPr lang="en-US" dirty="0"/>
+              </a:p>
+              <a:p>
+                <a:pPr marL="285750" indent="-285750">
+                  <a:buFont typeface="Arial" panose="020B0604020202020204" pitchFamily="34" charset="0"/>
+                  <a:buChar char="•"/>
+                </a:pPr>
+                <a:endParaRPr lang="en-GB" dirty="0"/>
+              </a:p>
+            </p:txBody>
+          </p:sp>
+        </mc:Choice>
+        <mc:Fallback xmlns="">
+          <p:sp>
+            <p:nvSpPr>
+              <p:cNvPr id="9" name="TextBox 8"/>
+              <p:cNvSpPr txBox="1">
+                <a:spLocks noRot="1" noChangeAspect="1" noMove="1" noResize="1" noEditPoints="1" noAdjustHandles="1" noChangeArrowheads="1" noChangeShapeType="1" noTextEdit="1"/>
+              </p:cNvSpPr>
+              <p:nvPr/>
+            </p:nvSpPr>
+            <p:spPr>
+              <a:xfrm>
+                <a:off x="648155" y="1278294"/>
+                <a:ext cx="2733869" cy="1666738"/>
+              </a:xfrm>
+              <a:prstGeom prst="rect">
+                <a:avLst/>
+              </a:prstGeom>
+              <a:blipFill>
+                <a:blip r:embed="rId3"/>
+                <a:stretch>
+                  <a:fillRect l="-1336"/>
+                </a:stretch>
+              </a:blipFill>
+            </p:spPr>
+            <p:txBody>
+              <a:bodyPr/>
+              <a:lstStyle/>
+              <a:p>
+                <a:r>
+                  <a:rPr lang="en-GB">
+                    <a:noFill/>
+                  </a:rPr>
+                  <a:t> </a:t>
+                </a:r>
+              </a:p>
+            </p:txBody>
+          </p:sp>
+        </mc:Fallback>
+      </mc:AlternateContent>
       <p:pic>
         <p:nvPicPr>
-          <p:cNvPr id="8" name="Picture 7"/>
+          <p:cNvPr id="7" name="Picture 6"/>
           <p:cNvPicPr>
             <a:picLocks noChangeAspect="1"/>
           </p:cNvPicPr>
@@ -11564,173 +10484,8 @@
         </p:blipFill>
         <p:spPr>
           <a:xfrm>
-            <a:off x="0" y="935703"/>
-            <a:ext cx="6074229" cy="4366260"/>
-          </a:xfrm>
-          <a:prstGeom prst="rect">
-            <a:avLst/>
-          </a:prstGeom>
-        </p:spPr>
-      </p:pic>
-      <p:sp>
-        <p:nvSpPr>
-          <p:cNvPr id="2" name="Date Placeholder 1"/>
-          <p:cNvSpPr>
-            <a:spLocks noGrp="1"/>
-          </p:cNvSpPr>
-          <p:nvPr>
-            <p:ph type="dt" sz="half" idx="10"/>
-          </p:nvPr>
-        </p:nvSpPr>
-        <p:spPr/>
-        <p:txBody>
-          <a:bodyPr/>
-          <a:lstStyle/>
-          <a:p>
-            <a:fld id="{482AA653-8872-4AEA-B19D-0BF0F1064A5A}" type="datetime3">
-              <a:rPr lang="en-US" smtClean="0"/>
-              <a:t>5 June 2019</a:t>
-            </a:fld>
-            <a:endParaRPr lang="en-US"/>
-          </a:p>
-        </p:txBody>
-      </p:sp>
-      <p:sp>
-        <p:nvSpPr>
-          <p:cNvPr id="3" name="Footer Placeholder 2"/>
-          <p:cNvSpPr>
-            <a:spLocks noGrp="1"/>
-          </p:cNvSpPr>
-          <p:nvPr>
-            <p:ph type="ftr" sz="quarter" idx="11"/>
-          </p:nvPr>
-        </p:nvSpPr>
-        <p:spPr/>
-        <p:txBody>
-          <a:bodyPr/>
-          <a:lstStyle/>
-          <a:p>
-            <a:r>
-              <a:rPr lang="fi-FI"/>
-              <a:t>NTUA, G. Bakas</a:t>
-            </a:r>
-            <a:endParaRPr lang="en-US"/>
-          </a:p>
-        </p:txBody>
-      </p:sp>
-      <p:sp>
-        <p:nvSpPr>
-          <p:cNvPr id="6" name="Slide Number Placeholder 5"/>
-          <p:cNvSpPr>
-            <a:spLocks noGrp="1"/>
-          </p:cNvSpPr>
-          <p:nvPr>
-            <p:ph type="sldNum" sz="quarter" idx="12"/>
-          </p:nvPr>
-        </p:nvSpPr>
-        <p:spPr/>
-        <p:txBody>
-          <a:bodyPr/>
-          <a:lstStyle/>
-          <a:p>
-            <a:fld id="{AEEFAC8D-0A19-DC49-9F7A-4BFCAD95B105}" type="slidenum">
-              <a:rPr lang="en-US" smtClean="0"/>
-              <a:t>9</a:t>
-            </a:fld>
-            <a:endParaRPr lang="en-US"/>
-          </a:p>
-        </p:txBody>
-      </p:sp>
-      <p:pic>
-        <p:nvPicPr>
-          <p:cNvPr id="7" name="Picture 6"/>
-          <p:cNvPicPr>
-            <a:picLocks noChangeAspect="1"/>
-          </p:cNvPicPr>
-          <p:nvPr/>
-        </p:nvPicPr>
-        <p:blipFill>
-          <a:blip r:embed="rId5"/>
-          <a:stretch>
-            <a:fillRect/>
-          </a:stretch>
-        </p:blipFill>
-        <p:spPr>
-          <a:xfrm>
-            <a:off x="4815817" y="5208459"/>
-            <a:ext cx="549285" cy="189573"/>
-          </a:xfrm>
-          <a:prstGeom prst="rect">
-            <a:avLst/>
-          </a:prstGeom>
-        </p:spPr>
-      </p:pic>
-      <p:pic>
-        <p:nvPicPr>
-          <p:cNvPr id="10" name="Picture 9"/>
-          <p:cNvPicPr>
-            <a:picLocks noChangeAspect="1"/>
-          </p:cNvPicPr>
-          <p:nvPr/>
-        </p:nvPicPr>
-        <p:blipFill>
-          <a:blip r:embed="rId5"/>
-          <a:stretch>
-            <a:fillRect/>
-          </a:stretch>
-        </p:blipFill>
-        <p:spPr>
-          <a:xfrm>
-            <a:off x="11079768" y="5207177"/>
-            <a:ext cx="549285" cy="189573"/>
-          </a:xfrm>
-          <a:prstGeom prst="rect">
-            <a:avLst/>
-          </a:prstGeom>
-        </p:spPr>
-      </p:pic>
-      <p:pic>
-        <p:nvPicPr>
-          <p:cNvPr id="11" name="Picture 10"/>
-          <p:cNvPicPr>
-            <a:picLocks noChangeAspect="1"/>
-          </p:cNvPicPr>
-          <p:nvPr/>
-        </p:nvPicPr>
-        <p:blipFill>
-          <a:blip r:embed="rId6"/>
-          <a:stretch>
-            <a:fillRect/>
-          </a:stretch>
-        </p:blipFill>
-        <p:spPr>
-          <a:xfrm>
-            <a:off x="157222" y="1250887"/>
-            <a:ext cx="209122" cy="472460"/>
-          </a:xfrm>
-          <a:prstGeom prst="rect">
-            <a:avLst/>
-          </a:prstGeom>
-        </p:spPr>
-      </p:pic>
-      <p:pic>
-        <p:nvPicPr>
-          <p:cNvPr id="14" name="Picture 13"/>
-          <p:cNvPicPr>
-            <a:picLocks noChangeAspect="1"/>
-          </p:cNvPicPr>
-          <p:nvPr/>
-        </p:nvPicPr>
-        <p:blipFill>
-          <a:blip r:embed="rId6"/>
-          <a:stretch>
-            <a:fillRect/>
-          </a:stretch>
-        </p:blipFill>
-        <p:spPr>
-          <a:xfrm>
-            <a:off x="6458496" y="1332045"/>
-            <a:ext cx="209122" cy="472460"/>
+            <a:off x="2938627" y="527952"/>
+            <a:ext cx="8553450" cy="5457825"/>
           </a:xfrm>
           <a:prstGeom prst="rect">
             <a:avLst/>
@@ -11740,7 +10495,7 @@
     </p:spTree>
     <p:extLst>
       <p:ext uri="{BB962C8B-B14F-4D97-AF65-F5344CB8AC3E}">
-        <p14:creationId xmlns:p14="http://schemas.microsoft.com/office/powerpoint/2010/main" val="1919429513"/>
+        <p14:creationId xmlns:p14="http://schemas.microsoft.com/office/powerpoint/2010/main" val="3333131216"/>
       </p:ext>
     </p:extLst>
   </p:cSld>

--- a/Weekly Meetings/Status_Angular_Distributions_Presentation_5June.pptx
+++ b/Weekly Meetings/Status_Angular_Distributions_Presentation_5June.pptx
@@ -5,25 +5,26 @@
     <p:sldMasterId id="2147483875" r:id="rId1"/>
   </p:sldMasterIdLst>
   <p:notesMasterIdLst>
-    <p:notesMasterId r:id="rId18"/>
+    <p:notesMasterId r:id="rId19"/>
   </p:notesMasterIdLst>
   <p:sldIdLst>
     <p:sldId id="256" r:id="rId2"/>
     <p:sldId id="270" r:id="rId3"/>
-    <p:sldId id="259" r:id="rId4"/>
-    <p:sldId id="274" r:id="rId5"/>
-    <p:sldId id="260" r:id="rId6"/>
-    <p:sldId id="261" r:id="rId7"/>
-    <p:sldId id="262" r:id="rId8"/>
-    <p:sldId id="263" r:id="rId9"/>
-    <p:sldId id="264" r:id="rId10"/>
-    <p:sldId id="265" r:id="rId11"/>
-    <p:sldId id="271" r:id="rId12"/>
-    <p:sldId id="267" r:id="rId13"/>
-    <p:sldId id="268" r:id="rId14"/>
-    <p:sldId id="269" r:id="rId15"/>
-    <p:sldId id="272" r:id="rId16"/>
-    <p:sldId id="273" r:id="rId17"/>
+    <p:sldId id="275" r:id="rId4"/>
+    <p:sldId id="259" r:id="rId5"/>
+    <p:sldId id="274" r:id="rId6"/>
+    <p:sldId id="260" r:id="rId7"/>
+    <p:sldId id="261" r:id="rId8"/>
+    <p:sldId id="262" r:id="rId9"/>
+    <p:sldId id="263" r:id="rId10"/>
+    <p:sldId id="264" r:id="rId11"/>
+    <p:sldId id="265" r:id="rId12"/>
+    <p:sldId id="271" r:id="rId13"/>
+    <p:sldId id="267" r:id="rId14"/>
+    <p:sldId id="268" r:id="rId15"/>
+    <p:sldId id="269" r:id="rId16"/>
+    <p:sldId id="272" r:id="rId17"/>
+    <p:sldId id="273" r:id="rId18"/>
   </p:sldIdLst>
   <p:sldSz cx="12192000" cy="6858000"/>
   <p:notesSz cx="6858000" cy="9144000"/>
@@ -212,7 +213,7 @@
           <a:p>
             <a:fld id="{E0F3FC76-411E-494E-BBF7-54618820D3D9}" type="datetimeFigureOut">
               <a:rPr lang="en-GB" smtClean="0"/>
-              <a:t>04/06/2019</a:t>
+              <a:t>05/06/2019</a:t>
             </a:fld>
             <a:endParaRPr lang="en-GB"/>
           </a:p>
@@ -638,7 +639,7 @@
     </p:spTree>
     <p:extLst>
       <p:ext uri="{BB962C8B-B14F-4D97-AF65-F5344CB8AC3E}">
-        <p14:creationId xmlns:p14="http://schemas.microsoft.com/office/powerpoint/2010/main" val="2885603756"/>
+        <p14:creationId xmlns:p14="http://schemas.microsoft.com/office/powerpoint/2010/main" val="1835934929"/>
       </p:ext>
     </p:extLst>
   </p:cSld>
@@ -722,7 +723,7 @@
     </p:spTree>
     <p:extLst>
       <p:ext uri="{BB962C8B-B14F-4D97-AF65-F5344CB8AC3E}">
-        <p14:creationId xmlns:p14="http://schemas.microsoft.com/office/powerpoint/2010/main" val="3946058040"/>
+        <p14:creationId xmlns:p14="http://schemas.microsoft.com/office/powerpoint/2010/main" val="2885603756"/>
       </p:ext>
     </p:extLst>
   </p:cSld>
@@ -806,7 +807,7 @@
     </p:spTree>
     <p:extLst>
       <p:ext uri="{BB962C8B-B14F-4D97-AF65-F5344CB8AC3E}">
-        <p14:creationId xmlns:p14="http://schemas.microsoft.com/office/powerpoint/2010/main" val="90411331"/>
+        <p14:creationId xmlns:p14="http://schemas.microsoft.com/office/powerpoint/2010/main" val="3946058040"/>
       </p:ext>
     </p:extLst>
   </p:cSld>
@@ -890,7 +891,7 @@
     </p:spTree>
     <p:extLst>
       <p:ext uri="{BB962C8B-B14F-4D97-AF65-F5344CB8AC3E}">
-        <p14:creationId xmlns:p14="http://schemas.microsoft.com/office/powerpoint/2010/main" val="4118507701"/>
+        <p14:creationId xmlns:p14="http://schemas.microsoft.com/office/powerpoint/2010/main" val="90411331"/>
       </p:ext>
     </p:extLst>
   </p:cSld>
@@ -974,7 +975,7 @@
     </p:spTree>
     <p:extLst>
       <p:ext uri="{BB962C8B-B14F-4D97-AF65-F5344CB8AC3E}">
-        <p14:creationId xmlns:p14="http://schemas.microsoft.com/office/powerpoint/2010/main" val="195183060"/>
+        <p14:creationId xmlns:p14="http://schemas.microsoft.com/office/powerpoint/2010/main" val="4118507701"/>
       </p:ext>
     </p:extLst>
   </p:cSld>
@@ -1058,7 +1059,7 @@
     </p:spTree>
     <p:extLst>
       <p:ext uri="{BB962C8B-B14F-4D97-AF65-F5344CB8AC3E}">
-        <p14:creationId xmlns:p14="http://schemas.microsoft.com/office/powerpoint/2010/main" val="428171984"/>
+        <p14:creationId xmlns:p14="http://schemas.microsoft.com/office/powerpoint/2010/main" val="195183060"/>
       </p:ext>
     </p:extLst>
   </p:cSld>
@@ -1134,6 +1135,90 @@
             <a:fld id="{DDE251E9-812E-4854-B6DD-3E1C329A13AA}" type="slidenum">
               <a:rPr lang="en-GB" smtClean="0"/>
               <a:t>16</a:t>
+            </a:fld>
+            <a:endParaRPr lang="en-GB"/>
+          </a:p>
+        </p:txBody>
+      </p:sp>
+    </p:spTree>
+    <p:extLst>
+      <p:ext uri="{BB962C8B-B14F-4D97-AF65-F5344CB8AC3E}">
+        <p14:creationId xmlns:p14="http://schemas.microsoft.com/office/powerpoint/2010/main" val="428171984"/>
+      </p:ext>
+    </p:extLst>
+  </p:cSld>
+  <p:clrMapOvr>
+    <a:masterClrMapping/>
+  </p:clrMapOvr>
+</p:notes>
+</file>
+
+<file path=ppt/notesSlides/notesSlide17.xml><?xml version="1.0" encoding="utf-8"?>
+<p:notes xmlns:a="http://schemas.openxmlformats.org/drawingml/2006/main" xmlns:r="http://schemas.openxmlformats.org/officeDocument/2006/relationships" xmlns:p="http://schemas.openxmlformats.org/presentationml/2006/main">
+  <p:cSld>
+    <p:spTree>
+      <p:nvGrpSpPr>
+        <p:cNvPr id="1" name=""/>
+        <p:cNvGrpSpPr/>
+        <p:nvPr/>
+      </p:nvGrpSpPr>
+      <p:grpSpPr>
+        <a:xfrm>
+          <a:off x="0" y="0"/>
+          <a:ext cx="0" cy="0"/>
+          <a:chOff x="0" y="0"/>
+          <a:chExt cx="0" cy="0"/>
+        </a:xfrm>
+      </p:grpSpPr>
+      <p:sp>
+        <p:nvSpPr>
+          <p:cNvPr id="2" name="Slide Image Placeholder 1"/>
+          <p:cNvSpPr>
+            <a:spLocks noGrp="1" noRot="1" noChangeAspect="1"/>
+          </p:cNvSpPr>
+          <p:nvPr>
+            <p:ph type="sldImg"/>
+          </p:nvPr>
+        </p:nvSpPr>
+        <p:spPr/>
+      </p:sp>
+      <p:sp>
+        <p:nvSpPr>
+          <p:cNvPr id="3" name="Notes Placeholder 2"/>
+          <p:cNvSpPr>
+            <a:spLocks noGrp="1"/>
+          </p:cNvSpPr>
+          <p:nvPr>
+            <p:ph type="body" idx="1"/>
+          </p:nvPr>
+        </p:nvSpPr>
+        <p:spPr/>
+        <p:txBody>
+          <a:bodyPr/>
+          <a:lstStyle/>
+          <a:p>
+            <a:endParaRPr lang="en-GB" dirty="0"/>
+          </a:p>
+        </p:txBody>
+      </p:sp>
+      <p:sp>
+        <p:nvSpPr>
+          <p:cNvPr id="4" name="Slide Number Placeholder 3"/>
+          <p:cNvSpPr>
+            <a:spLocks noGrp="1"/>
+          </p:cNvSpPr>
+          <p:nvPr>
+            <p:ph type="sldNum" sz="quarter" idx="10"/>
+          </p:nvPr>
+        </p:nvSpPr>
+        <p:spPr/>
+        <p:txBody>
+          <a:bodyPr/>
+          <a:lstStyle/>
+          <a:p>
+            <a:fld id="{DDE251E9-812E-4854-B6DD-3E1C329A13AA}" type="slidenum">
+              <a:rPr lang="en-GB" smtClean="0"/>
+              <a:t>17</a:t>
             </a:fld>
             <a:endParaRPr lang="en-GB"/>
           </a:p>
@@ -1310,7 +1395,7 @@
     </p:spTree>
     <p:extLst>
       <p:ext uri="{BB962C8B-B14F-4D97-AF65-F5344CB8AC3E}">
-        <p14:creationId xmlns:p14="http://schemas.microsoft.com/office/powerpoint/2010/main" val="1092753250"/>
+        <p14:creationId xmlns:p14="http://schemas.microsoft.com/office/powerpoint/2010/main" val="4285380870"/>
       </p:ext>
     </p:extLst>
   </p:cSld>
@@ -1394,7 +1479,7 @@
     </p:spTree>
     <p:extLst>
       <p:ext uri="{BB962C8B-B14F-4D97-AF65-F5344CB8AC3E}">
-        <p14:creationId xmlns:p14="http://schemas.microsoft.com/office/powerpoint/2010/main" val="4032103304"/>
+        <p14:creationId xmlns:p14="http://schemas.microsoft.com/office/powerpoint/2010/main" val="1092753250"/>
       </p:ext>
     </p:extLst>
   </p:cSld>
@@ -1478,7 +1563,7 @@
     </p:spTree>
     <p:extLst>
       <p:ext uri="{BB962C8B-B14F-4D97-AF65-F5344CB8AC3E}">
-        <p14:creationId xmlns:p14="http://schemas.microsoft.com/office/powerpoint/2010/main" val="1600703986"/>
+        <p14:creationId xmlns:p14="http://schemas.microsoft.com/office/powerpoint/2010/main" val="4032103304"/>
       </p:ext>
     </p:extLst>
   </p:cSld>
@@ -1562,7 +1647,7 @@
     </p:spTree>
     <p:extLst>
       <p:ext uri="{BB962C8B-B14F-4D97-AF65-F5344CB8AC3E}">
-        <p14:creationId xmlns:p14="http://schemas.microsoft.com/office/powerpoint/2010/main" val="3418389591"/>
+        <p14:creationId xmlns:p14="http://schemas.microsoft.com/office/powerpoint/2010/main" val="1600703986"/>
       </p:ext>
     </p:extLst>
   </p:cSld>
@@ -1646,7 +1731,7 @@
     </p:spTree>
     <p:extLst>
       <p:ext uri="{BB962C8B-B14F-4D97-AF65-F5344CB8AC3E}">
-        <p14:creationId xmlns:p14="http://schemas.microsoft.com/office/powerpoint/2010/main" val="1157169101"/>
+        <p14:creationId xmlns:p14="http://schemas.microsoft.com/office/powerpoint/2010/main" val="3418389591"/>
       </p:ext>
     </p:extLst>
   </p:cSld>
@@ -1730,7 +1815,7 @@
     </p:spTree>
     <p:extLst>
       <p:ext uri="{BB962C8B-B14F-4D97-AF65-F5344CB8AC3E}">
-        <p14:creationId xmlns:p14="http://schemas.microsoft.com/office/powerpoint/2010/main" val="2712828136"/>
+        <p14:creationId xmlns:p14="http://schemas.microsoft.com/office/powerpoint/2010/main" val="1157169101"/>
       </p:ext>
     </p:extLst>
   </p:cSld>
@@ -1814,7 +1899,7 @@
     </p:spTree>
     <p:extLst>
       <p:ext uri="{BB962C8B-B14F-4D97-AF65-F5344CB8AC3E}">
-        <p14:creationId xmlns:p14="http://schemas.microsoft.com/office/powerpoint/2010/main" val="1835934929"/>
+        <p14:creationId xmlns:p14="http://schemas.microsoft.com/office/powerpoint/2010/main" val="2712828136"/>
       </p:ext>
     </p:extLst>
   </p:cSld>
@@ -2050,7 +2135,7 @@
           <a:p>
             <a:fld id="{B93549DA-7207-4101-AC01-D8C7F0838AF9}" type="datetime3">
               <a:rPr lang="en-US" smtClean="0"/>
-              <a:t>4 June 2019</a:t>
+              <a:t>5 June 2019</a:t>
             </a:fld>
             <a:endParaRPr lang="en-US"/>
           </a:p>
@@ -2262,7 +2347,7 @@
           <a:p>
             <a:fld id="{6B3356D6-5AFA-4697-BF1B-5B11FC6D9C3F}" type="datetime3">
               <a:rPr lang="en-US" smtClean="0"/>
-              <a:t>4 June 2019</a:t>
+              <a:t>5 June 2019</a:t>
             </a:fld>
             <a:endParaRPr lang="en-US"/>
           </a:p>
@@ -2522,7 +2607,7 @@
           <a:p>
             <a:fld id="{39C458AD-A59C-4C0B-BF35-CC776F25ED60}" type="datetime3">
               <a:rPr lang="en-US" smtClean="0"/>
-              <a:t>4 June 2019</a:t>
+              <a:t>5 June 2019</a:t>
             </a:fld>
             <a:endParaRPr lang="en-US"/>
           </a:p>
@@ -2696,7 +2781,7 @@
           <a:p>
             <a:fld id="{13143EFC-DA6C-4B2A-A663-25194C68352E}" type="datetime3">
               <a:rPr lang="en-US" smtClean="0"/>
-              <a:t>4 June 2019</a:t>
+              <a:t>5 June 2019</a:t>
             </a:fld>
             <a:endParaRPr lang="en-US"/>
           </a:p>
@@ -3043,7 +3128,7 @@
           <a:p>
             <a:fld id="{10EBF91E-F74B-43D8-9A96-5E5AED4A0583}" type="datetime3">
               <a:rPr lang="en-US" smtClean="0"/>
-              <a:t>4 June 2019</a:t>
+              <a:t>5 June 2019</a:t>
             </a:fld>
             <a:endParaRPr lang="en-US"/>
           </a:p>
@@ -3322,7 +3407,7 @@
           <a:p>
             <a:fld id="{EF68B882-6789-4EFD-B927-92F14706BDF7}" type="datetime3">
               <a:rPr lang="en-US" smtClean="0"/>
-              <a:t>4 June 2019</a:t>
+              <a:t>5 June 2019</a:t>
             </a:fld>
             <a:endParaRPr lang="en-US"/>
           </a:p>
@@ -3705,7 +3790,7 @@
           <a:p>
             <a:fld id="{69FC1DD0-08B2-43B3-AEF0-BF606E1E934B}" type="datetime3">
               <a:rPr lang="en-US" smtClean="0"/>
-              <a:t>4 June 2019</a:t>
+              <a:t>5 June 2019</a:t>
             </a:fld>
             <a:endParaRPr lang="en-US"/>
           </a:p>
@@ -3827,7 +3912,7 @@
           <a:p>
             <a:fld id="{4C7E968B-DB77-4620-B607-92BCA7FAA7C4}" type="datetime3">
               <a:rPr lang="en-US" smtClean="0"/>
-              <a:t>4 June 2019</a:t>
+              <a:t>5 June 2019</a:t>
             </a:fld>
             <a:endParaRPr lang="en-US"/>
           </a:p>
@@ -4002,7 +4087,7 @@
           <a:p>
             <a:fld id="{136A9F13-2635-4BC3-9FB2-FA4EB28723A3}" type="datetime3">
               <a:rPr lang="en-US" smtClean="0"/>
-              <a:t>4 June 2019</a:t>
+              <a:t>5 June 2019</a:t>
             </a:fld>
             <a:endParaRPr lang="en-US"/>
           </a:p>
@@ -4360,7 +4445,7 @@
           <a:p>
             <a:fld id="{5A316585-6219-423D-B9A1-CA72626759B2}" type="datetime3">
               <a:rPr lang="en-US" smtClean="0"/>
-              <a:t>4 June 2019</a:t>
+              <a:t>5 June 2019</a:t>
             </a:fld>
             <a:endParaRPr lang="en-US"/>
           </a:p>
@@ -4741,7 +4826,7 @@
           <a:p>
             <a:fld id="{BFD9067D-9751-4010-B63A-2F1ED6E5E699}" type="datetime3">
               <a:rPr lang="en-US" smtClean="0"/>
-              <a:t>4 June 2019</a:t>
+              <a:t>5 June 2019</a:t>
             </a:fld>
             <a:endParaRPr lang="en-US"/>
           </a:p>
@@ -5032,7 +5117,7 @@
           <a:p>
             <a:fld id="{A24F5CAB-D6EB-4020-8ED6-55735DF143A1}" type="datetime3">
               <a:rPr lang="en-US" smtClean="0"/>
-              <a:t>4 June 2019</a:t>
+              <a:t>5 June 2019</a:t>
             </a:fld>
             <a:endParaRPr lang="en-US"/>
           </a:p>
@@ -5615,10 +5700,6 @@
             <a:br>
               <a:rPr lang="en-US" sz="4500" dirty="0"/>
             </a:br>
-            <a:r>
-              <a:rPr lang="en-US" sz="4500" dirty="0"/>
-              <a:t/>
-            </a:r>
             <a:br>
               <a:rPr lang="en-US" sz="4500" dirty="0"/>
             </a:br>
@@ -5765,6 +5846,261 @@
       </p:grpSpPr>
       <p:pic>
         <p:nvPicPr>
+          <p:cNvPr id="9" name="Picture 8"/>
+          <p:cNvPicPr>
+            <a:picLocks noChangeAspect="1"/>
+          </p:cNvPicPr>
+          <p:nvPr/>
+        </p:nvPicPr>
+        <p:blipFill>
+          <a:blip r:embed="rId3">
+            <a:extLst>
+              <a:ext uri="{28A0092B-C50C-407E-A947-70E740481C1C}">
+                <a14:useLocalDpi xmlns:a14="http://schemas.microsoft.com/office/drawing/2010/main" val="0"/>
+              </a:ext>
+            </a:extLst>
+          </a:blip>
+          <a:stretch>
+            <a:fillRect/>
+          </a:stretch>
+        </p:blipFill>
+        <p:spPr>
+          <a:xfrm>
+            <a:off x="6376045" y="935703"/>
+            <a:ext cx="5815955" cy="4366260"/>
+          </a:xfrm>
+          <a:prstGeom prst="rect">
+            <a:avLst/>
+          </a:prstGeom>
+        </p:spPr>
+      </p:pic>
+      <p:pic>
+        <p:nvPicPr>
+          <p:cNvPr id="8" name="Picture 7"/>
+          <p:cNvPicPr>
+            <a:picLocks noChangeAspect="1"/>
+          </p:cNvPicPr>
+          <p:nvPr/>
+        </p:nvPicPr>
+        <p:blipFill>
+          <a:blip r:embed="rId4">
+            <a:extLst>
+              <a:ext uri="{28A0092B-C50C-407E-A947-70E740481C1C}">
+                <a14:useLocalDpi xmlns:a14="http://schemas.microsoft.com/office/drawing/2010/main" val="0"/>
+              </a:ext>
+            </a:extLst>
+          </a:blip>
+          <a:stretch>
+            <a:fillRect/>
+          </a:stretch>
+        </p:blipFill>
+        <p:spPr>
+          <a:xfrm>
+            <a:off x="0" y="935703"/>
+            <a:ext cx="6074229" cy="4366260"/>
+          </a:xfrm>
+          <a:prstGeom prst="rect">
+            <a:avLst/>
+          </a:prstGeom>
+        </p:spPr>
+      </p:pic>
+      <p:sp>
+        <p:nvSpPr>
+          <p:cNvPr id="2" name="Date Placeholder 1"/>
+          <p:cNvSpPr>
+            <a:spLocks noGrp="1"/>
+          </p:cNvSpPr>
+          <p:nvPr>
+            <p:ph type="dt" sz="half" idx="10"/>
+          </p:nvPr>
+        </p:nvSpPr>
+        <p:spPr/>
+        <p:txBody>
+          <a:bodyPr/>
+          <a:lstStyle/>
+          <a:p>
+            <a:fld id="{482AA653-8872-4AEA-B19D-0BF0F1064A5A}" type="datetime3">
+              <a:rPr lang="en-US" smtClean="0"/>
+              <a:t>5 June 2019</a:t>
+            </a:fld>
+            <a:endParaRPr lang="en-US"/>
+          </a:p>
+        </p:txBody>
+      </p:sp>
+      <p:sp>
+        <p:nvSpPr>
+          <p:cNvPr id="3" name="Footer Placeholder 2"/>
+          <p:cNvSpPr>
+            <a:spLocks noGrp="1"/>
+          </p:cNvSpPr>
+          <p:nvPr>
+            <p:ph type="ftr" sz="quarter" idx="11"/>
+          </p:nvPr>
+        </p:nvSpPr>
+        <p:spPr/>
+        <p:txBody>
+          <a:bodyPr/>
+          <a:lstStyle/>
+          <a:p>
+            <a:r>
+              <a:rPr lang="fi-FI"/>
+              <a:t>NTUA, G. Bakas</a:t>
+            </a:r>
+            <a:endParaRPr lang="en-US"/>
+          </a:p>
+        </p:txBody>
+      </p:sp>
+      <p:sp>
+        <p:nvSpPr>
+          <p:cNvPr id="6" name="Slide Number Placeholder 5"/>
+          <p:cNvSpPr>
+            <a:spLocks noGrp="1"/>
+          </p:cNvSpPr>
+          <p:nvPr>
+            <p:ph type="sldNum" sz="quarter" idx="12"/>
+          </p:nvPr>
+        </p:nvSpPr>
+        <p:spPr/>
+        <p:txBody>
+          <a:bodyPr/>
+          <a:lstStyle/>
+          <a:p>
+            <a:fld id="{AEEFAC8D-0A19-DC49-9F7A-4BFCAD95B105}" type="slidenum">
+              <a:rPr lang="en-US" smtClean="0"/>
+              <a:t>10</a:t>
+            </a:fld>
+            <a:endParaRPr lang="en-US"/>
+          </a:p>
+        </p:txBody>
+      </p:sp>
+      <p:pic>
+        <p:nvPicPr>
+          <p:cNvPr id="7" name="Picture 6"/>
+          <p:cNvPicPr>
+            <a:picLocks noChangeAspect="1"/>
+          </p:cNvPicPr>
+          <p:nvPr/>
+        </p:nvPicPr>
+        <p:blipFill>
+          <a:blip r:embed="rId5"/>
+          <a:stretch>
+            <a:fillRect/>
+          </a:stretch>
+        </p:blipFill>
+        <p:spPr>
+          <a:xfrm>
+            <a:off x="4815817" y="5208459"/>
+            <a:ext cx="549285" cy="189573"/>
+          </a:xfrm>
+          <a:prstGeom prst="rect">
+            <a:avLst/>
+          </a:prstGeom>
+        </p:spPr>
+      </p:pic>
+      <p:pic>
+        <p:nvPicPr>
+          <p:cNvPr id="10" name="Picture 9"/>
+          <p:cNvPicPr>
+            <a:picLocks noChangeAspect="1"/>
+          </p:cNvPicPr>
+          <p:nvPr/>
+        </p:nvPicPr>
+        <p:blipFill>
+          <a:blip r:embed="rId5"/>
+          <a:stretch>
+            <a:fillRect/>
+          </a:stretch>
+        </p:blipFill>
+        <p:spPr>
+          <a:xfrm>
+            <a:off x="11079768" y="5207177"/>
+            <a:ext cx="549285" cy="189573"/>
+          </a:xfrm>
+          <a:prstGeom prst="rect">
+            <a:avLst/>
+          </a:prstGeom>
+        </p:spPr>
+      </p:pic>
+      <p:pic>
+        <p:nvPicPr>
+          <p:cNvPr id="11" name="Picture 10"/>
+          <p:cNvPicPr>
+            <a:picLocks noChangeAspect="1"/>
+          </p:cNvPicPr>
+          <p:nvPr/>
+        </p:nvPicPr>
+        <p:blipFill>
+          <a:blip r:embed="rId6"/>
+          <a:stretch>
+            <a:fillRect/>
+          </a:stretch>
+        </p:blipFill>
+        <p:spPr>
+          <a:xfrm>
+            <a:off x="157222" y="1250887"/>
+            <a:ext cx="209122" cy="472460"/>
+          </a:xfrm>
+          <a:prstGeom prst="rect">
+            <a:avLst/>
+          </a:prstGeom>
+        </p:spPr>
+      </p:pic>
+      <p:pic>
+        <p:nvPicPr>
+          <p:cNvPr id="14" name="Picture 13"/>
+          <p:cNvPicPr>
+            <a:picLocks noChangeAspect="1"/>
+          </p:cNvPicPr>
+          <p:nvPr/>
+        </p:nvPicPr>
+        <p:blipFill>
+          <a:blip r:embed="rId6"/>
+          <a:stretch>
+            <a:fillRect/>
+          </a:stretch>
+        </p:blipFill>
+        <p:spPr>
+          <a:xfrm>
+            <a:off x="6458496" y="1332045"/>
+            <a:ext cx="209122" cy="472460"/>
+          </a:xfrm>
+          <a:prstGeom prst="rect">
+            <a:avLst/>
+          </a:prstGeom>
+        </p:spPr>
+      </p:pic>
+    </p:spTree>
+    <p:extLst>
+      <p:ext uri="{BB962C8B-B14F-4D97-AF65-F5344CB8AC3E}">
+        <p14:creationId xmlns:p14="http://schemas.microsoft.com/office/powerpoint/2010/main" val="1919429513"/>
+      </p:ext>
+    </p:extLst>
+  </p:cSld>
+  <p:clrMapOvr>
+    <a:masterClrMapping/>
+  </p:clrMapOvr>
+</p:sld>
+</file>
+
+<file path=ppt/slides/slide11.xml><?xml version="1.0" encoding="utf-8"?>
+<p:sld xmlns:a="http://schemas.openxmlformats.org/drawingml/2006/main" xmlns:r="http://schemas.openxmlformats.org/officeDocument/2006/relationships" xmlns:p="http://schemas.openxmlformats.org/presentationml/2006/main">
+  <p:cSld>
+    <p:spTree>
+      <p:nvGrpSpPr>
+        <p:cNvPr id="1" name=""/>
+        <p:cNvGrpSpPr/>
+        <p:nvPr/>
+      </p:nvGrpSpPr>
+      <p:grpSpPr>
+        <a:xfrm>
+          <a:off x="0" y="0"/>
+          <a:ext cx="0" cy="0"/>
+          <a:chOff x="0" y="0"/>
+          <a:chExt cx="0" cy="0"/>
+        </a:xfrm>
+      </p:grpSpPr>
+      <p:pic>
+        <p:nvPicPr>
           <p:cNvPr id="4" name="Picture 3"/>
           <p:cNvPicPr>
             <a:picLocks noChangeAspect="1"/>
@@ -5810,7 +6146,7 @@
           <a:p>
             <a:fld id="{482AA653-8872-4AEA-B19D-0BF0F1064A5A}" type="datetime3">
               <a:rPr lang="en-US" smtClean="0"/>
-              <a:t>4 June 2019</a:t>
+              <a:t>5 June 2019</a:t>
             </a:fld>
             <a:endParaRPr lang="en-US"/>
           </a:p>
@@ -5856,7 +6192,7 @@
           <a:p>
             <a:fld id="{AEEFAC8D-0A19-DC49-9F7A-4BFCAD95B105}" type="slidenum">
               <a:rPr lang="en-US" smtClean="0"/>
-              <a:t>10</a:t>
+              <a:t>11</a:t>
             </a:fld>
             <a:endParaRPr lang="en-US"/>
           </a:p>
@@ -5923,7 +6259,7 @@
 </p:sld>
 </file>
 
-<file path=ppt/slides/slide11.xml><?xml version="1.0" encoding="utf-8"?>
+<file path=ppt/slides/slide12.xml><?xml version="1.0" encoding="utf-8"?>
 <p:sld xmlns:a="http://schemas.openxmlformats.org/drawingml/2006/main" xmlns:r="http://schemas.openxmlformats.org/officeDocument/2006/relationships" xmlns:p="http://schemas.openxmlformats.org/presentationml/2006/main">
   <p:cSld>
     <p:spTree>
@@ -5957,7 +6293,7 @@
           <a:p>
             <a:fld id="{482AA653-8872-4AEA-B19D-0BF0F1064A5A}" type="datetime3">
               <a:rPr lang="en-US" smtClean="0"/>
-              <a:t>4 June 2019</a:t>
+              <a:t>5 June 2019</a:t>
             </a:fld>
             <a:endParaRPr lang="en-US"/>
           </a:p>
@@ -6003,7 +6339,7 @@
           <a:p>
             <a:fld id="{AEEFAC8D-0A19-DC49-9F7A-4BFCAD95B105}" type="slidenum">
               <a:rPr lang="en-US" smtClean="0"/>
-              <a:t>11</a:t>
+              <a:t>12</a:t>
             </a:fld>
             <a:endParaRPr lang="en-US"/>
           </a:p>
@@ -6118,7 +6454,7 @@
 </p:sld>
 </file>
 
-<file path=ppt/slides/slide12.xml><?xml version="1.0" encoding="utf-8"?>
+<file path=ppt/slides/slide13.xml><?xml version="1.0" encoding="utf-8"?>
 <p:sld xmlns:a="http://schemas.openxmlformats.org/drawingml/2006/main" xmlns:r="http://schemas.openxmlformats.org/officeDocument/2006/relationships" xmlns:p="http://schemas.openxmlformats.org/presentationml/2006/main">
   <p:cSld>
     <p:spTree>
@@ -6152,7 +6488,7 @@
           <a:p>
             <a:fld id="{482AA653-8872-4AEA-B19D-0BF0F1064A5A}" type="datetime3">
               <a:rPr lang="en-US" smtClean="0"/>
-              <a:t>4 June 2019</a:t>
+              <a:t>5 June 2019</a:t>
             </a:fld>
             <a:endParaRPr lang="en-US"/>
           </a:p>
@@ -6198,7 +6534,7 @@
           <a:p>
             <a:fld id="{AEEFAC8D-0A19-DC49-9F7A-4BFCAD95B105}" type="slidenum">
               <a:rPr lang="en-US" smtClean="0"/>
-              <a:t>12</a:t>
+              <a:t>13</a:t>
             </a:fld>
             <a:endParaRPr lang="en-US"/>
           </a:p>
@@ -6309,7 +6645,7 @@
 </p:sld>
 </file>
 
-<file path=ppt/slides/slide13.xml><?xml version="1.0" encoding="utf-8"?>
+<file path=ppt/slides/slide14.xml><?xml version="1.0" encoding="utf-8"?>
 <p:sld xmlns:a="http://schemas.openxmlformats.org/drawingml/2006/main" xmlns:r="http://schemas.openxmlformats.org/officeDocument/2006/relationships" xmlns:p="http://schemas.openxmlformats.org/presentationml/2006/main">
   <p:cSld>
     <p:spTree>
@@ -6343,7 +6679,7 @@
           <a:p>
             <a:fld id="{482AA653-8872-4AEA-B19D-0BF0F1064A5A}" type="datetime3">
               <a:rPr lang="en-US" smtClean="0"/>
-              <a:t>4 June 2019</a:t>
+              <a:t>5 June 2019</a:t>
             </a:fld>
             <a:endParaRPr lang="en-US"/>
           </a:p>
@@ -6389,7 +6725,7 @@
           <a:p>
             <a:fld id="{AEEFAC8D-0A19-DC49-9F7A-4BFCAD95B105}" type="slidenum">
               <a:rPr lang="en-US" smtClean="0"/>
-              <a:t>13</a:t>
+              <a:t>14</a:t>
             </a:fld>
             <a:endParaRPr lang="en-US"/>
           </a:p>
@@ -6760,7 +7096,7 @@
 </p:sld>
 </file>
 
-<file path=ppt/slides/slide14.xml><?xml version="1.0" encoding="utf-8"?>
+<file path=ppt/slides/slide15.xml><?xml version="1.0" encoding="utf-8"?>
 <p:sld xmlns:a="http://schemas.openxmlformats.org/drawingml/2006/main" xmlns:r="http://schemas.openxmlformats.org/officeDocument/2006/relationships" xmlns:p="http://schemas.openxmlformats.org/presentationml/2006/main">
   <p:cSld>
     <p:spTree>
@@ -6794,7 +7130,7 @@
           <a:p>
             <a:fld id="{482AA653-8872-4AEA-B19D-0BF0F1064A5A}" type="datetime3">
               <a:rPr lang="en-US" smtClean="0"/>
-              <a:t>4 June 2019</a:t>
+              <a:t>5 June 2019</a:t>
             </a:fld>
             <a:endParaRPr lang="en-US"/>
           </a:p>
@@ -6840,7 +7176,7 @@
           <a:p>
             <a:fld id="{AEEFAC8D-0A19-DC49-9F7A-4BFCAD95B105}" type="slidenum">
               <a:rPr lang="en-US" smtClean="0"/>
-              <a:t>14</a:t>
+              <a:t>15</a:t>
             </a:fld>
             <a:endParaRPr lang="en-US"/>
           </a:p>
@@ -7398,7 +7734,7 @@
 </p:sld>
 </file>
 
-<file path=ppt/slides/slide15.xml><?xml version="1.0" encoding="utf-8"?>
+<file path=ppt/slides/slide16.xml><?xml version="1.0" encoding="utf-8"?>
 <p:sld xmlns:a="http://schemas.openxmlformats.org/drawingml/2006/main" xmlns:r="http://schemas.openxmlformats.org/officeDocument/2006/relationships" xmlns:p="http://schemas.openxmlformats.org/presentationml/2006/main">
   <p:cSld>
     <p:spTree>
@@ -7432,7 +7768,7 @@
           <a:p>
             <a:fld id="{482AA653-8872-4AEA-B19D-0BF0F1064A5A}" type="datetime3">
               <a:rPr lang="en-US" smtClean="0"/>
-              <a:t>4 June 2019</a:t>
+              <a:t>5 June 2019</a:t>
             </a:fld>
             <a:endParaRPr lang="en-US"/>
           </a:p>
@@ -7478,7 +7814,7 @@
           <a:p>
             <a:fld id="{AEEFAC8D-0A19-DC49-9F7A-4BFCAD95B105}" type="slidenum">
               <a:rPr lang="en-US" smtClean="0"/>
-              <a:t>15</a:t>
+              <a:t>16</a:t>
             </a:fld>
             <a:endParaRPr lang="en-US"/>
           </a:p>
@@ -7507,7 +7843,7 @@
           <a:lstStyle/>
           <a:p>
             <a:r>
-              <a:rPr lang="en-US" u="sng" dirty="0" smtClean="0"/>
+              <a:rPr lang="en-US" u="sng" dirty="0"/>
               <a:t>QCD Background MC closure tests</a:t>
             </a:r>
             <a:endParaRPr lang="en-GB" u="sng" dirty="0"/>
@@ -7601,23 +7937,23 @@
               <a:buChar char="•"/>
             </a:pPr>
             <a:r>
-              <a:rPr lang="en-US" sz="1600" dirty="0" smtClean="0"/>
-              <a:t>Closure test for QCD samples in Control Region (SR but </a:t>
-            </a:r>
-            <a:r>
-              <a:rPr lang="en-US" sz="1600" dirty="0" err="1" smtClean="0"/>
+              <a:rPr lang="en-US" sz="1600" dirty="0"/>
+              <a:t>Closure test for QCD samples in Control Region (SR with reverted </a:t>
+            </a:r>
+            <a:r>
+              <a:rPr lang="en-US" sz="1600" dirty="0" err="1"/>
               <a:t>btagging</a:t>
             </a:r>
             <a:r>
-              <a:rPr lang="en-US" sz="1600" dirty="0" smtClean="0"/>
-              <a:t> is reverted (</a:t>
-            </a:r>
-            <a:r>
-              <a:rPr lang="en-US" sz="1600" dirty="0" err="1" smtClean="0"/>
+              <a:rPr lang="en-US" sz="1600" dirty="0"/>
+              <a:t> cut (</a:t>
+            </a:r>
+            <a:r>
+              <a:rPr lang="en-US" sz="1600" dirty="0" err="1"/>
               <a:t>btag</a:t>
             </a:r>
             <a:r>
-              <a:rPr lang="en-US" sz="1600" dirty="0" smtClean="0"/>
+              <a:rPr lang="en-US" sz="1600" dirty="0"/>
               <a:t>==0))</a:t>
             </a:r>
             <a:endParaRPr lang="en-GB" sz="1600" dirty="0"/>
@@ -7767,12 +8103,8 @@
           <a:lstStyle/>
           <a:p>
             <a:r>
-              <a:rPr lang="en-US" sz="1000" dirty="0" smtClean="0"/>
-              <a:t>Control </a:t>
-            </a:r>
-            <a:r>
-              <a:rPr lang="en-US" sz="1000" dirty="0" smtClean="0"/>
-              <a:t>Region (0-btag)</a:t>
+              <a:rPr lang="en-US" sz="1000" dirty="0"/>
+              <a:t>Control Region (0-btag)</a:t>
             </a:r>
             <a:endParaRPr lang="en-GB" sz="1000" dirty="0"/>
           </a:p>
@@ -7801,12 +8133,8 @@
           <a:lstStyle/>
           <a:p>
             <a:r>
-              <a:rPr lang="en-US" sz="1000" dirty="0" smtClean="0"/>
-              <a:t>Signal </a:t>
-            </a:r>
-            <a:r>
-              <a:rPr lang="en-US" sz="1000" dirty="0" smtClean="0"/>
-              <a:t>Region (2-btag) </a:t>
+              <a:rPr lang="en-US" sz="1000" dirty="0"/>
+              <a:t>Signal Region (2-btag) </a:t>
             </a:r>
             <a:endParaRPr lang="en-GB" sz="1000" dirty="0"/>
           </a:p>
@@ -8005,7 +8333,7 @@
 </p:sld>
 </file>
 
-<file path=ppt/slides/slide16.xml><?xml version="1.0" encoding="utf-8"?>
+<file path=ppt/slides/slide17.xml><?xml version="1.0" encoding="utf-8"?>
 <p:sld xmlns:a="http://schemas.openxmlformats.org/drawingml/2006/main" xmlns:r="http://schemas.openxmlformats.org/officeDocument/2006/relationships" xmlns:p="http://schemas.openxmlformats.org/presentationml/2006/main">
   <p:cSld>
     <p:spTree>
@@ -8039,7 +8367,7 @@
           <a:p>
             <a:fld id="{482AA653-8872-4AEA-B19D-0BF0F1064A5A}" type="datetime3">
               <a:rPr lang="en-US" smtClean="0"/>
-              <a:t>4 June 2019</a:t>
+              <a:t>5 June 2019</a:t>
             </a:fld>
             <a:endParaRPr lang="en-US"/>
           </a:p>
@@ -8085,7 +8413,7 @@
           <a:p>
             <a:fld id="{AEEFAC8D-0A19-DC49-9F7A-4BFCAD95B105}" type="slidenum">
               <a:rPr lang="en-US" smtClean="0"/>
-              <a:t>16</a:t>
+              <a:t>17</a:t>
             </a:fld>
             <a:endParaRPr lang="en-US"/>
           </a:p>
@@ -8114,7 +8442,7 @@
           <a:lstStyle/>
           <a:p>
             <a:r>
-              <a:rPr lang="en-US" u="sng" dirty="0" smtClean="0"/>
+              <a:rPr lang="en-US" u="sng" dirty="0"/>
               <a:t>Control Region Contamination</a:t>
             </a:r>
             <a:endParaRPr lang="en-GB" u="sng" dirty="0"/>
@@ -8148,7 +8476,7 @@
               <a:buChar char="•"/>
             </a:pPr>
             <a:r>
-              <a:rPr lang="en-US" sz="1600" dirty="0" smtClean="0"/>
+              <a:rPr lang="en-US" sz="1600" dirty="0"/>
               <a:t>Expected yield from MC samples and TT sample in the CR </a:t>
             </a:r>
             <a:endParaRPr lang="en-GB" sz="1600" dirty="0"/>
@@ -8310,7 +8638,305 @@
           <a:p>
             <a:fld id="{7E37C362-8B6B-44E6-96A6-D3578FE67DFA}" type="datetime3">
               <a:rPr lang="en-US" smtClean="0"/>
-              <a:t>4 June 2019</a:t>
+              <a:t>5 June 2019</a:t>
+            </a:fld>
+            <a:endParaRPr lang="en-US"/>
+          </a:p>
+        </p:txBody>
+      </p:sp>
+      <p:sp>
+        <p:nvSpPr>
+          <p:cNvPr id="3" name="Footer Placeholder 2"/>
+          <p:cNvSpPr>
+            <a:spLocks noGrp="1"/>
+          </p:cNvSpPr>
+          <p:nvPr>
+            <p:ph type="ftr" sz="quarter" idx="11"/>
+          </p:nvPr>
+        </p:nvSpPr>
+        <p:spPr/>
+        <p:txBody>
+          <a:bodyPr/>
+          <a:lstStyle/>
+          <a:p>
+            <a:r>
+              <a:rPr lang="fi-FI"/>
+              <a:t>NTUA, G. Bakas</a:t>
+            </a:r>
+            <a:endParaRPr lang="en-US"/>
+          </a:p>
+        </p:txBody>
+      </p:sp>
+      <p:sp>
+        <p:nvSpPr>
+          <p:cNvPr id="4" name="TextBox 3"/>
+          <p:cNvSpPr txBox="1"/>
+          <p:nvPr/>
+        </p:nvSpPr>
+        <p:spPr>
+          <a:xfrm>
+            <a:off x="346842" y="717331"/>
+            <a:ext cx="11633664" cy="3416320"/>
+          </a:xfrm>
+          <a:prstGeom prst="rect">
+            <a:avLst/>
+          </a:prstGeom>
+          <a:noFill/>
+        </p:spPr>
+        <p:txBody>
+          <a:bodyPr wrap="square" rtlCol="0">
+            <a:spAutoFit/>
+          </a:bodyPr>
+          <a:lstStyle/>
+          <a:p>
+            <a:pPr marL="285750" indent="-285750">
+              <a:buFont typeface="Arial" panose="020B0604020202020204" pitchFamily="34" charset="0"/>
+              <a:buChar char="•"/>
+            </a:pPr>
+            <a:r>
+              <a:rPr lang="en-GB" dirty="0"/>
+              <a:t>DCS:</a:t>
+            </a:r>
+          </a:p>
+          <a:p>
+            <a:pPr marL="742950" lvl="1" indent="-285750">
+              <a:buFont typeface="Arial" panose="020B0604020202020204" pitchFamily="34" charset="0"/>
+              <a:buChar char="•"/>
+            </a:pPr>
+            <a:r>
+              <a:rPr lang="en-GB" dirty="0" err="1"/>
+              <a:t>CMSfwInstallUtils</a:t>
+            </a:r>
+            <a:endParaRPr lang="en-GB" dirty="0"/>
+          </a:p>
+          <a:p>
+            <a:pPr marL="1200150" lvl="2" indent="-285750">
+              <a:buFont typeface="Arial" panose="020B0604020202020204" pitchFamily="34" charset="0"/>
+              <a:buChar char="•"/>
+            </a:pPr>
+            <a:r>
+              <a:rPr lang="en-GB" dirty="0" err="1"/>
+              <a:t>ConfDbChecks</a:t>
+            </a:r>
+            <a:r>
+              <a:rPr lang="en-GB" dirty="0"/>
+              <a:t>: Difficult to find a generic way to check configs between </a:t>
+            </a:r>
+            <a:r>
+              <a:rPr lang="en-GB" dirty="0" err="1"/>
+              <a:t>db</a:t>
+            </a:r>
+            <a:r>
+              <a:rPr lang="en-GB" dirty="0"/>
+              <a:t> and project</a:t>
+            </a:r>
+          </a:p>
+          <a:p>
+            <a:pPr marL="1200150" lvl="2" indent="-285750">
+              <a:buFont typeface="Arial" panose="020B0604020202020204" pitchFamily="34" charset="0"/>
+              <a:buChar char="•"/>
+            </a:pPr>
+            <a:r>
+              <a:rPr lang="en-GB" dirty="0"/>
+              <a:t>Thinking of just giving the user the opportunity of </a:t>
+            </a:r>
+            <a:r>
+              <a:rPr lang="en-GB"/>
+              <a:t>actually checking inconsistency </a:t>
+            </a:r>
+            <a:r>
+              <a:rPr lang="en-GB" dirty="0"/>
+              <a:t>between project and </a:t>
+            </a:r>
+            <a:r>
+              <a:rPr lang="en-GB" dirty="0" err="1"/>
+              <a:t>db</a:t>
+            </a:r>
+            <a:r>
+              <a:rPr lang="en-GB" dirty="0"/>
+              <a:t> for inconsistent </a:t>
+            </a:r>
+            <a:r>
+              <a:rPr lang="en-GB" dirty="0" err="1"/>
+              <a:t>dpes</a:t>
+            </a:r>
+            <a:endParaRPr lang="en-GB" dirty="0"/>
+          </a:p>
+          <a:p>
+            <a:pPr marL="742950" lvl="1" indent="-285750">
+              <a:buFont typeface="Arial" panose="020B0604020202020204" pitchFamily="34" charset="0"/>
+              <a:buChar char="•"/>
+            </a:pPr>
+            <a:r>
+              <a:rPr lang="en-GB" dirty="0" err="1"/>
+              <a:t>fwInstallationUtils</a:t>
+            </a:r>
+            <a:endParaRPr lang="en-GB" dirty="0"/>
+          </a:p>
+          <a:p>
+            <a:pPr marL="1200150" lvl="2" indent="-285750">
+              <a:buFont typeface="Arial" panose="020B0604020202020204" pitchFamily="34" charset="0"/>
+              <a:buChar char="•"/>
+            </a:pPr>
+            <a:r>
+              <a:rPr lang="en-GB" dirty="0" err="1"/>
+              <a:t>dbEditor</a:t>
+            </a:r>
+            <a:r>
+              <a:rPr lang="en-GB" dirty="0"/>
+              <a:t> and Navigator is ready to deploy</a:t>
+            </a:r>
+          </a:p>
+          <a:p>
+            <a:pPr marL="1200150" lvl="2" indent="-285750">
+              <a:buFont typeface="Arial" panose="020B0604020202020204" pitchFamily="34" charset="0"/>
+              <a:buChar char="•"/>
+            </a:pPr>
+            <a:r>
+              <a:rPr lang="en-GB" dirty="0"/>
+              <a:t>Checking on how to improve the tool in some ways (faster initialization etc)</a:t>
+            </a:r>
+          </a:p>
+          <a:p>
+            <a:pPr marL="285750" indent="-285750">
+              <a:buFont typeface="Arial" panose="020B0604020202020204" pitchFamily="34" charset="0"/>
+              <a:buChar char="•"/>
+            </a:pPr>
+            <a:endParaRPr lang="en-GB" dirty="0"/>
+          </a:p>
+          <a:p>
+            <a:pPr marL="285750" indent="-285750">
+              <a:buFont typeface="Arial" panose="020B0604020202020204" pitchFamily="34" charset="0"/>
+              <a:buChar char="•"/>
+            </a:pPr>
+            <a:r>
+              <a:rPr lang="en-GB" dirty="0"/>
+              <a:t>Analysis</a:t>
+            </a:r>
+          </a:p>
+          <a:p>
+            <a:pPr marL="742950" lvl="1" indent="-285750">
+              <a:buFont typeface="Arial" panose="020B0604020202020204" pitchFamily="34" charset="0"/>
+              <a:buChar char="•"/>
+            </a:pPr>
+            <a:r>
+              <a:rPr lang="en-GB" dirty="0"/>
+              <a:t>Angular Distributions	</a:t>
+            </a:r>
+          </a:p>
+          <a:p>
+            <a:pPr marL="742950" lvl="1" indent="-285750">
+              <a:buFont typeface="Arial" panose="020B0604020202020204" pitchFamily="34" charset="0"/>
+              <a:buChar char="•"/>
+            </a:pPr>
+            <a:r>
+              <a:rPr lang="en-GB" dirty="0"/>
+              <a:t>Efficiencies and Acceptance for top Tagger vs DeepAK8 vs old Event MVA tagger</a:t>
+            </a:r>
+          </a:p>
+        </p:txBody>
+      </p:sp>
+      <p:sp>
+        <p:nvSpPr>
+          <p:cNvPr id="5" name="TextBox 4"/>
+          <p:cNvSpPr txBox="1"/>
+          <p:nvPr/>
+        </p:nvSpPr>
+        <p:spPr>
+          <a:xfrm>
+            <a:off x="260131" y="157656"/>
+            <a:ext cx="10846676" cy="400110"/>
+          </a:xfrm>
+          <a:prstGeom prst="rect">
+            <a:avLst/>
+          </a:prstGeom>
+          <a:noFill/>
+        </p:spPr>
+        <p:txBody>
+          <a:bodyPr wrap="square" rtlCol="0">
+            <a:spAutoFit/>
+          </a:bodyPr>
+          <a:lstStyle/>
+          <a:p>
+            <a:r>
+              <a:rPr lang="en-US" sz="2000" u="sng" dirty="0"/>
+              <a:t>Status Report</a:t>
+            </a:r>
+            <a:endParaRPr lang="en-GB" sz="2000" u="sng" dirty="0"/>
+          </a:p>
+        </p:txBody>
+      </p:sp>
+      <p:sp>
+        <p:nvSpPr>
+          <p:cNvPr id="6" name="Slide Number Placeholder 5"/>
+          <p:cNvSpPr>
+            <a:spLocks noGrp="1"/>
+          </p:cNvSpPr>
+          <p:nvPr>
+            <p:ph type="sldNum" sz="quarter" idx="12"/>
+          </p:nvPr>
+        </p:nvSpPr>
+        <p:spPr/>
+        <p:txBody>
+          <a:bodyPr/>
+          <a:lstStyle/>
+          <a:p>
+            <a:fld id="{AEEFAC8D-0A19-DC49-9F7A-4BFCAD95B105}" type="slidenum">
+              <a:rPr lang="en-US" smtClean="0"/>
+              <a:t>2</a:t>
+            </a:fld>
+            <a:endParaRPr lang="en-US"/>
+          </a:p>
+        </p:txBody>
+      </p:sp>
+    </p:spTree>
+    <p:extLst>
+      <p:ext uri="{BB962C8B-B14F-4D97-AF65-F5344CB8AC3E}">
+        <p14:creationId xmlns:p14="http://schemas.microsoft.com/office/powerpoint/2010/main" val="2564436146"/>
+      </p:ext>
+    </p:extLst>
+  </p:cSld>
+  <p:clrMapOvr>
+    <a:masterClrMapping/>
+  </p:clrMapOvr>
+</p:sld>
+</file>
+
+<file path=ppt/slides/slide3.xml><?xml version="1.0" encoding="utf-8"?>
+<p:sld xmlns:a="http://schemas.openxmlformats.org/drawingml/2006/main" xmlns:r="http://schemas.openxmlformats.org/officeDocument/2006/relationships" xmlns:p="http://schemas.openxmlformats.org/presentationml/2006/main">
+  <p:cSld>
+    <p:spTree>
+      <p:nvGrpSpPr>
+        <p:cNvPr id="1" name=""/>
+        <p:cNvGrpSpPr/>
+        <p:nvPr/>
+      </p:nvGrpSpPr>
+      <p:grpSpPr>
+        <a:xfrm>
+          <a:off x="0" y="0"/>
+          <a:ext cx="0" cy="0"/>
+          <a:chOff x="0" y="0"/>
+          <a:chExt cx="0" cy="0"/>
+        </a:xfrm>
+      </p:grpSpPr>
+      <p:sp>
+        <p:nvSpPr>
+          <p:cNvPr id="2" name="Date Placeholder 1"/>
+          <p:cNvSpPr>
+            <a:spLocks noGrp="1"/>
+          </p:cNvSpPr>
+          <p:nvPr>
+            <p:ph type="dt" sz="half" idx="10"/>
+          </p:nvPr>
+        </p:nvSpPr>
+        <p:spPr/>
+        <p:txBody>
+          <a:bodyPr/>
+          <a:lstStyle/>
+          <a:p>
+            <a:fld id="{7E37C362-8B6B-44E6-96A6-D3578FE67DFA}" type="datetime3">
+              <a:rPr lang="en-US" smtClean="0"/>
+              <a:t>5 June 2019</a:t>
             </a:fld>
             <a:endParaRPr lang="en-US"/>
           </a:p>
@@ -8368,7 +8994,7 @@
                   <a:buChar char="•"/>
                 </a:pPr>
                 <a:r>
-                  <a:rPr lang="en-US" sz="1600" dirty="0" smtClean="0"/>
+                  <a:rPr lang="en-US" sz="1600" dirty="0"/>
                   <a:t>We employ the </a:t>
                 </a:r>
                 <a:r>
@@ -8872,23 +9498,15 @@
                 </a:r>
                 <a:r>
                   <a:rPr lang="en-US" sz="1600" dirty="0"/>
-                  <a:t> = </a:t>
+                  <a:t> = 0.5(y</a:t>
                 </a:r>
                 <a:r>
-                  <a:rPr lang="en-US" sz="1600" dirty="0" smtClean="0"/>
-                  <a:t>0.5(y</a:t>
-                </a:r>
-                <a:r>
-                  <a:rPr lang="en-US" sz="1600" baseline="-25000" dirty="0" smtClean="0"/>
+                  <a:rPr lang="en-US" sz="1600" baseline="-25000" dirty="0"/>
                   <a:t>1</a:t>
                 </a:r>
                 <a:r>
-                  <a:rPr lang="en-US" sz="1600" dirty="0" smtClean="0"/>
-                  <a:t> </a:t>
-                </a:r>
-                <a:r>
                   <a:rPr lang="en-US" sz="1600" dirty="0"/>
-                  <a:t>+ y</a:t>
+                  <a:t> + y</a:t>
                 </a:r>
                 <a:r>
                   <a:rPr lang="en-US" sz="1600" baseline="-25000" dirty="0"/>
@@ -9394,7 +10012,7 @@
           <a:p>
             <a:fld id="{AEEFAC8D-0A19-DC49-9F7A-4BFCAD95B105}" type="slidenum">
               <a:rPr lang="en-US" smtClean="0"/>
-              <a:t>2</a:t>
+              <a:t>3</a:t>
             </a:fld>
             <a:endParaRPr lang="en-US"/>
           </a:p>
@@ -9403,451 +10021,7 @@
     </p:spTree>
     <p:extLst>
       <p:ext uri="{BB962C8B-B14F-4D97-AF65-F5344CB8AC3E}">
-        <p14:creationId xmlns:p14="http://schemas.microsoft.com/office/powerpoint/2010/main" val="2564436146"/>
-      </p:ext>
-    </p:extLst>
-  </p:cSld>
-  <p:clrMapOvr>
-    <a:masterClrMapping/>
-  </p:clrMapOvr>
-</p:sld>
-</file>
-
-<file path=ppt/slides/slide3.xml><?xml version="1.0" encoding="utf-8"?>
-<p:sld xmlns:a="http://schemas.openxmlformats.org/drawingml/2006/main" xmlns:r="http://schemas.openxmlformats.org/officeDocument/2006/relationships" xmlns:p="http://schemas.openxmlformats.org/presentationml/2006/main">
-  <p:cSld>
-    <p:spTree>
-      <p:nvGrpSpPr>
-        <p:cNvPr id="1" name=""/>
-        <p:cNvGrpSpPr/>
-        <p:nvPr/>
-      </p:nvGrpSpPr>
-      <p:grpSpPr>
-        <a:xfrm>
-          <a:off x="0" y="0"/>
-          <a:ext cx="0" cy="0"/>
-          <a:chOff x="0" y="0"/>
-          <a:chExt cx="0" cy="0"/>
-        </a:xfrm>
-      </p:grpSpPr>
-      <p:sp>
-        <p:nvSpPr>
-          <p:cNvPr id="2" name="Date Placeholder 1"/>
-          <p:cNvSpPr>
-            <a:spLocks noGrp="1"/>
-          </p:cNvSpPr>
-          <p:nvPr>
-            <p:ph type="dt" sz="half" idx="10"/>
-          </p:nvPr>
-        </p:nvSpPr>
-        <p:spPr/>
-        <p:txBody>
-          <a:bodyPr/>
-          <a:lstStyle/>
-          <a:p>
-            <a:fld id="{482AA653-8872-4AEA-B19D-0BF0F1064A5A}" type="datetime3">
-              <a:rPr lang="en-US" smtClean="0"/>
-              <a:t>4 June 2019</a:t>
-            </a:fld>
-            <a:endParaRPr lang="en-US"/>
-          </a:p>
-        </p:txBody>
-      </p:sp>
-      <p:sp>
-        <p:nvSpPr>
-          <p:cNvPr id="3" name="Footer Placeholder 2"/>
-          <p:cNvSpPr>
-            <a:spLocks noGrp="1"/>
-          </p:cNvSpPr>
-          <p:nvPr>
-            <p:ph type="ftr" sz="quarter" idx="11"/>
-          </p:nvPr>
-        </p:nvSpPr>
-        <p:spPr/>
-        <p:txBody>
-          <a:bodyPr/>
-          <a:lstStyle/>
-          <a:p>
-            <a:r>
-              <a:rPr lang="fi-FI"/>
-              <a:t>NTUA, G. Bakas</a:t>
-            </a:r>
-            <a:endParaRPr lang="en-US"/>
-          </a:p>
-        </p:txBody>
-      </p:sp>
-      <p:sp>
-        <p:nvSpPr>
-          <p:cNvPr id="4" name="TextBox 3"/>
-          <p:cNvSpPr txBox="1"/>
-          <p:nvPr/>
-        </p:nvSpPr>
-        <p:spPr>
-          <a:xfrm>
-            <a:off x="346842" y="717331"/>
-            <a:ext cx="11633664" cy="6247864"/>
-          </a:xfrm>
-          <a:prstGeom prst="rect">
-            <a:avLst/>
-          </a:prstGeom>
-          <a:noFill/>
-        </p:spPr>
-        <p:txBody>
-          <a:bodyPr wrap="square" rtlCol="0">
-            <a:spAutoFit/>
-          </a:bodyPr>
-          <a:lstStyle/>
-          <a:p>
-            <a:pPr marL="285750" indent="-285750">
-              <a:buFont typeface="Arial" panose="020B0604020202020204" pitchFamily="34" charset="0"/>
-              <a:buChar char="•"/>
-            </a:pPr>
-            <a:r>
-              <a:rPr lang="en-US" sz="1600" dirty="0"/>
-              <a:t>Selection:</a:t>
-            </a:r>
-          </a:p>
-          <a:p>
-            <a:pPr marL="742950" lvl="1" indent="-285750">
-              <a:buFont typeface="Arial" panose="020B0604020202020204" pitchFamily="34" charset="0"/>
-              <a:buChar char="•"/>
-            </a:pPr>
-            <a:r>
-              <a:rPr lang="en-US" sz="1600" dirty="0"/>
-              <a:t>Parton: </a:t>
-            </a:r>
-            <a:r>
-              <a:rPr lang="it-IT" sz="1600" dirty="0"/>
-              <a:t>partonPt &gt; </a:t>
-            </a:r>
-            <a:r>
-              <a:rPr lang="el-GR" sz="1600" dirty="0">
-                <a:solidFill>
-                  <a:srgbClr val="FF0000"/>
-                </a:solidFill>
-              </a:rPr>
-              <a:t>500*</a:t>
-            </a:r>
-            <a:r>
-              <a:rPr lang="it-IT" sz="1600" dirty="0"/>
-              <a:t>, |partonEta|&lt; 2.4,  mTTbarParton &gt; 1000</a:t>
-            </a:r>
-          </a:p>
-          <a:p>
-            <a:pPr marL="742950" lvl="1" indent="-285750">
-              <a:buFont typeface="Arial" panose="020B0604020202020204" pitchFamily="34" charset="0"/>
-              <a:buChar char="•"/>
-            </a:pPr>
-            <a:r>
-              <a:rPr lang="it-IT" sz="1600" dirty="0"/>
-              <a:t>Reco: jetPt&gt;</a:t>
-            </a:r>
-            <a:r>
-              <a:rPr lang="el-GR" sz="1600" dirty="0">
-                <a:solidFill>
-                  <a:srgbClr val="FF0000"/>
-                </a:solidFill>
-              </a:rPr>
-              <a:t>500</a:t>
-            </a:r>
-            <a:r>
-              <a:rPr lang="it-IT" sz="1600" dirty="0"/>
-              <a:t>, |jetEta| &lt; 2.4, nLeptons ==0</a:t>
-            </a:r>
-          </a:p>
-          <a:p>
-            <a:pPr marL="742950" lvl="1" indent="-285750">
-              <a:buFont typeface="Arial" panose="020B0604020202020204" pitchFamily="34" charset="0"/>
-              <a:buChar char="•"/>
-            </a:pPr>
-            <a:r>
-              <a:rPr lang="it-IT" sz="1600" dirty="0"/>
-              <a:t>Btagging Medium working point</a:t>
-            </a:r>
-          </a:p>
-          <a:p>
-            <a:pPr marL="742950" lvl="1" indent="-285750">
-              <a:buFont typeface="Arial" panose="020B0604020202020204" pitchFamily="34" charset="0"/>
-              <a:buChar char="•"/>
-            </a:pPr>
-            <a:r>
-              <a:rPr lang="it-IT" sz="1600" dirty="0"/>
-              <a:t>Top tagger mva &gt; 0.3</a:t>
-            </a:r>
-          </a:p>
-          <a:p>
-            <a:pPr marL="742950" lvl="1" indent="-285750">
-              <a:buFont typeface="Arial" panose="020B0604020202020204" pitchFamily="34" charset="0"/>
-              <a:buChar char="•"/>
-            </a:pPr>
-            <a:r>
-              <a:rPr lang="it-IT" sz="1600" dirty="0"/>
-              <a:t>Jet mass soft Drop (120, 220)GeV</a:t>
-            </a:r>
-          </a:p>
-          <a:p>
-            <a:pPr marL="742950" lvl="1" indent="-285750">
-              <a:buFont typeface="Arial" panose="020B0604020202020204" pitchFamily="34" charset="0"/>
-              <a:buChar char="•"/>
-            </a:pPr>
-            <a:r>
-              <a:rPr lang="it-IT" sz="1600" dirty="0"/>
-              <a:t>Jets are matched</a:t>
-            </a:r>
-            <a:endParaRPr lang="en-US" sz="1600" dirty="0"/>
-          </a:p>
-          <a:p>
-            <a:pPr marL="742950" lvl="1" indent="-285750">
-              <a:buFont typeface="Arial" panose="020B0604020202020204" pitchFamily="34" charset="0"/>
-              <a:buChar char="•"/>
-            </a:pPr>
-            <a:endParaRPr lang="en-US" sz="1600" dirty="0"/>
-          </a:p>
-          <a:p>
-            <a:pPr marL="285750" indent="-285750">
-              <a:buFont typeface="Arial" panose="020B0604020202020204" pitchFamily="34" charset="0"/>
-              <a:buChar char="•"/>
-            </a:pPr>
-            <a:r>
-              <a:rPr lang="en-US" sz="1600" dirty="0"/>
-              <a:t>Response matrix of </a:t>
-            </a:r>
-            <a:r>
-              <a:rPr lang="el-GR" sz="1600" dirty="0"/>
-              <a:t>χ</a:t>
-            </a:r>
-            <a:r>
-              <a:rPr lang="en-US" sz="1600" baseline="-25000" dirty="0" err="1"/>
-              <a:t>reco</a:t>
-            </a:r>
-            <a:r>
-              <a:rPr lang="en-US" sz="1600" dirty="0"/>
-              <a:t>, </a:t>
-            </a:r>
-            <a:r>
-              <a:rPr lang="el-GR" sz="1600" dirty="0"/>
-              <a:t>χ</a:t>
-            </a:r>
-            <a:r>
-              <a:rPr lang="en-US" sz="1600" baseline="-25000" dirty="0" err="1"/>
-              <a:t>parton</a:t>
-            </a:r>
-            <a:r>
-              <a:rPr lang="en-US" sz="1600" dirty="0"/>
-              <a:t> with {1,2,3,4,5,6,8,10,13,16} as variable binning</a:t>
-            </a:r>
-          </a:p>
-          <a:p>
-            <a:pPr marL="285750" indent="-285750">
-              <a:buFont typeface="Arial" panose="020B0604020202020204" pitchFamily="34" charset="0"/>
-              <a:buChar char="•"/>
-            </a:pPr>
-            <a:endParaRPr lang="en-US" sz="1600" dirty="0"/>
-          </a:p>
-          <a:p>
-            <a:pPr marL="285750" indent="-285750">
-              <a:buFont typeface="Arial" panose="020B0604020202020204" pitchFamily="34" charset="0"/>
-              <a:buChar char="•"/>
-            </a:pPr>
-            <a:r>
-              <a:rPr lang="en-US" sz="1600" dirty="0"/>
-              <a:t>The same binning is then used to find the response matrices in different mass (</a:t>
-            </a:r>
-            <a:r>
-              <a:rPr lang="en-US" sz="1600" dirty="0" err="1"/>
-              <a:t>mTTbar</a:t>
-            </a:r>
-            <a:r>
-              <a:rPr lang="en-US" sz="1600" dirty="0"/>
-              <a:t>) regions</a:t>
-            </a:r>
-          </a:p>
-          <a:p>
-            <a:pPr marL="742950" lvl="1" indent="-285750">
-              <a:buFont typeface="Arial" panose="020B0604020202020204" pitchFamily="34" charset="0"/>
-              <a:buChar char="•"/>
-            </a:pPr>
-            <a:r>
-              <a:rPr lang="en-US" sz="1600" dirty="0"/>
-              <a:t>[1000-1600]GeV</a:t>
-            </a:r>
-          </a:p>
-          <a:p>
-            <a:pPr marL="742950" lvl="1" indent="-285750">
-              <a:buFont typeface="Arial" panose="020B0604020202020204" pitchFamily="34" charset="0"/>
-              <a:buChar char="•"/>
-            </a:pPr>
-            <a:r>
-              <a:rPr lang="en-US" sz="1600" dirty="0"/>
-              <a:t>[1600-2200]GeV</a:t>
-            </a:r>
-          </a:p>
-          <a:p>
-            <a:pPr marL="742950" lvl="1" indent="-285750">
-              <a:buFont typeface="Arial" panose="020B0604020202020204" pitchFamily="34" charset="0"/>
-              <a:buChar char="•"/>
-            </a:pPr>
-            <a:r>
-              <a:rPr lang="en-US" sz="1600" dirty="0"/>
-              <a:t>[2200-3000]GeV</a:t>
-            </a:r>
-          </a:p>
-          <a:p>
-            <a:pPr marL="742950" lvl="1" indent="-285750">
-              <a:buFont typeface="Arial" panose="020B0604020202020204" pitchFamily="34" charset="0"/>
-              <a:buChar char="•"/>
-            </a:pPr>
-            <a:r>
-              <a:rPr lang="en-US" sz="1600" dirty="0"/>
-              <a:t>[3000-3600]GeV</a:t>
-            </a:r>
-          </a:p>
-          <a:p>
-            <a:pPr marL="742950" lvl="1" indent="-285750">
-              <a:buFont typeface="Arial" panose="020B0604020202020204" pitchFamily="34" charset="0"/>
-              <a:buChar char="•"/>
-            </a:pPr>
-            <a:r>
-              <a:rPr lang="en-US" sz="1600" dirty="0"/>
-              <a:t>[3600-6000]GeV</a:t>
-            </a:r>
-          </a:p>
-          <a:p>
-            <a:pPr marL="285750" indent="-285750">
-              <a:buFont typeface="Arial" panose="020B0604020202020204" pitchFamily="34" charset="0"/>
-              <a:buChar char="•"/>
-            </a:pPr>
-            <a:endParaRPr lang="en-US" sz="1600" dirty="0"/>
-          </a:p>
-          <a:p>
-            <a:pPr marL="285750" indent="-285750">
-              <a:buFont typeface="Arial" panose="020B0604020202020204" pitchFamily="34" charset="0"/>
-              <a:buChar char="•"/>
-            </a:pPr>
-            <a:r>
-              <a:rPr lang="en-US" sz="1600" dirty="0"/>
-              <a:t>Stability, Efficiency for </a:t>
-            </a:r>
-            <a:r>
-              <a:rPr lang="el-GR" sz="1600" dirty="0"/>
-              <a:t>χ</a:t>
-            </a:r>
-            <a:r>
-              <a:rPr lang="en-US" sz="1600" dirty="0"/>
-              <a:t> distribution</a:t>
-            </a:r>
-          </a:p>
-          <a:p>
-            <a:pPr marL="285750" indent="-285750">
-              <a:buFont typeface="Arial" panose="020B0604020202020204" pitchFamily="34" charset="0"/>
-              <a:buChar char="•"/>
-            </a:pPr>
-            <a:endParaRPr lang="en-US" sz="1600" dirty="0"/>
-          </a:p>
-          <a:p>
-            <a:pPr marL="285750" indent="-285750">
-              <a:buFont typeface="Arial" panose="020B0604020202020204" pitchFamily="34" charset="0"/>
-              <a:buChar char="•"/>
-            </a:pPr>
-            <a:r>
-              <a:rPr lang="en-US" sz="1600" dirty="0"/>
-              <a:t>Acceptance and purity for </a:t>
-            </a:r>
-            <a:r>
-              <a:rPr lang="el-GR" sz="1600" dirty="0"/>
-              <a:t>χ</a:t>
-            </a:r>
-          </a:p>
-          <a:p>
-            <a:pPr marL="285750" indent="-285750">
-              <a:buFont typeface="Arial" panose="020B0604020202020204" pitchFamily="34" charset="0"/>
-              <a:buChar char="•"/>
-            </a:pPr>
-            <a:endParaRPr lang="el-GR" sz="1600" dirty="0"/>
-          </a:p>
-          <a:p>
-            <a:r>
-              <a:rPr lang="en-US" sz="1600" dirty="0"/>
-              <a:t>*By applying the Pt to be more than 500, we get more similar results with ATLAS</a:t>
-            </a:r>
-          </a:p>
-          <a:p>
-            <a:pPr lvl="1"/>
-            <a:endParaRPr lang="en-US" sz="1600" dirty="0"/>
-          </a:p>
-          <a:p>
-            <a:pPr marL="800100" lvl="1" indent="-342900">
-              <a:buFont typeface="+mj-lt"/>
-              <a:buAutoNum type="arabicPeriod"/>
-            </a:pPr>
-            <a:endParaRPr lang="en-US" sz="1600" dirty="0"/>
-          </a:p>
-          <a:p>
-            <a:pPr marL="285750" indent="-285750">
-              <a:buFont typeface="Arial" panose="020B0604020202020204" pitchFamily="34" charset="0"/>
-              <a:buChar char="•"/>
-            </a:pPr>
-            <a:endParaRPr lang="en-GB" sz="1600" dirty="0"/>
-          </a:p>
-        </p:txBody>
-      </p:sp>
-      <p:sp>
-        <p:nvSpPr>
-          <p:cNvPr id="5" name="TextBox 4"/>
-          <p:cNvSpPr txBox="1"/>
-          <p:nvPr/>
-        </p:nvSpPr>
-        <p:spPr>
-          <a:xfrm>
-            <a:off x="260131" y="157656"/>
-            <a:ext cx="10846676" cy="369332"/>
-          </a:xfrm>
-          <a:prstGeom prst="rect">
-            <a:avLst/>
-          </a:prstGeom>
-          <a:noFill/>
-        </p:spPr>
-        <p:txBody>
-          <a:bodyPr wrap="square" rtlCol="0">
-            <a:spAutoFit/>
-          </a:bodyPr>
-          <a:lstStyle/>
-          <a:p>
-            <a:r>
-              <a:rPr lang="en-US" u="sng" dirty="0"/>
-              <a:t>Response Matrices</a:t>
-            </a:r>
-            <a:endParaRPr lang="en-GB" u="sng" dirty="0"/>
-          </a:p>
-        </p:txBody>
-      </p:sp>
-      <p:sp>
-        <p:nvSpPr>
-          <p:cNvPr id="6" name="Slide Number Placeholder 5"/>
-          <p:cNvSpPr>
-            <a:spLocks noGrp="1"/>
-          </p:cNvSpPr>
-          <p:nvPr>
-            <p:ph type="sldNum" sz="quarter" idx="12"/>
-          </p:nvPr>
-        </p:nvSpPr>
-        <p:spPr/>
-        <p:txBody>
-          <a:bodyPr/>
-          <a:lstStyle/>
-          <a:p>
-            <a:fld id="{AEEFAC8D-0A19-DC49-9F7A-4BFCAD95B105}" type="slidenum">
-              <a:rPr lang="en-US" smtClean="0"/>
-              <a:t>3</a:t>
-            </a:fld>
-            <a:endParaRPr lang="en-US"/>
-          </a:p>
-        </p:txBody>
-      </p:sp>
-    </p:spTree>
-    <p:extLst>
-      <p:ext uri="{BB962C8B-B14F-4D97-AF65-F5344CB8AC3E}">
-        <p14:creationId xmlns:p14="http://schemas.microsoft.com/office/powerpoint/2010/main" val="3081200129"/>
+        <p14:creationId xmlns:p14="http://schemas.microsoft.com/office/powerpoint/2010/main" val="2320594614"/>
       </p:ext>
     </p:extLst>
   </p:cSld>
@@ -9891,7 +10065,7 @@
           <a:p>
             <a:fld id="{482AA653-8872-4AEA-B19D-0BF0F1064A5A}" type="datetime3">
               <a:rPr lang="en-US" smtClean="0"/>
-              <a:t>4 June 2019</a:t>
+              <a:t>5 June 2019</a:t>
             </a:fld>
             <a:endParaRPr lang="en-US"/>
           </a:p>
@@ -9917,6 +10091,321 @@
               <a:t>NTUA, G. Bakas</a:t>
             </a:r>
             <a:endParaRPr lang="en-US"/>
+          </a:p>
+        </p:txBody>
+      </p:sp>
+      <p:sp>
+        <p:nvSpPr>
+          <p:cNvPr id="4" name="TextBox 3"/>
+          <p:cNvSpPr txBox="1"/>
+          <p:nvPr/>
+        </p:nvSpPr>
+        <p:spPr>
+          <a:xfrm>
+            <a:off x="346842" y="717331"/>
+            <a:ext cx="11633664" cy="6247864"/>
+          </a:xfrm>
+          <a:prstGeom prst="rect">
+            <a:avLst/>
+          </a:prstGeom>
+          <a:noFill/>
+        </p:spPr>
+        <p:txBody>
+          <a:bodyPr wrap="square" rtlCol="0">
+            <a:spAutoFit/>
+          </a:bodyPr>
+          <a:lstStyle/>
+          <a:p>
+            <a:pPr marL="285750" indent="-285750">
+              <a:buFont typeface="Arial" panose="020B0604020202020204" pitchFamily="34" charset="0"/>
+              <a:buChar char="•"/>
+            </a:pPr>
+            <a:r>
+              <a:rPr lang="en-US" sz="1600" dirty="0"/>
+              <a:t>Selection:</a:t>
+            </a:r>
+          </a:p>
+          <a:p>
+            <a:pPr marL="742950" lvl="1" indent="-285750">
+              <a:buFont typeface="Arial" panose="020B0604020202020204" pitchFamily="34" charset="0"/>
+              <a:buChar char="•"/>
+            </a:pPr>
+            <a:r>
+              <a:rPr lang="en-US" sz="1600" dirty="0"/>
+              <a:t>Parton: </a:t>
+            </a:r>
+            <a:r>
+              <a:rPr lang="it-IT" sz="1600" dirty="0"/>
+              <a:t>partonPt &gt; </a:t>
+            </a:r>
+            <a:r>
+              <a:rPr lang="el-GR" sz="1600" dirty="0">
+                <a:solidFill>
+                  <a:srgbClr val="FF0000"/>
+                </a:solidFill>
+              </a:rPr>
+              <a:t>500*</a:t>
+            </a:r>
+            <a:r>
+              <a:rPr lang="it-IT" sz="1600" dirty="0"/>
+              <a:t>, |partonEta|&lt; 2.4,  mTTbarParton &gt; 1000</a:t>
+            </a:r>
+          </a:p>
+          <a:p>
+            <a:pPr marL="742950" lvl="1" indent="-285750">
+              <a:buFont typeface="Arial" panose="020B0604020202020204" pitchFamily="34" charset="0"/>
+              <a:buChar char="•"/>
+            </a:pPr>
+            <a:r>
+              <a:rPr lang="it-IT" sz="1600" dirty="0"/>
+              <a:t>Reco: jetPt&gt;</a:t>
+            </a:r>
+            <a:r>
+              <a:rPr lang="el-GR" sz="1600" dirty="0">
+                <a:solidFill>
+                  <a:srgbClr val="FF0000"/>
+                </a:solidFill>
+              </a:rPr>
+              <a:t>500</a:t>
+            </a:r>
+            <a:r>
+              <a:rPr lang="it-IT" sz="1600" dirty="0"/>
+              <a:t>, |jetEta| &lt; 2.4, nLeptons ==0</a:t>
+            </a:r>
+          </a:p>
+          <a:p>
+            <a:pPr marL="742950" lvl="1" indent="-285750">
+              <a:buFont typeface="Arial" panose="020B0604020202020204" pitchFamily="34" charset="0"/>
+              <a:buChar char="•"/>
+            </a:pPr>
+            <a:r>
+              <a:rPr lang="it-IT" sz="1600" dirty="0"/>
+              <a:t>Btagging Medium working point</a:t>
+            </a:r>
+          </a:p>
+          <a:p>
+            <a:pPr marL="742950" lvl="1" indent="-285750">
+              <a:buFont typeface="Arial" panose="020B0604020202020204" pitchFamily="34" charset="0"/>
+              <a:buChar char="•"/>
+            </a:pPr>
+            <a:r>
+              <a:rPr lang="it-IT" sz="1600" dirty="0"/>
+              <a:t>Top tagger mva &gt; 0.3</a:t>
+            </a:r>
+          </a:p>
+          <a:p>
+            <a:pPr marL="742950" lvl="1" indent="-285750">
+              <a:buFont typeface="Arial" panose="020B0604020202020204" pitchFamily="34" charset="0"/>
+              <a:buChar char="•"/>
+            </a:pPr>
+            <a:r>
+              <a:rPr lang="it-IT" sz="1600" dirty="0"/>
+              <a:t>Jet mass soft Drop (120, 220)GeV</a:t>
+            </a:r>
+          </a:p>
+          <a:p>
+            <a:pPr marL="742950" lvl="1" indent="-285750">
+              <a:buFont typeface="Arial" panose="020B0604020202020204" pitchFamily="34" charset="0"/>
+              <a:buChar char="•"/>
+            </a:pPr>
+            <a:r>
+              <a:rPr lang="it-IT" sz="1600" dirty="0"/>
+              <a:t>Jets are matched</a:t>
+            </a:r>
+            <a:endParaRPr lang="en-US" sz="1600" dirty="0"/>
+          </a:p>
+          <a:p>
+            <a:pPr marL="742950" lvl="1" indent="-285750">
+              <a:buFont typeface="Arial" panose="020B0604020202020204" pitchFamily="34" charset="0"/>
+              <a:buChar char="•"/>
+            </a:pPr>
+            <a:endParaRPr lang="en-US" sz="1600" dirty="0"/>
+          </a:p>
+          <a:p>
+            <a:pPr marL="285750" indent="-285750">
+              <a:buFont typeface="Arial" panose="020B0604020202020204" pitchFamily="34" charset="0"/>
+              <a:buChar char="•"/>
+            </a:pPr>
+            <a:r>
+              <a:rPr lang="en-US" sz="1600" dirty="0"/>
+              <a:t>Response matrix of </a:t>
+            </a:r>
+            <a:r>
+              <a:rPr lang="el-GR" sz="1600" dirty="0"/>
+              <a:t>χ</a:t>
+            </a:r>
+            <a:r>
+              <a:rPr lang="en-US" sz="1600" baseline="-25000" dirty="0" err="1"/>
+              <a:t>reco</a:t>
+            </a:r>
+            <a:r>
+              <a:rPr lang="en-US" sz="1600" dirty="0"/>
+              <a:t>, </a:t>
+            </a:r>
+            <a:r>
+              <a:rPr lang="el-GR" sz="1600" dirty="0"/>
+              <a:t>χ</a:t>
+            </a:r>
+            <a:r>
+              <a:rPr lang="en-US" sz="1600" baseline="-25000" dirty="0" err="1"/>
+              <a:t>parton</a:t>
+            </a:r>
+            <a:r>
+              <a:rPr lang="en-US" sz="1600" dirty="0"/>
+              <a:t> with {1,2,3,4,5,6,8,10,13,16} as variable binning</a:t>
+            </a:r>
+          </a:p>
+          <a:p>
+            <a:pPr marL="285750" indent="-285750">
+              <a:buFont typeface="Arial" panose="020B0604020202020204" pitchFamily="34" charset="0"/>
+              <a:buChar char="•"/>
+            </a:pPr>
+            <a:endParaRPr lang="en-US" sz="1600" dirty="0"/>
+          </a:p>
+          <a:p>
+            <a:pPr marL="285750" indent="-285750">
+              <a:buFont typeface="Arial" panose="020B0604020202020204" pitchFamily="34" charset="0"/>
+              <a:buChar char="•"/>
+            </a:pPr>
+            <a:r>
+              <a:rPr lang="en-US" sz="1600" dirty="0"/>
+              <a:t>The same binning is then used to find the response matrices in different mass (</a:t>
+            </a:r>
+            <a:r>
+              <a:rPr lang="en-US" sz="1600" dirty="0" err="1"/>
+              <a:t>mTTbar</a:t>
+            </a:r>
+            <a:r>
+              <a:rPr lang="en-US" sz="1600" dirty="0"/>
+              <a:t>) regions</a:t>
+            </a:r>
+          </a:p>
+          <a:p>
+            <a:pPr marL="742950" lvl="1" indent="-285750">
+              <a:buFont typeface="Arial" panose="020B0604020202020204" pitchFamily="34" charset="0"/>
+              <a:buChar char="•"/>
+            </a:pPr>
+            <a:r>
+              <a:rPr lang="en-US" sz="1600" dirty="0"/>
+              <a:t>[1000-1600]GeV</a:t>
+            </a:r>
+          </a:p>
+          <a:p>
+            <a:pPr marL="742950" lvl="1" indent="-285750">
+              <a:buFont typeface="Arial" panose="020B0604020202020204" pitchFamily="34" charset="0"/>
+              <a:buChar char="•"/>
+            </a:pPr>
+            <a:r>
+              <a:rPr lang="en-US" sz="1600" dirty="0"/>
+              <a:t>[1600-2200]GeV</a:t>
+            </a:r>
+          </a:p>
+          <a:p>
+            <a:pPr marL="742950" lvl="1" indent="-285750">
+              <a:buFont typeface="Arial" panose="020B0604020202020204" pitchFamily="34" charset="0"/>
+              <a:buChar char="•"/>
+            </a:pPr>
+            <a:r>
+              <a:rPr lang="en-US" sz="1600" dirty="0"/>
+              <a:t>[2200-3000]GeV</a:t>
+            </a:r>
+          </a:p>
+          <a:p>
+            <a:pPr marL="742950" lvl="1" indent="-285750">
+              <a:buFont typeface="Arial" panose="020B0604020202020204" pitchFamily="34" charset="0"/>
+              <a:buChar char="•"/>
+            </a:pPr>
+            <a:r>
+              <a:rPr lang="en-US" sz="1600" dirty="0"/>
+              <a:t>[3000-3600]GeV</a:t>
+            </a:r>
+          </a:p>
+          <a:p>
+            <a:pPr marL="742950" lvl="1" indent="-285750">
+              <a:buFont typeface="Arial" panose="020B0604020202020204" pitchFamily="34" charset="0"/>
+              <a:buChar char="•"/>
+            </a:pPr>
+            <a:r>
+              <a:rPr lang="en-US" sz="1600" dirty="0"/>
+              <a:t>[3600-6000]GeV</a:t>
+            </a:r>
+          </a:p>
+          <a:p>
+            <a:pPr marL="285750" indent="-285750">
+              <a:buFont typeface="Arial" panose="020B0604020202020204" pitchFamily="34" charset="0"/>
+              <a:buChar char="•"/>
+            </a:pPr>
+            <a:endParaRPr lang="en-US" sz="1600" dirty="0"/>
+          </a:p>
+          <a:p>
+            <a:pPr marL="285750" indent="-285750">
+              <a:buFont typeface="Arial" panose="020B0604020202020204" pitchFamily="34" charset="0"/>
+              <a:buChar char="•"/>
+            </a:pPr>
+            <a:r>
+              <a:rPr lang="en-US" sz="1600" dirty="0"/>
+              <a:t>Stability, Efficiency for </a:t>
+            </a:r>
+            <a:r>
+              <a:rPr lang="el-GR" sz="1600" dirty="0"/>
+              <a:t>χ</a:t>
+            </a:r>
+            <a:r>
+              <a:rPr lang="en-US" sz="1600" dirty="0"/>
+              <a:t> distribution</a:t>
+            </a:r>
+          </a:p>
+          <a:p>
+            <a:pPr marL="285750" indent="-285750">
+              <a:buFont typeface="Arial" panose="020B0604020202020204" pitchFamily="34" charset="0"/>
+              <a:buChar char="•"/>
+            </a:pPr>
+            <a:endParaRPr lang="en-US" sz="1600" dirty="0"/>
+          </a:p>
+          <a:p>
+            <a:pPr marL="285750" indent="-285750">
+              <a:buFont typeface="Arial" panose="020B0604020202020204" pitchFamily="34" charset="0"/>
+              <a:buChar char="•"/>
+            </a:pPr>
+            <a:r>
+              <a:rPr lang="en-US" sz="1600" dirty="0"/>
+              <a:t>Acceptance and purity for </a:t>
+            </a:r>
+            <a:r>
+              <a:rPr lang="el-GR" sz="1600" dirty="0"/>
+              <a:t>χ</a:t>
+            </a:r>
+          </a:p>
+          <a:p>
+            <a:pPr marL="285750" indent="-285750">
+              <a:buFont typeface="Arial" panose="020B0604020202020204" pitchFamily="34" charset="0"/>
+              <a:buChar char="•"/>
+            </a:pPr>
+            <a:endParaRPr lang="el-GR" sz="1600" dirty="0"/>
+          </a:p>
+          <a:p>
+            <a:r>
+              <a:rPr lang="en-US" sz="1600" dirty="0"/>
+              <a:t>*By applying the Pt to be more than 500, we get more similar results with ATLAS</a:t>
+            </a:r>
+          </a:p>
+          <a:p>
+            <a:pPr lvl="1"/>
+            <a:endParaRPr lang="en-US" sz="1600" dirty="0"/>
+          </a:p>
+          <a:p>
+            <a:pPr marL="800100" lvl="1" indent="-342900">
+              <a:buFont typeface="+mj-lt"/>
+              <a:buAutoNum type="arabicPeriod"/>
+            </a:pPr>
+            <a:endParaRPr lang="en-US" sz="1600" dirty="0"/>
+          </a:p>
+          <a:p>
+            <a:pPr marL="285750" indent="-285750">
+              <a:buFont typeface="Arial" panose="020B0604020202020204" pitchFamily="34" charset="0"/>
+              <a:buChar char="•"/>
+            </a:pPr>
+            <a:endParaRPr lang="en-GB" sz="1600" dirty="0"/>
           </a:p>
         </p:txBody>
       </p:sp>
@@ -9973,6 +10462,135 @@
           </a:p>
         </p:txBody>
       </p:sp>
+    </p:spTree>
+    <p:extLst>
+      <p:ext uri="{BB962C8B-B14F-4D97-AF65-F5344CB8AC3E}">
+        <p14:creationId xmlns:p14="http://schemas.microsoft.com/office/powerpoint/2010/main" val="3081200129"/>
+      </p:ext>
+    </p:extLst>
+  </p:cSld>
+  <p:clrMapOvr>
+    <a:masterClrMapping/>
+  </p:clrMapOvr>
+</p:sld>
+</file>
+
+<file path=ppt/slides/slide5.xml><?xml version="1.0" encoding="utf-8"?>
+<p:sld xmlns:a="http://schemas.openxmlformats.org/drawingml/2006/main" xmlns:r="http://schemas.openxmlformats.org/officeDocument/2006/relationships" xmlns:p="http://schemas.openxmlformats.org/presentationml/2006/main">
+  <p:cSld>
+    <p:spTree>
+      <p:nvGrpSpPr>
+        <p:cNvPr id="1" name=""/>
+        <p:cNvGrpSpPr/>
+        <p:nvPr/>
+      </p:nvGrpSpPr>
+      <p:grpSpPr>
+        <a:xfrm>
+          <a:off x="0" y="0"/>
+          <a:ext cx="0" cy="0"/>
+          <a:chOff x="0" y="0"/>
+          <a:chExt cx="0" cy="0"/>
+        </a:xfrm>
+      </p:grpSpPr>
+      <p:sp>
+        <p:nvSpPr>
+          <p:cNvPr id="2" name="Date Placeholder 1"/>
+          <p:cNvSpPr>
+            <a:spLocks noGrp="1"/>
+          </p:cNvSpPr>
+          <p:nvPr>
+            <p:ph type="dt" sz="half" idx="10"/>
+          </p:nvPr>
+        </p:nvSpPr>
+        <p:spPr/>
+        <p:txBody>
+          <a:bodyPr/>
+          <a:lstStyle/>
+          <a:p>
+            <a:fld id="{482AA653-8872-4AEA-B19D-0BF0F1064A5A}" type="datetime3">
+              <a:rPr lang="en-US" smtClean="0"/>
+              <a:t>5 June 2019</a:t>
+            </a:fld>
+            <a:endParaRPr lang="en-US"/>
+          </a:p>
+        </p:txBody>
+      </p:sp>
+      <p:sp>
+        <p:nvSpPr>
+          <p:cNvPr id="3" name="Footer Placeholder 2"/>
+          <p:cNvSpPr>
+            <a:spLocks noGrp="1"/>
+          </p:cNvSpPr>
+          <p:nvPr>
+            <p:ph type="ftr" sz="quarter" idx="11"/>
+          </p:nvPr>
+        </p:nvSpPr>
+        <p:spPr/>
+        <p:txBody>
+          <a:bodyPr/>
+          <a:lstStyle/>
+          <a:p>
+            <a:r>
+              <a:rPr lang="fi-FI"/>
+              <a:t>NTUA, G. Bakas</a:t>
+            </a:r>
+            <a:endParaRPr lang="en-US"/>
+          </a:p>
+        </p:txBody>
+      </p:sp>
+      <p:sp>
+        <p:nvSpPr>
+          <p:cNvPr id="5" name="TextBox 4"/>
+          <p:cNvSpPr txBox="1"/>
+          <p:nvPr/>
+        </p:nvSpPr>
+        <p:spPr>
+          <a:xfrm>
+            <a:off x="260131" y="157656"/>
+            <a:ext cx="10846676" cy="369332"/>
+          </a:xfrm>
+          <a:prstGeom prst="rect">
+            <a:avLst/>
+          </a:prstGeom>
+          <a:noFill/>
+        </p:spPr>
+        <p:txBody>
+          <a:bodyPr wrap="square" rtlCol="0">
+            <a:spAutoFit/>
+          </a:bodyPr>
+          <a:lstStyle/>
+          <a:p>
+            <a:r>
+              <a:rPr lang="en-US" u="sng" dirty="0"/>
+              <a:t>Response Matrices</a:t>
+            </a:r>
+            <a:endParaRPr lang="en-GB" u="sng" dirty="0"/>
+          </a:p>
+        </p:txBody>
+      </p:sp>
+      <p:sp>
+        <p:nvSpPr>
+          <p:cNvPr id="6" name="Slide Number Placeholder 5"/>
+          <p:cNvSpPr>
+            <a:spLocks noGrp="1"/>
+          </p:cNvSpPr>
+          <p:nvPr>
+            <p:ph type="sldNum" sz="quarter" idx="12"/>
+          </p:nvPr>
+        </p:nvSpPr>
+        <p:spPr/>
+        <p:txBody>
+          <a:bodyPr/>
+          <a:lstStyle/>
+          <a:p>
+            <a:fld id="{AEEFAC8D-0A19-DC49-9F7A-4BFCAD95B105}" type="slidenum">
+              <a:rPr lang="en-US" smtClean="0"/>
+              <a:t>5</a:t>
+            </a:fld>
+            <a:endParaRPr lang="en-US"/>
+          </a:p>
+        </p:txBody>
+      </p:sp>
       <p:sp>
         <p:nvSpPr>
           <p:cNvPr id="7" name="TextBox 6"/>
@@ -10000,7 +10618,7 @@
               <a:buChar char="•"/>
             </a:pPr>
             <a:r>
-              <a:rPr lang="en-US" sz="1600" dirty="0" smtClean="0"/>
+              <a:rPr lang="en-US" sz="1600" dirty="0"/>
               <a:t>Selection:</a:t>
             </a:r>
           </a:p>
@@ -10011,11 +10629,7 @@
             </a:pPr>
             <a:r>
               <a:rPr lang="en-US" sz="1600" dirty="0"/>
-              <a:t>Jet </a:t>
-            </a:r>
-            <a:r>
-              <a:rPr lang="en-US" sz="1600" dirty="0" smtClean="0"/>
-              <a:t>Matching</a:t>
+              <a:t>Jet Matching</a:t>
             </a:r>
           </a:p>
           <a:p>
@@ -10024,7 +10638,7 @@
               <a:buChar char="•"/>
             </a:pPr>
             <a:r>
-              <a:rPr lang="en-US" sz="1600" dirty="0" smtClean="0"/>
+              <a:rPr lang="en-US" sz="1600" dirty="0"/>
               <a:t>Parton cuts:</a:t>
             </a:r>
           </a:p>
@@ -10034,11 +10648,11 @@
               <a:buChar char="•"/>
             </a:pPr>
             <a:r>
-              <a:rPr lang="en-US" sz="1600" dirty="0" err="1" smtClean="0"/>
+              <a:rPr lang="en-US" sz="1600" dirty="0" err="1"/>
               <a:t>partonPt</a:t>
             </a:r>
             <a:r>
-              <a:rPr lang="en-US" sz="1600" dirty="0" smtClean="0"/>
+              <a:rPr lang="en-US" sz="1600" dirty="0"/>
               <a:t>[0],[1] &gt; 400</a:t>
             </a:r>
           </a:p>
@@ -10048,15 +10662,15 @@
               <a:buChar char="•"/>
             </a:pPr>
             <a:r>
-              <a:rPr lang="en-US" sz="1600" dirty="0" smtClean="0"/>
+              <a:rPr lang="en-US" sz="1600" dirty="0"/>
               <a:t>|</a:t>
             </a:r>
             <a:r>
-              <a:rPr lang="en-US" sz="1600" dirty="0" err="1" smtClean="0"/>
+              <a:rPr lang="en-US" sz="1600" dirty="0" err="1"/>
               <a:t>partonEta</a:t>
             </a:r>
             <a:r>
-              <a:rPr lang="en-US" sz="1600" dirty="0" smtClean="0"/>
+              <a:rPr lang="en-US" sz="1600" dirty="0"/>
               <a:t>[0],[1]| &lt; 2.4</a:t>
             </a:r>
           </a:p>
@@ -10066,11 +10680,11 @@
               <a:buChar char="•"/>
             </a:pPr>
             <a:r>
-              <a:rPr lang="en-US" sz="1600" dirty="0" err="1" smtClean="0"/>
+              <a:rPr lang="en-US" sz="1600" dirty="0" err="1"/>
               <a:t>mTTbarParton</a:t>
             </a:r>
             <a:r>
-              <a:rPr lang="en-US" sz="1600" dirty="0" smtClean="0"/>
+              <a:rPr lang="en-US" sz="1600" dirty="0"/>
               <a:t> &gt; 1000</a:t>
             </a:r>
           </a:p>
@@ -10083,8 +10697,8 @@
           </a:p>
         </p:txBody>
       </p:sp>
-      <mc:AlternateContent xmlns:mc="http://schemas.openxmlformats.org/markup-compatibility/2006">
-        <mc:Choice xmlns:a14="http://schemas.microsoft.com/office/drawing/2010/main" Requires="a14">
+      <mc:AlternateContent xmlns:mc="http://schemas.openxmlformats.org/markup-compatibility/2006" xmlns:a14="http://schemas.microsoft.com/office/drawing/2010/main">
+        <mc:Choice Requires="a14">
           <p:sp>
             <p:nvSpPr>
               <p:cNvPr id="8" name="TextBox 7"/>
@@ -10094,7 +10708,7 @@
             <p:spPr>
               <a:xfrm>
                 <a:off x="401216" y="3457161"/>
-                <a:ext cx="11000792" cy="2344873"/>
+                <a:ext cx="11000792" cy="2220416"/>
               </a:xfrm>
               <a:prstGeom prst="rect">
                 <a:avLst/>
@@ -10108,7 +10722,7 @@
               <a:lstStyle/>
               <a:p>
                 <a:r>
-                  <a:rPr lang="en-US" sz="1600" dirty="0" smtClean="0"/>
+                  <a:rPr lang="en-US" sz="1600" dirty="0"/>
                   <a:t>Definitions:</a:t>
                 </a:r>
               </a:p>
@@ -10127,7 +10741,7 @@
                         <a:rPr lang="en-US" sz="1600" b="0" i="1" smtClean="0">
                           <a:latin typeface="Cambria Math" panose="02040503050406030204" pitchFamily="18" charset="0"/>
                         </a:rPr>
-                        <m:t>                                                          </m:t>
+                        <m:t>                                             </m:t>
                       </m:r>
                       <m:r>
                         <a:rPr lang="en-US" sz="1600" b="0" i="1" smtClean="0">
@@ -10336,15 +10950,11 @@
                     </m:oMath>
                   </m:oMathPara>
                 </a14:m>
-                <a:endParaRPr lang="en-US" sz="1600" b="0" dirty="0" smtClean="0"/>
+                <a:endParaRPr lang="en-US" sz="1600" b="0" dirty="0"/>
               </a:p>
               <a:p>
                 <a:pPr algn="ctr"/>
-                <a:endParaRPr lang="en-US" sz="1600" b="0" dirty="0" smtClean="0"/>
-              </a:p>
-              <a:p>
-                <a:pPr algn="ctr"/>
-                <a:endParaRPr lang="en-US" sz="1600" b="0" dirty="0" smtClean="0"/>
+                <a:endParaRPr lang="en-US" sz="1600" b="0" dirty="0"/>
               </a:p>
               <a:p>
                 <a:pPr algn="ctr"/>
@@ -10358,191 +10968,211 @@
                         <a:rPr lang="en-US" sz="1600" b="0" i="1" smtClean="0">
                           <a:latin typeface="Cambria Math" panose="02040503050406030204" pitchFamily="18" charset="0"/>
                         </a:rPr>
-                        <m:t>                                                        </m:t>
-                      </m:r>
-                      <m:r>
-                        <a:rPr lang="en-US" sz="1600" b="0" i="1" smtClean="0">
-                          <a:latin typeface="Cambria Math" panose="02040503050406030204" pitchFamily="18" charset="0"/>
-                        </a:rPr>
-                        <m:t>𝐴𝑐𝑐𝑒𝑝𝑡𝑎𝑛𝑐𝑒</m:t>
-                      </m:r>
-                      <m:r>
-                        <a:rPr lang="en-US" sz="1600" i="1">
-                          <a:latin typeface="Cambria Math" panose="02040503050406030204" pitchFamily="18" charset="0"/>
-                        </a:rPr>
-                        <m:t>= </m:t>
-                      </m:r>
-                      <m:f>
-                        <m:fPr>
-                          <m:ctrlPr>
-                            <a:rPr lang="en-US" sz="1600" i="1">
-                              <a:latin typeface="Cambria Math" panose="02040503050406030204" pitchFamily="18" charset="0"/>
-                            </a:rPr>
-                          </m:ctrlPr>
-                        </m:fPr>
-                        <m:num>
-                          <m:r>
-                            <a:rPr lang="en-US" sz="1600" i="1">
-                              <a:latin typeface="Cambria Math" panose="02040503050406030204" pitchFamily="18" charset="0"/>
-                            </a:rPr>
-                            <m:t>#</m:t>
-                          </m:r>
-                          <m:r>
-                            <a:rPr lang="en-US" sz="1600" i="1">
-                              <a:latin typeface="Cambria Math" panose="02040503050406030204" pitchFamily="18" charset="0"/>
-                            </a:rPr>
-                            <m:t>𝑒𝑣𝑒𝑛𝑡𝑠</m:t>
-                          </m:r>
-                          <m:r>
-                            <a:rPr lang="en-US" sz="1600" i="1">
-                              <a:latin typeface="Cambria Math" panose="02040503050406030204" pitchFamily="18" charset="0"/>
-                            </a:rPr>
-                            <m:t> </m:t>
-                          </m:r>
-                          <m:r>
-                            <a:rPr lang="en-US" sz="1600" i="1">
-                              <a:latin typeface="Cambria Math" panose="02040503050406030204" pitchFamily="18" charset="0"/>
-                            </a:rPr>
-                            <m:t>𝑝𝑎𝑠𝑠𝑖𝑛𝑔</m:t>
-                          </m:r>
-                          <m:r>
-                            <a:rPr lang="en-US" sz="1600" i="1">
-                              <a:latin typeface="Cambria Math" panose="02040503050406030204" pitchFamily="18" charset="0"/>
-                            </a:rPr>
-                            <m:t> </m:t>
-                          </m:r>
-                          <m:r>
-                            <a:rPr lang="en-US" sz="1600" i="1">
-                              <a:latin typeface="Cambria Math" panose="02040503050406030204" pitchFamily="18" charset="0"/>
-                            </a:rPr>
-                            <m:t>𝑟𝑒𝑐𝑜</m:t>
-                          </m:r>
-                          <m:r>
-                            <a:rPr lang="en-US" sz="1600" i="1">
-                              <a:latin typeface="Cambria Math" panose="02040503050406030204" pitchFamily="18" charset="0"/>
-                            </a:rPr>
-                            <m:t> </m:t>
-                          </m:r>
-                          <m:r>
-                            <a:rPr lang="en-US" sz="1600" i="1">
-                              <a:latin typeface="Cambria Math" panose="02040503050406030204" pitchFamily="18" charset="0"/>
-                            </a:rPr>
-                            <m:t>𝑎𝑛𝑑</m:t>
-                          </m:r>
-                          <m:r>
-                            <a:rPr lang="en-US" sz="1600" i="1">
-                              <a:latin typeface="Cambria Math" panose="02040503050406030204" pitchFamily="18" charset="0"/>
-                            </a:rPr>
-                            <m:t> </m:t>
-                          </m:r>
-                          <m:r>
-                            <a:rPr lang="en-US" sz="1600" i="1">
-                              <a:latin typeface="Cambria Math" panose="02040503050406030204" pitchFamily="18" charset="0"/>
-                            </a:rPr>
-                            <m:t>𝑝𝑎𝑟𝑡𝑜𝑛</m:t>
-                          </m:r>
-                          <m:r>
-                            <a:rPr lang="en-US" sz="1600" i="1">
-                              <a:latin typeface="Cambria Math" panose="02040503050406030204" pitchFamily="18" charset="0"/>
-                            </a:rPr>
-                            <m:t> </m:t>
-                          </m:r>
-                          <m:r>
-                            <a:rPr lang="en-US" sz="1600" i="1">
-                              <a:latin typeface="Cambria Math" panose="02040503050406030204" pitchFamily="18" charset="0"/>
-                            </a:rPr>
-                            <m:t>𝑐𝑢𝑡𝑠</m:t>
-                          </m:r>
-                        </m:num>
-                        <m:den>
-                          <m:r>
-                            <a:rPr lang="en-US" sz="1600" i="1">
-                              <a:latin typeface="Cambria Math" panose="02040503050406030204" pitchFamily="18" charset="0"/>
-                            </a:rPr>
-                            <m:t>#</m:t>
-                          </m:r>
-                          <m:r>
-                            <a:rPr lang="en-US" sz="1600" i="1">
-                              <a:latin typeface="Cambria Math" panose="02040503050406030204" pitchFamily="18" charset="0"/>
-                            </a:rPr>
-                            <m:t>𝑒𝑣𝑒𝑛𝑡𝑠𝑖𝑛𝑔</m:t>
-                          </m:r>
-                          <m:r>
-                            <a:rPr lang="en-US" sz="1600" i="1">
-                              <a:latin typeface="Cambria Math" panose="02040503050406030204" pitchFamily="18" charset="0"/>
-                            </a:rPr>
-                            <m:t> </m:t>
-                          </m:r>
-                          <m:r>
-                            <a:rPr lang="en-US" sz="1600" i="1">
-                              <a:latin typeface="Cambria Math" panose="02040503050406030204" pitchFamily="18" charset="0"/>
-                            </a:rPr>
-                            <m:t>𝑝𝑎𝑠𝑠</m:t>
-                          </m:r>
-                          <m:r>
-                            <a:rPr lang="en-US" sz="1600" i="1">
-                              <a:latin typeface="Cambria Math" panose="02040503050406030204" pitchFamily="18" charset="0"/>
-                            </a:rPr>
-                            <m:t> </m:t>
-                          </m:r>
-                          <m:r>
-                            <a:rPr lang="en-US" sz="1600" i="1">
-                              <a:latin typeface="Cambria Math" panose="02040503050406030204" pitchFamily="18" charset="0"/>
-                            </a:rPr>
-                            <m:t>𝑟𝑒𝑐𝑜</m:t>
-                          </m:r>
-                          <m:r>
-                            <a:rPr lang="en-US" sz="1600" i="1">
-                              <a:latin typeface="Cambria Math" panose="02040503050406030204" pitchFamily="18" charset="0"/>
-                            </a:rPr>
-                            <m:t> </m:t>
-                          </m:r>
-                          <m:r>
-                            <a:rPr lang="en-US" sz="1600" i="1">
-                              <a:latin typeface="Cambria Math" panose="02040503050406030204" pitchFamily="18" charset="0"/>
-                            </a:rPr>
-                            <m:t>𝑐𝑢𝑡𝑠</m:t>
-                          </m:r>
-                          <m:r>
-                            <a:rPr lang="en-US" sz="1600" i="1">
-                              <a:latin typeface="Cambria Math" panose="02040503050406030204" pitchFamily="18" charset="0"/>
-                            </a:rPr>
-                            <m:t> </m:t>
-                          </m:r>
-                        </m:den>
-                      </m:f>
-                      <m:r>
-                        <a:rPr lang="en-US" sz="1600" b="0" i="1" smtClean="0">
-                          <a:latin typeface="Cambria Math" panose="02040503050406030204" pitchFamily="18" charset="0"/>
-                        </a:rPr>
-                        <m:t>(</m:t>
-                      </m:r>
-                      <m:r>
-                        <a:rPr lang="en-US" sz="1600" b="0" i="1" smtClean="0">
-                          <a:latin typeface="Cambria Math" panose="02040503050406030204" pitchFamily="18" charset="0"/>
-                        </a:rPr>
-                        <m:t>𝑣𝑠</m:t>
-                      </m:r>
-                      <m:r>
-                        <a:rPr lang="en-US" sz="1600" b="0" i="1" smtClean="0">
-                          <a:latin typeface="Cambria Math" panose="02040503050406030204" pitchFamily="18" charset="0"/>
-                        </a:rPr>
-                        <m:t> </m:t>
-                      </m:r>
-                      <m:r>
-                        <a:rPr lang="en-US" sz="1600" b="0" i="1" smtClean="0">
-                          <a:latin typeface="Cambria Math" panose="02040503050406030204" pitchFamily="18" charset="0"/>
-                        </a:rPr>
-                        <m:t>𝑅𝑒𝑐𝑜</m:t>
-                      </m:r>
-                      <m:r>
-                        <a:rPr lang="en-US" sz="1600" b="0" i="1" smtClean="0">
-                          <a:latin typeface="Cambria Math" panose="02040503050406030204" pitchFamily="18" charset="0"/>
-                        </a:rPr>
-                        <m:t>)</m:t>
+                        <m:t>                                                      </m:t>
                       </m:r>
                     </m:oMath>
                   </m:oMathPara>
+                </a14:m>
+                <a:endParaRPr lang="en-US" sz="1600" b="0" i="1" dirty="0">
+                  <a:latin typeface="Cambria Math" panose="02040503050406030204" pitchFamily="18" charset="0"/>
+                </a:endParaRPr>
+              </a:p>
+              <a:p>
+                <a:pPr algn="ctr"/>
+                <a:r>
+                  <a:rPr lang="en-US" sz="1600" b="0"/>
+                  <a:t>	</a:t>
+                </a:r>
+                <a14:m>
+                  <m:oMath xmlns:m="http://schemas.openxmlformats.org/officeDocument/2006/math">
+                    <m:r>
+                      <a:rPr lang="en-US" sz="1600" b="0" i="1" smtClean="0">
+                        <a:latin typeface="Cambria Math" panose="02040503050406030204" pitchFamily="18" charset="0"/>
+                      </a:rPr>
+                      <m:t>  </m:t>
+                    </m:r>
+                    <m:r>
+                      <a:rPr lang="en-US" sz="1600" b="0" i="1" smtClean="0">
+                        <a:latin typeface="Cambria Math" panose="02040503050406030204" pitchFamily="18" charset="0"/>
+                      </a:rPr>
+                      <m:t>𝐴𝑐𝑐𝑒𝑝𝑡𝑎𝑛𝑐𝑒</m:t>
+                    </m:r>
+                    <m:r>
+                      <a:rPr lang="en-US" sz="1600" i="1">
+                        <a:latin typeface="Cambria Math" panose="02040503050406030204" pitchFamily="18" charset="0"/>
+                      </a:rPr>
+                      <m:t>= </m:t>
+                    </m:r>
+                    <m:f>
+                      <m:fPr>
+                        <m:ctrlPr>
+                          <a:rPr lang="en-US" sz="1600" i="1">
+                            <a:latin typeface="Cambria Math" panose="02040503050406030204" pitchFamily="18" charset="0"/>
+                          </a:rPr>
+                        </m:ctrlPr>
+                      </m:fPr>
+                      <m:num>
+                        <m:r>
+                          <a:rPr lang="en-US" sz="1600" i="1">
+                            <a:latin typeface="Cambria Math" panose="02040503050406030204" pitchFamily="18" charset="0"/>
+                          </a:rPr>
+                          <m:t>#</m:t>
+                        </m:r>
+                        <m:r>
+                          <a:rPr lang="en-US" sz="1600" i="1">
+                            <a:latin typeface="Cambria Math" panose="02040503050406030204" pitchFamily="18" charset="0"/>
+                          </a:rPr>
+                          <m:t>𝑒𝑣𝑒𝑛𝑡𝑠</m:t>
+                        </m:r>
+                        <m:r>
+                          <a:rPr lang="en-US" sz="1600" i="1">
+                            <a:latin typeface="Cambria Math" panose="02040503050406030204" pitchFamily="18" charset="0"/>
+                          </a:rPr>
+                          <m:t> </m:t>
+                        </m:r>
+                        <m:r>
+                          <a:rPr lang="en-US" sz="1600" i="1">
+                            <a:latin typeface="Cambria Math" panose="02040503050406030204" pitchFamily="18" charset="0"/>
+                          </a:rPr>
+                          <m:t>𝑝𝑎𝑠𝑠𝑖𝑛𝑔</m:t>
+                        </m:r>
+                        <m:r>
+                          <a:rPr lang="en-US" sz="1600" i="1">
+                            <a:latin typeface="Cambria Math" panose="02040503050406030204" pitchFamily="18" charset="0"/>
+                          </a:rPr>
+                          <m:t> </m:t>
+                        </m:r>
+                        <m:r>
+                          <a:rPr lang="en-US" sz="1600" i="1">
+                            <a:latin typeface="Cambria Math" panose="02040503050406030204" pitchFamily="18" charset="0"/>
+                          </a:rPr>
+                          <m:t>𝑟𝑒𝑐𝑜</m:t>
+                        </m:r>
+                        <m:r>
+                          <a:rPr lang="en-US" sz="1600" i="1">
+                            <a:latin typeface="Cambria Math" panose="02040503050406030204" pitchFamily="18" charset="0"/>
+                          </a:rPr>
+                          <m:t> </m:t>
+                        </m:r>
+                        <m:r>
+                          <a:rPr lang="en-US" sz="1600" i="1">
+                            <a:latin typeface="Cambria Math" panose="02040503050406030204" pitchFamily="18" charset="0"/>
+                          </a:rPr>
+                          <m:t>𝑎𝑛𝑑</m:t>
+                        </m:r>
+                        <m:r>
+                          <a:rPr lang="en-US" sz="1600" i="1">
+                            <a:latin typeface="Cambria Math" panose="02040503050406030204" pitchFamily="18" charset="0"/>
+                          </a:rPr>
+                          <m:t> </m:t>
+                        </m:r>
+                        <m:r>
+                          <a:rPr lang="en-US" sz="1600" i="1">
+                            <a:latin typeface="Cambria Math" panose="02040503050406030204" pitchFamily="18" charset="0"/>
+                          </a:rPr>
+                          <m:t>𝑝𝑎𝑟𝑡𝑜𝑛</m:t>
+                        </m:r>
+                        <m:r>
+                          <a:rPr lang="en-US" sz="1600" i="1">
+                            <a:latin typeface="Cambria Math" panose="02040503050406030204" pitchFamily="18" charset="0"/>
+                          </a:rPr>
+                          <m:t> </m:t>
+                        </m:r>
+                        <m:r>
+                          <a:rPr lang="en-US" sz="1600" i="1">
+                            <a:latin typeface="Cambria Math" panose="02040503050406030204" pitchFamily="18" charset="0"/>
+                          </a:rPr>
+                          <m:t>𝑐𝑢𝑡𝑠</m:t>
+                        </m:r>
+                      </m:num>
+                      <m:den>
+                        <m:r>
+                          <a:rPr lang="en-US" sz="1600" i="1">
+                            <a:latin typeface="Cambria Math" panose="02040503050406030204" pitchFamily="18" charset="0"/>
+                          </a:rPr>
+                          <m:t>#</m:t>
+                        </m:r>
+                        <m:r>
+                          <a:rPr lang="en-US" sz="1600" i="1">
+                            <a:latin typeface="Cambria Math" panose="02040503050406030204" pitchFamily="18" charset="0"/>
+                          </a:rPr>
+                          <m:t>𝑒𝑣𝑒𝑛𝑡𝑠𝑖𝑛𝑔</m:t>
+                        </m:r>
+                        <m:r>
+                          <a:rPr lang="en-US" sz="1600" i="1">
+                            <a:latin typeface="Cambria Math" panose="02040503050406030204" pitchFamily="18" charset="0"/>
+                          </a:rPr>
+                          <m:t> </m:t>
+                        </m:r>
+                        <m:r>
+                          <a:rPr lang="en-US" sz="1600" i="1">
+                            <a:latin typeface="Cambria Math" panose="02040503050406030204" pitchFamily="18" charset="0"/>
+                          </a:rPr>
+                          <m:t>𝑝𝑎𝑠𝑠</m:t>
+                        </m:r>
+                        <m:r>
+                          <a:rPr lang="en-US" sz="1600" i="1">
+                            <a:latin typeface="Cambria Math" panose="02040503050406030204" pitchFamily="18" charset="0"/>
+                          </a:rPr>
+                          <m:t> </m:t>
+                        </m:r>
+                        <m:r>
+                          <a:rPr lang="en-US" sz="1600" i="1">
+                            <a:latin typeface="Cambria Math" panose="02040503050406030204" pitchFamily="18" charset="0"/>
+                          </a:rPr>
+                          <m:t>𝑟𝑒𝑐𝑜</m:t>
+                        </m:r>
+                        <m:r>
+                          <a:rPr lang="en-US" sz="1600" i="1">
+                            <a:latin typeface="Cambria Math" panose="02040503050406030204" pitchFamily="18" charset="0"/>
+                          </a:rPr>
+                          <m:t> </m:t>
+                        </m:r>
+                        <m:r>
+                          <a:rPr lang="en-US" sz="1600" i="1">
+                            <a:latin typeface="Cambria Math" panose="02040503050406030204" pitchFamily="18" charset="0"/>
+                          </a:rPr>
+                          <m:t>𝑐𝑢𝑡𝑠</m:t>
+                        </m:r>
+                        <m:r>
+                          <a:rPr lang="en-US" sz="1600" i="1">
+                            <a:latin typeface="Cambria Math" panose="02040503050406030204" pitchFamily="18" charset="0"/>
+                          </a:rPr>
+                          <m:t> </m:t>
+                        </m:r>
+                      </m:den>
+                    </m:f>
+                    <m:r>
+                      <a:rPr lang="en-US" sz="1600" b="0" i="1" smtClean="0">
+                        <a:latin typeface="Cambria Math" panose="02040503050406030204" pitchFamily="18" charset="0"/>
+                      </a:rPr>
+                      <m:t>(</m:t>
+                    </m:r>
+                    <m:r>
+                      <a:rPr lang="en-US" sz="1600" b="0" i="1" smtClean="0">
+                        <a:latin typeface="Cambria Math" panose="02040503050406030204" pitchFamily="18" charset="0"/>
+                      </a:rPr>
+                      <m:t>𝑣𝑠</m:t>
+                    </m:r>
+                    <m:r>
+                      <a:rPr lang="en-US" sz="1600" b="0" i="1" smtClean="0">
+                        <a:latin typeface="Cambria Math" panose="02040503050406030204" pitchFamily="18" charset="0"/>
+                      </a:rPr>
+                      <m:t> </m:t>
+                    </m:r>
+                    <m:r>
+                      <a:rPr lang="en-US" sz="1600" b="0" i="1" smtClean="0">
+                        <a:latin typeface="Cambria Math" panose="02040503050406030204" pitchFamily="18" charset="0"/>
+                      </a:rPr>
+                      <m:t>𝑅𝑒𝑐𝑜</m:t>
+                    </m:r>
+                    <m:r>
+                      <a:rPr lang="en-US" sz="1600" b="0" i="1" smtClean="0">
+                        <a:latin typeface="Cambria Math" panose="02040503050406030204" pitchFamily="18" charset="0"/>
+                      </a:rPr>
+                      <m:t>)</m:t>
+                    </m:r>
+                  </m:oMath>
                 </a14:m>
                 <a:endParaRPr lang="en-GB" sz="1600" dirty="0"/>
               </a:p>
@@ -10552,7 +11182,7 @@
             </p:txBody>
           </p:sp>
         </mc:Choice>
-        <mc:Fallback>
+        <mc:Fallback xmlns="">
           <p:sp>
             <p:nvSpPr>
               <p:cNvPr id="8" name="TextBox 7"/>
@@ -10564,7 +11194,7 @@
             <p:spPr>
               <a:xfrm>
                 <a:off x="401216" y="3457161"/>
-                <a:ext cx="11000792" cy="2344873"/>
+                <a:ext cx="11000792" cy="2220416"/>
               </a:xfrm>
               <a:prstGeom prst="rect">
                 <a:avLst/>
@@ -10572,7 +11202,7 @@
               <a:blipFill>
                 <a:blip r:embed="rId3"/>
                 <a:stretch>
-                  <a:fillRect l="-333" t="-779"/>
+                  <a:fillRect l="-231" t="-568"/>
                 </a:stretch>
               </a:blipFill>
             </p:spPr>
@@ -10581,7 +11211,7 @@
               <a:lstStyle/>
               <a:p>
                 <a:r>
-                  <a:rPr lang="en-GB">
+                  <a:rPr lang="en-US">
                     <a:noFill/>
                   </a:rPr>
                   <a:t> </a:t>
@@ -10618,14 +11248,13 @@
               <a:buChar char="•"/>
             </a:pPr>
             <a:r>
-              <a:rPr lang="en-US" sz="1600" dirty="0" err="1" smtClean="0"/>
+              <a:rPr lang="en-US" sz="1600" dirty="0" err="1"/>
               <a:t>Reco</a:t>
             </a:r>
             <a:r>
-              <a:rPr lang="en-US" sz="1600" dirty="0" smtClean="0"/>
+              <a:rPr lang="en-US" sz="1600" dirty="0"/>
               <a:t> cuts:</a:t>
             </a:r>
-            <a:endParaRPr lang="en-US" sz="1600" dirty="0"/>
           </a:p>
           <a:p>
             <a:pPr marL="1200150" lvl="2" indent="-285750">
@@ -10744,11 +11373,7 @@
             </a:r>
             <a:r>
               <a:rPr lang="en-US" sz="1600" dirty="0"/>
-              <a:t> &gt; 120 and &lt; </a:t>
-            </a:r>
-            <a:r>
-              <a:rPr lang="en-US" sz="1600" dirty="0" smtClean="0"/>
-              <a:t>220</a:t>
+              <a:t> &gt; 120 and &lt; 220</a:t>
             </a:r>
           </a:p>
           <a:p>
@@ -10769,7 +11394,7 @@
 </p:sld>
 </file>
 
-<file path=ppt/slides/slide5.xml><?xml version="1.0" encoding="utf-8"?>
+<file path=ppt/slides/slide6.xml><?xml version="1.0" encoding="utf-8"?>
 <p:sld xmlns:a="http://schemas.openxmlformats.org/drawingml/2006/main" xmlns:r="http://schemas.openxmlformats.org/officeDocument/2006/relationships" xmlns:p="http://schemas.openxmlformats.org/presentationml/2006/main">
   <p:cSld>
     <p:spTree>
@@ -10803,7 +11428,7 @@
           <a:p>
             <a:fld id="{482AA653-8872-4AEA-B19D-0BF0F1064A5A}" type="datetime3">
               <a:rPr lang="en-US" smtClean="0"/>
-              <a:t>4 June 2019</a:t>
+              <a:t>5 June 2019</a:t>
             </a:fld>
             <a:endParaRPr lang="en-US"/>
           </a:p>
@@ -10883,7 +11508,7 @@
           <a:p>
             <a:fld id="{AEEFAC8D-0A19-DC49-9F7A-4BFCAD95B105}" type="slidenum">
               <a:rPr lang="en-US" smtClean="0"/>
-              <a:t>5</a:t>
+              <a:t>6</a:t>
             </a:fld>
             <a:endParaRPr lang="en-US"/>
           </a:p>
@@ -10932,7 +11557,7 @@
 </p:sld>
 </file>
 
-<file path=ppt/slides/slide6.xml><?xml version="1.0" encoding="utf-8"?>
+<file path=ppt/slides/slide7.xml><?xml version="1.0" encoding="utf-8"?>
 <p:sld xmlns:a="http://schemas.openxmlformats.org/drawingml/2006/main" xmlns:r="http://schemas.openxmlformats.org/officeDocument/2006/relationships" xmlns:p="http://schemas.openxmlformats.org/presentationml/2006/main">
   <p:cSld>
     <p:spTree>
@@ -10966,7 +11591,7 @@
           <a:p>
             <a:fld id="{482AA653-8872-4AEA-B19D-0BF0F1064A5A}" type="datetime3">
               <a:rPr lang="en-US" smtClean="0"/>
-              <a:t>4 June 2019</a:t>
+              <a:t>5 June 2019</a:t>
             </a:fld>
             <a:endParaRPr lang="en-US"/>
           </a:p>
@@ -11041,7 +11666,7 @@
           <a:p>
             <a:fld id="{AEEFAC8D-0A19-DC49-9F7A-4BFCAD95B105}" type="slidenum">
               <a:rPr lang="en-US" smtClean="0"/>
-              <a:t>6</a:t>
+              <a:t>7</a:t>
             </a:fld>
             <a:endParaRPr lang="en-US"/>
           </a:p>
@@ -11090,7 +11715,7 @@
 </p:sld>
 </file>
 
-<file path=ppt/slides/slide7.xml><?xml version="1.0" encoding="utf-8"?>
+<file path=ppt/slides/slide8.xml><?xml version="1.0" encoding="utf-8"?>
 <p:sld xmlns:a="http://schemas.openxmlformats.org/drawingml/2006/main" xmlns:r="http://schemas.openxmlformats.org/officeDocument/2006/relationships" xmlns:p="http://schemas.openxmlformats.org/presentationml/2006/main">
   <p:cSld>
     <p:spTree>
@@ -11124,7 +11749,7 @@
           <a:p>
             <a:fld id="{482AA653-8872-4AEA-B19D-0BF0F1064A5A}" type="datetime3">
               <a:rPr lang="en-US" smtClean="0"/>
-              <a:t>4 June 2019</a:t>
+              <a:t>5 June 2019</a:t>
             </a:fld>
             <a:endParaRPr lang="en-US"/>
           </a:p>
@@ -11199,7 +11824,7 @@
           <a:p>
             <a:fld id="{AEEFAC8D-0A19-DC49-9F7A-4BFCAD95B105}" type="slidenum">
               <a:rPr lang="en-US" smtClean="0"/>
-              <a:t>7</a:t>
+              <a:t>8</a:t>
             </a:fld>
             <a:endParaRPr lang="en-US"/>
           </a:p>
@@ -11248,7 +11873,7 @@
 </p:sld>
 </file>
 
-<file path=ppt/slides/slide8.xml><?xml version="1.0" encoding="utf-8"?>
+<file path=ppt/slides/slide9.xml><?xml version="1.0" encoding="utf-8"?>
 <p:sld xmlns:a="http://schemas.openxmlformats.org/drawingml/2006/main" xmlns:r="http://schemas.openxmlformats.org/officeDocument/2006/relationships" xmlns:p="http://schemas.openxmlformats.org/presentationml/2006/main">
   <p:cSld>
     <p:spTree>
@@ -11312,7 +11937,7 @@
           <a:p>
             <a:fld id="{482AA653-8872-4AEA-B19D-0BF0F1064A5A}" type="datetime3">
               <a:rPr lang="en-US" smtClean="0"/>
-              <a:t>4 June 2019</a:t>
+              <a:t>5 June 2019</a:t>
             </a:fld>
             <a:endParaRPr lang="en-US"/>
           </a:p>
@@ -11358,7 +11983,7 @@
           <a:p>
             <a:fld id="{AEEFAC8D-0A19-DC49-9F7A-4BFCAD95B105}" type="slidenum">
               <a:rPr lang="en-US" smtClean="0"/>
-              <a:t>8</a:t>
+              <a:t>9</a:t>
             </a:fld>
             <a:endParaRPr lang="en-US"/>
           </a:p>
@@ -11494,261 +12119,6 @@
     <p:extLst>
       <p:ext uri="{BB962C8B-B14F-4D97-AF65-F5344CB8AC3E}">
         <p14:creationId xmlns:p14="http://schemas.microsoft.com/office/powerpoint/2010/main" val="779823611"/>
-      </p:ext>
-    </p:extLst>
-  </p:cSld>
-  <p:clrMapOvr>
-    <a:masterClrMapping/>
-  </p:clrMapOvr>
-</p:sld>
-</file>
-
-<file path=ppt/slides/slide9.xml><?xml version="1.0" encoding="utf-8"?>
-<p:sld xmlns:a="http://schemas.openxmlformats.org/drawingml/2006/main" xmlns:r="http://schemas.openxmlformats.org/officeDocument/2006/relationships" xmlns:p="http://schemas.openxmlformats.org/presentationml/2006/main">
-  <p:cSld>
-    <p:spTree>
-      <p:nvGrpSpPr>
-        <p:cNvPr id="1" name=""/>
-        <p:cNvGrpSpPr/>
-        <p:nvPr/>
-      </p:nvGrpSpPr>
-      <p:grpSpPr>
-        <a:xfrm>
-          <a:off x="0" y="0"/>
-          <a:ext cx="0" cy="0"/>
-          <a:chOff x="0" y="0"/>
-          <a:chExt cx="0" cy="0"/>
-        </a:xfrm>
-      </p:grpSpPr>
-      <p:pic>
-        <p:nvPicPr>
-          <p:cNvPr id="9" name="Picture 8"/>
-          <p:cNvPicPr>
-            <a:picLocks noChangeAspect="1"/>
-          </p:cNvPicPr>
-          <p:nvPr/>
-        </p:nvPicPr>
-        <p:blipFill>
-          <a:blip r:embed="rId3">
-            <a:extLst>
-              <a:ext uri="{28A0092B-C50C-407E-A947-70E740481C1C}">
-                <a14:useLocalDpi xmlns:a14="http://schemas.microsoft.com/office/drawing/2010/main" val="0"/>
-              </a:ext>
-            </a:extLst>
-          </a:blip>
-          <a:stretch>
-            <a:fillRect/>
-          </a:stretch>
-        </p:blipFill>
-        <p:spPr>
-          <a:xfrm>
-            <a:off x="6376045" y="935703"/>
-            <a:ext cx="5815955" cy="4366260"/>
-          </a:xfrm>
-          <a:prstGeom prst="rect">
-            <a:avLst/>
-          </a:prstGeom>
-        </p:spPr>
-      </p:pic>
-      <p:pic>
-        <p:nvPicPr>
-          <p:cNvPr id="8" name="Picture 7"/>
-          <p:cNvPicPr>
-            <a:picLocks noChangeAspect="1"/>
-          </p:cNvPicPr>
-          <p:nvPr/>
-        </p:nvPicPr>
-        <p:blipFill>
-          <a:blip r:embed="rId4">
-            <a:extLst>
-              <a:ext uri="{28A0092B-C50C-407E-A947-70E740481C1C}">
-                <a14:useLocalDpi xmlns:a14="http://schemas.microsoft.com/office/drawing/2010/main" val="0"/>
-              </a:ext>
-            </a:extLst>
-          </a:blip>
-          <a:stretch>
-            <a:fillRect/>
-          </a:stretch>
-        </p:blipFill>
-        <p:spPr>
-          <a:xfrm>
-            <a:off x="0" y="935703"/>
-            <a:ext cx="6074229" cy="4366260"/>
-          </a:xfrm>
-          <a:prstGeom prst="rect">
-            <a:avLst/>
-          </a:prstGeom>
-        </p:spPr>
-      </p:pic>
-      <p:sp>
-        <p:nvSpPr>
-          <p:cNvPr id="2" name="Date Placeholder 1"/>
-          <p:cNvSpPr>
-            <a:spLocks noGrp="1"/>
-          </p:cNvSpPr>
-          <p:nvPr>
-            <p:ph type="dt" sz="half" idx="10"/>
-          </p:nvPr>
-        </p:nvSpPr>
-        <p:spPr/>
-        <p:txBody>
-          <a:bodyPr/>
-          <a:lstStyle/>
-          <a:p>
-            <a:fld id="{482AA653-8872-4AEA-B19D-0BF0F1064A5A}" type="datetime3">
-              <a:rPr lang="en-US" smtClean="0"/>
-              <a:t>4 June 2019</a:t>
-            </a:fld>
-            <a:endParaRPr lang="en-US"/>
-          </a:p>
-        </p:txBody>
-      </p:sp>
-      <p:sp>
-        <p:nvSpPr>
-          <p:cNvPr id="3" name="Footer Placeholder 2"/>
-          <p:cNvSpPr>
-            <a:spLocks noGrp="1"/>
-          </p:cNvSpPr>
-          <p:nvPr>
-            <p:ph type="ftr" sz="quarter" idx="11"/>
-          </p:nvPr>
-        </p:nvSpPr>
-        <p:spPr/>
-        <p:txBody>
-          <a:bodyPr/>
-          <a:lstStyle/>
-          <a:p>
-            <a:r>
-              <a:rPr lang="fi-FI"/>
-              <a:t>NTUA, G. Bakas</a:t>
-            </a:r>
-            <a:endParaRPr lang="en-US"/>
-          </a:p>
-        </p:txBody>
-      </p:sp>
-      <p:sp>
-        <p:nvSpPr>
-          <p:cNvPr id="6" name="Slide Number Placeholder 5"/>
-          <p:cNvSpPr>
-            <a:spLocks noGrp="1"/>
-          </p:cNvSpPr>
-          <p:nvPr>
-            <p:ph type="sldNum" sz="quarter" idx="12"/>
-          </p:nvPr>
-        </p:nvSpPr>
-        <p:spPr/>
-        <p:txBody>
-          <a:bodyPr/>
-          <a:lstStyle/>
-          <a:p>
-            <a:fld id="{AEEFAC8D-0A19-DC49-9F7A-4BFCAD95B105}" type="slidenum">
-              <a:rPr lang="en-US" smtClean="0"/>
-              <a:t>9</a:t>
-            </a:fld>
-            <a:endParaRPr lang="en-US"/>
-          </a:p>
-        </p:txBody>
-      </p:sp>
-      <p:pic>
-        <p:nvPicPr>
-          <p:cNvPr id="7" name="Picture 6"/>
-          <p:cNvPicPr>
-            <a:picLocks noChangeAspect="1"/>
-          </p:cNvPicPr>
-          <p:nvPr/>
-        </p:nvPicPr>
-        <p:blipFill>
-          <a:blip r:embed="rId5"/>
-          <a:stretch>
-            <a:fillRect/>
-          </a:stretch>
-        </p:blipFill>
-        <p:spPr>
-          <a:xfrm>
-            <a:off x="4815817" y="5208459"/>
-            <a:ext cx="549285" cy="189573"/>
-          </a:xfrm>
-          <a:prstGeom prst="rect">
-            <a:avLst/>
-          </a:prstGeom>
-        </p:spPr>
-      </p:pic>
-      <p:pic>
-        <p:nvPicPr>
-          <p:cNvPr id="10" name="Picture 9"/>
-          <p:cNvPicPr>
-            <a:picLocks noChangeAspect="1"/>
-          </p:cNvPicPr>
-          <p:nvPr/>
-        </p:nvPicPr>
-        <p:blipFill>
-          <a:blip r:embed="rId5"/>
-          <a:stretch>
-            <a:fillRect/>
-          </a:stretch>
-        </p:blipFill>
-        <p:spPr>
-          <a:xfrm>
-            <a:off x="11079768" y="5207177"/>
-            <a:ext cx="549285" cy="189573"/>
-          </a:xfrm>
-          <a:prstGeom prst="rect">
-            <a:avLst/>
-          </a:prstGeom>
-        </p:spPr>
-      </p:pic>
-      <p:pic>
-        <p:nvPicPr>
-          <p:cNvPr id="11" name="Picture 10"/>
-          <p:cNvPicPr>
-            <a:picLocks noChangeAspect="1"/>
-          </p:cNvPicPr>
-          <p:nvPr/>
-        </p:nvPicPr>
-        <p:blipFill>
-          <a:blip r:embed="rId6"/>
-          <a:stretch>
-            <a:fillRect/>
-          </a:stretch>
-        </p:blipFill>
-        <p:spPr>
-          <a:xfrm>
-            <a:off x="157222" y="1250887"/>
-            <a:ext cx="209122" cy="472460"/>
-          </a:xfrm>
-          <a:prstGeom prst="rect">
-            <a:avLst/>
-          </a:prstGeom>
-        </p:spPr>
-      </p:pic>
-      <p:pic>
-        <p:nvPicPr>
-          <p:cNvPr id="14" name="Picture 13"/>
-          <p:cNvPicPr>
-            <a:picLocks noChangeAspect="1"/>
-          </p:cNvPicPr>
-          <p:nvPr/>
-        </p:nvPicPr>
-        <p:blipFill>
-          <a:blip r:embed="rId6"/>
-          <a:stretch>
-            <a:fillRect/>
-          </a:stretch>
-        </p:blipFill>
-        <p:spPr>
-          <a:xfrm>
-            <a:off x="6458496" y="1332045"/>
-            <a:ext cx="209122" cy="472460"/>
-          </a:xfrm>
-          <a:prstGeom prst="rect">
-            <a:avLst/>
-          </a:prstGeom>
-        </p:spPr>
-      </p:pic>
-    </p:spTree>
-    <p:extLst>
-      <p:ext uri="{BB962C8B-B14F-4D97-AF65-F5344CB8AC3E}">
-        <p14:creationId xmlns:p14="http://schemas.microsoft.com/office/powerpoint/2010/main" val="1919429513"/>
       </p:ext>
     </p:extLst>
   </p:cSld>
